--- a/tutorials/Installation.pptx
+++ b/tutorials/Installation.pptx
@@ -6,10 +6,10 @@
     <p:sldMasterId id="2147484074" r:id="rId2"/>
   </p:sldMasterIdLst>
   <p:notesMasterIdLst>
-    <p:notesMasterId r:id="rId19"/>
+    <p:notesMasterId r:id="rId16"/>
   </p:notesMasterIdLst>
   <p:handoutMasterIdLst>
-    <p:handoutMasterId r:id="rId20"/>
+    <p:handoutMasterId r:id="rId17"/>
   </p:handoutMasterIdLst>
   <p:sldIdLst>
     <p:sldId id="530" r:id="rId3"/>
@@ -25,14 +25,11 @@
     <p:sldId id="539" r:id="rId13"/>
     <p:sldId id="519" r:id="rId14"/>
     <p:sldId id="521" r:id="rId15"/>
-    <p:sldId id="524" r:id="rId16"/>
-    <p:sldId id="537" r:id="rId17"/>
-    <p:sldId id="541" r:id="rId18"/>
   </p:sldIdLst>
   <p:sldSz cx="9144000" cy="6858000" type="screen4x3"/>
   <p:notesSz cx="7010400" cy="9296400"/>
   <p:custDataLst>
-    <p:tags r:id="rId21"/>
+    <p:tags r:id="rId18"/>
   </p:custDataLst>
   <p:defaultTextStyle>
     <a:defPPr>
@@ -161,7 +158,7 @@
   </p:defaultTextStyle>
   <p:extLst>
     <p:ext uri="{EFAFB233-063F-42B5-8137-9DF3F51BA10A}">
-      <p15:sldGuideLst xmlns:p15="http://schemas.microsoft.com/office/powerpoint/2012/main" xmlns="">
+      <p15:sldGuideLst xmlns:p15="http://schemas.microsoft.com/office/powerpoint/2012/main">
         <p15:guide id="1" orient="horz" pos="864">
           <p15:clr>
             <a:srgbClr val="A4A3A4"/>
@@ -180,7 +177,7 @@
       </p15:sldGuideLst>
     </p:ext>
     <p:ext uri="{2D200454-40CA-4A62-9FC3-DE9A4176ACB9}">
-      <p15:notesGuideLst xmlns:p15="http://schemas.microsoft.com/office/powerpoint/2012/main" xmlns="">
+      <p15:notesGuideLst xmlns:p15="http://schemas.microsoft.com/office/powerpoint/2012/main">
         <p15:guide id="1" orient="horz" pos="2928">
           <p15:clr>
             <a:srgbClr val="A4A3A4"/>
@@ -433,7 +430,7 @@
               <a:pPr>
                 <a:defRPr/>
               </a:pPr>
-              <a:t>8/19/2016</a:t>
+              <a:t>9/10/2019</a:t>
             </a:fld>
             <a:endParaRPr lang="en-US"/>
           </a:p>
@@ -669,7 +666,7 @@
               <a:pPr>
                 <a:defRPr/>
               </a:pPr>
-              <a:t>8/19/2016</a:t>
+              <a:t>9/10/2019</a:t>
             </a:fld>
             <a:endParaRPr lang="en-US"/>
           </a:p>
@@ -745,38 +742,37 @@
           <a:p>
             <a:pPr lvl="0"/>
             <a:r>
-              <a:rPr lang="en-US" noProof="0" smtClean="0"/>
+              <a:rPr lang="en-US" noProof="0"/>
               <a:t>Click to edit Master text styles</a:t>
             </a:r>
           </a:p>
           <a:p>
             <a:pPr lvl="1"/>
             <a:r>
-              <a:rPr lang="en-US" noProof="0" smtClean="0"/>
+              <a:rPr lang="en-US" noProof="0"/>
               <a:t>Second level</a:t>
             </a:r>
           </a:p>
           <a:p>
             <a:pPr lvl="2"/>
             <a:r>
-              <a:rPr lang="en-US" noProof="0" smtClean="0"/>
+              <a:rPr lang="en-US" noProof="0"/>
               <a:t>Third level</a:t>
             </a:r>
           </a:p>
           <a:p>
             <a:pPr lvl="3"/>
             <a:r>
-              <a:rPr lang="en-US" noProof="0" smtClean="0"/>
+              <a:rPr lang="en-US" noProof="0"/>
               <a:t>Fourth level</a:t>
             </a:r>
           </a:p>
           <a:p>
             <a:pPr lvl="4"/>
             <a:r>
-              <a:rPr lang="en-US" noProof="0" smtClean="0"/>
+              <a:rPr lang="en-US" noProof="0"/>
               <a:t>Fifth level</a:t>
             </a:r>
-            <a:endParaRPr lang="en-US" noProof="0"/>
           </a:p>
         </p:txBody>
       </p:sp>
@@ -1110,13 +1106,13 @@
           <a:bodyPr/>
           <a:lstStyle/>
           <a:p>
-            <a:endParaRPr lang="en-US" baseline="0" dirty="0" smtClean="0"/>
-          </a:p>
-          <a:p>
-            <a:endParaRPr lang="en-US" baseline="0" dirty="0" smtClean="0"/>
-          </a:p>
-          <a:p>
-            <a:endParaRPr lang="en-US" dirty="0" smtClean="0"/>
+            <a:endParaRPr lang="en-US" baseline="0" dirty="0"/>
+          </a:p>
+          <a:p>
+            <a:endParaRPr lang="en-US" baseline="0" dirty="0"/>
+          </a:p>
+          <a:p>
+            <a:endParaRPr lang="en-US" dirty="0"/>
           </a:p>
           <a:p>
             <a:endParaRPr lang="en-US" dirty="0"/>
@@ -1210,7 +1206,7 @@
           <a:lstStyle/>
           <a:p>
             <a:r>
-              <a:rPr lang="en-US" sz="1200" dirty="0" smtClean="0">
+              <a:rPr lang="en-US" sz="1200" dirty="0">
                 <a:solidFill>
                   <a:srgbClr val="000000"/>
                 </a:solidFill>
@@ -1218,7 +1214,7 @@
               <a:t>-</a:t>
             </a:r>
             <a:r>
-              <a:rPr lang="en-US" sz="1200" baseline="0" dirty="0" smtClean="0">
+              <a:rPr lang="en-US" sz="1200" baseline="0" dirty="0">
                 <a:solidFill>
                   <a:srgbClr val="000000"/>
                 </a:solidFill>
@@ -1226,12 +1222,28 @@
               <a:t>   </a:t>
             </a:r>
             <a:r>
-              <a:rPr lang="en-US" sz="1200" dirty="0" smtClean="0">
+              <a:rPr lang="en-US" sz="1200" dirty="0">
                 <a:solidFill>
                   <a:srgbClr val="000000"/>
                 </a:solidFill>
               </a:rPr>
-              <a:t>To use Ruby from OpenStudio Installation Package: Add path environmental variable: e.g., C:\Program Files\OpenStudio 1.6.0\ruby-install\ruby\bin</a:t>
+              <a:t>To use Ruby from </a:t>
+            </a:r>
+            <a:r>
+              <a:rPr lang="en-US" sz="1200" dirty="0" err="1">
+                <a:solidFill>
+                  <a:srgbClr val="000000"/>
+                </a:solidFill>
+              </a:rPr>
+              <a:t>OpenStudio</a:t>
+            </a:r>
+            <a:r>
+              <a:rPr lang="en-US" sz="1200" dirty="0">
+                <a:solidFill>
+                  <a:srgbClr val="000000"/>
+                </a:solidFill>
+              </a:rPr>
+              <a:t> Installation Package: Add path environmental variable: e.g., C:\Program Files\openstudio-2.8.0\ruby-install\ruby\bin</a:t>
             </a:r>
           </a:p>
           <a:p>
@@ -1240,67 +1252,36 @@
               <a:buChar char="-"/>
             </a:pPr>
             <a:r>
-              <a:rPr lang="en-US" sz="1200" dirty="0" smtClean="0">
+              <a:rPr lang="en-US" sz="1200" dirty="0">
                 <a:solidFill>
                   <a:srgbClr val="000000"/>
                 </a:solidFill>
               </a:rPr>
-              <a:t>Install </a:t>
-            </a:r>
-            <a:r>
-              <a:rPr lang="en-US" sz="1200" dirty="0" err="1" smtClean="0">
+              <a:t>Install Ruby gems: run cmd.exe as administrator, then install required gems like e.g. “gem install </a:t>
+            </a:r>
+            <a:r>
+              <a:rPr lang="en-US" sz="1200" dirty="0" err="1">
                 <a:solidFill>
                   <a:srgbClr val="000000"/>
                 </a:solidFill>
               </a:rPr>
-              <a:t>RubyXL</a:t>
-            </a:r>
-            <a:r>
-              <a:rPr lang="en-US" sz="1200" dirty="0" smtClean="0">
+              <a:t>rinruby</a:t>
+            </a:r>
+            <a:r>
+              <a:rPr lang="en-US" sz="1200" dirty="0">
                 <a:solidFill>
                   <a:srgbClr val="000000"/>
                 </a:solidFill>
               </a:rPr>
-              <a:t>: run </a:t>
-            </a:r>
-            <a:r>
-              <a:rPr lang="en-US" sz="1200" dirty="0" err="1" smtClean="0">
-                <a:solidFill>
-                  <a:srgbClr val="000000"/>
-                </a:solidFill>
-              </a:rPr>
-              <a:t>cmd.exe</a:t>
-            </a:r>
-            <a:r>
-              <a:rPr lang="en-US" sz="1200" dirty="0" smtClean="0">
-                <a:solidFill>
-                  <a:srgbClr val="000000"/>
-                </a:solidFill>
-              </a:rPr>
-              <a:t> as administrator, then gem install </a:t>
-            </a:r>
-            <a:r>
-              <a:rPr lang="en-US" sz="1200" dirty="0" err="1" smtClean="0">
-                <a:solidFill>
-                  <a:srgbClr val="000000"/>
-                </a:solidFill>
-              </a:rPr>
-              <a:t>rubyXL</a:t>
-            </a:r>
-            <a:endParaRPr lang="en-US" sz="1200" dirty="0" smtClean="0">
-              <a:solidFill>
-                <a:srgbClr val="000000"/>
-              </a:solidFill>
-            </a:endParaRPr>
-          </a:p>
-          <a:p>
-            <a:endParaRPr lang="en-US" baseline="0" dirty="0" smtClean="0"/>
-          </a:p>
-          <a:p>
-            <a:endParaRPr lang="en-US" baseline="0" dirty="0" smtClean="0"/>
-          </a:p>
-          <a:p>
-            <a:endParaRPr lang="en-US" dirty="0" smtClean="0"/>
+              <a:t>”</a:t>
+            </a:r>
+            <a:endParaRPr lang="en-US" baseline="0" dirty="0"/>
+          </a:p>
+          <a:p>
+            <a:endParaRPr lang="en-US" baseline="0" dirty="0"/>
+          </a:p>
+          <a:p>
+            <a:endParaRPr lang="en-US" dirty="0"/>
           </a:p>
           <a:p>
             <a:endParaRPr lang="en-US" dirty="0"/>
@@ -1394,7 +1375,7 @@
           <a:lstStyle/>
           <a:p>
             <a:r>
-              <a:rPr lang="en-US" sz="1200" dirty="0" smtClean="0">
+              <a:rPr lang="en-US" sz="1200" dirty="0">
                 <a:solidFill>
                   <a:srgbClr val="000000"/>
                 </a:solidFill>
@@ -1402,7 +1383,7 @@
               <a:t>-</a:t>
             </a:r>
             <a:r>
-              <a:rPr lang="en-US" sz="1200" baseline="0" dirty="0" smtClean="0">
+              <a:rPr lang="en-US" sz="1200" baseline="0" dirty="0">
                 <a:solidFill>
                   <a:srgbClr val="000000"/>
                 </a:solidFill>
@@ -1410,12 +1391,28 @@
               <a:t>   </a:t>
             </a:r>
             <a:r>
-              <a:rPr lang="en-US" sz="1200" dirty="0" smtClean="0">
+              <a:rPr lang="en-US" sz="1200" dirty="0">
                 <a:solidFill>
                   <a:srgbClr val="000000"/>
                 </a:solidFill>
               </a:rPr>
-              <a:t>To use Ruby from OpenStudio Installation Package: Add path environmental variable: e.g., C:\Program Files\OpenStudio 1.6.0\ruby-install\ruby\bin</a:t>
+              <a:t>To use Ruby from </a:t>
+            </a:r>
+            <a:r>
+              <a:rPr lang="en-US" sz="1200" dirty="0" err="1">
+                <a:solidFill>
+                  <a:srgbClr val="000000"/>
+                </a:solidFill>
+              </a:rPr>
+              <a:t>OpenStudio</a:t>
+            </a:r>
+            <a:r>
+              <a:rPr lang="en-US" sz="1200" dirty="0">
+                <a:solidFill>
+                  <a:srgbClr val="000000"/>
+                </a:solidFill>
+              </a:rPr>
+              <a:t> Installation Package: Add path environmental variable: e.g., C:\Program Files\openstudio-2.7.0\ruby-install\ruby\bin</a:t>
             </a:r>
           </a:p>
           <a:p>
@@ -1424,67 +1421,36 @@
               <a:buChar char="-"/>
             </a:pPr>
             <a:r>
-              <a:rPr lang="en-US" sz="1200" dirty="0" smtClean="0">
+              <a:rPr lang="en-US" sz="1200" dirty="0">
                 <a:solidFill>
                   <a:srgbClr val="000000"/>
                 </a:solidFill>
               </a:rPr>
-              <a:t>Install </a:t>
-            </a:r>
-            <a:r>
-              <a:rPr lang="en-US" sz="1200" dirty="0" err="1" smtClean="0">
+              <a:t>Install Ruby gems: run cmd.exe as administrator, then install required gems like e.g. “gem install </a:t>
+            </a:r>
+            <a:r>
+              <a:rPr lang="en-US" sz="1200" dirty="0" err="1">
                 <a:solidFill>
                   <a:srgbClr val="000000"/>
                 </a:solidFill>
               </a:rPr>
-              <a:t>RubyXL</a:t>
-            </a:r>
-            <a:r>
-              <a:rPr lang="en-US" sz="1200" dirty="0" smtClean="0">
+              <a:t>rinruby</a:t>
+            </a:r>
+            <a:r>
+              <a:rPr lang="en-US" sz="1200" dirty="0">
                 <a:solidFill>
                   <a:srgbClr val="000000"/>
                 </a:solidFill>
               </a:rPr>
-              <a:t>: run </a:t>
-            </a:r>
-            <a:r>
-              <a:rPr lang="en-US" sz="1200" dirty="0" err="1" smtClean="0">
-                <a:solidFill>
-                  <a:srgbClr val="000000"/>
-                </a:solidFill>
-              </a:rPr>
-              <a:t>cmd.exe</a:t>
-            </a:r>
-            <a:r>
-              <a:rPr lang="en-US" sz="1200" dirty="0" smtClean="0">
-                <a:solidFill>
-                  <a:srgbClr val="000000"/>
-                </a:solidFill>
-              </a:rPr>
-              <a:t> as administrator, then gem install </a:t>
-            </a:r>
-            <a:r>
-              <a:rPr lang="en-US" sz="1200" dirty="0" err="1" smtClean="0">
-                <a:solidFill>
-                  <a:srgbClr val="000000"/>
-                </a:solidFill>
-              </a:rPr>
-              <a:t>rubyXL</a:t>
-            </a:r>
-            <a:endParaRPr lang="en-US" sz="1200" dirty="0" smtClean="0">
-              <a:solidFill>
-                <a:srgbClr val="000000"/>
-              </a:solidFill>
-            </a:endParaRPr>
-          </a:p>
-          <a:p>
-            <a:endParaRPr lang="en-US" baseline="0" dirty="0" smtClean="0"/>
-          </a:p>
-          <a:p>
-            <a:endParaRPr lang="en-US" baseline="0" dirty="0" smtClean="0"/>
-          </a:p>
-          <a:p>
-            <a:endParaRPr lang="en-US" dirty="0" smtClean="0"/>
+              <a:t>”</a:t>
+            </a:r>
+            <a:endParaRPr lang="en-US" baseline="0" dirty="0"/>
+          </a:p>
+          <a:p>
+            <a:endParaRPr lang="en-US" baseline="0" dirty="0"/>
+          </a:p>
+          <a:p>
+            <a:endParaRPr lang="en-US" dirty="0"/>
           </a:p>
           <a:p>
             <a:endParaRPr lang="en-US" dirty="0"/>
@@ -1668,7 +1634,7 @@
           <a:lstStyle/>
           <a:p>
             <a:r>
-              <a:rPr lang="en-US" sz="1200" dirty="0" smtClean="0">
+              <a:rPr lang="en-US" sz="1200" dirty="0">
                 <a:solidFill>
                   <a:srgbClr val="000000"/>
                 </a:solidFill>
@@ -1676,7 +1642,7 @@
               <a:t>-</a:t>
             </a:r>
             <a:r>
-              <a:rPr lang="en-US" sz="1200" baseline="0" dirty="0" smtClean="0">
+              <a:rPr lang="en-US" sz="1200" baseline="0" dirty="0">
                 <a:solidFill>
                   <a:srgbClr val="000000"/>
                 </a:solidFill>
@@ -1684,12 +1650,28 @@
               <a:t>   </a:t>
             </a:r>
             <a:r>
-              <a:rPr lang="en-US" sz="1200" dirty="0" smtClean="0">
+              <a:rPr lang="en-US" sz="1200" dirty="0">
                 <a:solidFill>
                   <a:srgbClr val="000000"/>
                 </a:solidFill>
               </a:rPr>
-              <a:t>To use Ruby from OpenStudio Installation Package: Add path environmental variable: e.g., C:\Program Files\OpenStudio 1.6.0\ruby-install\ruby\bin</a:t>
+              <a:t>To use Ruby from </a:t>
+            </a:r>
+            <a:r>
+              <a:rPr lang="en-US" sz="1200" dirty="0" err="1">
+                <a:solidFill>
+                  <a:srgbClr val="000000"/>
+                </a:solidFill>
+              </a:rPr>
+              <a:t>OpenStudio</a:t>
+            </a:r>
+            <a:r>
+              <a:rPr lang="en-US" sz="1200" dirty="0">
+                <a:solidFill>
+                  <a:srgbClr val="000000"/>
+                </a:solidFill>
+              </a:rPr>
+              <a:t> Installation Package: Add path environmental variable: e.g., C:\Program Files\openstudio-2.7.0\ruby-install\ruby\bin</a:t>
             </a:r>
           </a:p>
           <a:p>
@@ -1698,67 +1680,36 @@
               <a:buChar char="-"/>
             </a:pPr>
             <a:r>
-              <a:rPr lang="en-US" sz="1200" dirty="0" smtClean="0">
+              <a:rPr lang="en-US" sz="1200" dirty="0">
                 <a:solidFill>
                   <a:srgbClr val="000000"/>
                 </a:solidFill>
               </a:rPr>
-              <a:t>Install </a:t>
-            </a:r>
-            <a:r>
-              <a:rPr lang="en-US" sz="1200" dirty="0" err="1" smtClean="0">
+              <a:t>Install Ruby gems: run cmd.exe as administrator, then install required gems like e.g. “gem install </a:t>
+            </a:r>
+            <a:r>
+              <a:rPr lang="en-US" sz="1200" dirty="0" err="1">
                 <a:solidFill>
                   <a:srgbClr val="000000"/>
                 </a:solidFill>
               </a:rPr>
-              <a:t>RubyXL</a:t>
-            </a:r>
-            <a:r>
-              <a:rPr lang="en-US" sz="1200" dirty="0" smtClean="0">
+              <a:t>rinruby</a:t>
+            </a:r>
+            <a:r>
+              <a:rPr lang="en-US" sz="1200" dirty="0">
                 <a:solidFill>
                   <a:srgbClr val="000000"/>
                 </a:solidFill>
               </a:rPr>
-              <a:t>: run </a:t>
-            </a:r>
-            <a:r>
-              <a:rPr lang="en-US" sz="1200" dirty="0" err="1" smtClean="0">
-                <a:solidFill>
-                  <a:srgbClr val="000000"/>
-                </a:solidFill>
-              </a:rPr>
-              <a:t>cmd.exe</a:t>
-            </a:r>
-            <a:r>
-              <a:rPr lang="en-US" sz="1200" dirty="0" smtClean="0">
-                <a:solidFill>
-                  <a:srgbClr val="000000"/>
-                </a:solidFill>
-              </a:rPr>
-              <a:t> as administrator, then gem install </a:t>
-            </a:r>
-            <a:r>
-              <a:rPr lang="en-US" sz="1200" dirty="0" err="1" smtClean="0">
-                <a:solidFill>
-                  <a:srgbClr val="000000"/>
-                </a:solidFill>
-              </a:rPr>
-              <a:t>rubyXL</a:t>
-            </a:r>
-            <a:endParaRPr lang="en-US" sz="1200" dirty="0" smtClean="0">
-              <a:solidFill>
-                <a:srgbClr val="000000"/>
-              </a:solidFill>
-            </a:endParaRPr>
-          </a:p>
-          <a:p>
-            <a:endParaRPr lang="en-US" baseline="0" dirty="0" smtClean="0"/>
-          </a:p>
-          <a:p>
-            <a:endParaRPr lang="en-US" baseline="0" dirty="0" smtClean="0"/>
-          </a:p>
-          <a:p>
-            <a:endParaRPr lang="en-US" dirty="0" smtClean="0"/>
+              <a:t>”</a:t>
+            </a:r>
+            <a:endParaRPr lang="en-US" baseline="0" dirty="0"/>
+          </a:p>
+          <a:p>
+            <a:endParaRPr lang="en-US" baseline="0" dirty="0"/>
+          </a:p>
+          <a:p>
+            <a:endParaRPr lang="en-US" dirty="0"/>
           </a:p>
           <a:p>
             <a:endParaRPr lang="en-US" dirty="0"/>
@@ -1851,13 +1802,13 @@
           <a:bodyPr/>
           <a:lstStyle/>
           <a:p>
-            <a:endParaRPr lang="en-US" baseline="0" dirty="0" smtClean="0"/>
-          </a:p>
-          <a:p>
-            <a:endParaRPr lang="en-US" baseline="0" dirty="0" smtClean="0"/>
-          </a:p>
-          <a:p>
-            <a:endParaRPr lang="en-US" dirty="0" smtClean="0"/>
+            <a:endParaRPr lang="en-US" baseline="0" dirty="0"/>
+          </a:p>
+          <a:p>
+            <a:endParaRPr lang="en-US" baseline="0" dirty="0"/>
+          </a:p>
+          <a:p>
+            <a:endParaRPr lang="en-US" dirty="0"/>
           </a:p>
           <a:p>
             <a:endParaRPr lang="en-US" dirty="0"/>
@@ -1987,96 +1938,6 @@
     <p:extLst>
       <p:ext uri="{BB962C8B-B14F-4D97-AF65-F5344CB8AC3E}">
         <p14:creationId xmlns:p14="http://schemas.microsoft.com/office/powerpoint/2010/main" val="1192479532"/>
-      </p:ext>
-    </p:extLst>
-  </p:cSld>
-  <p:clrMapOvr>
-    <a:masterClrMapping/>
-  </p:clrMapOvr>
-</p:notes>
-</file>
-
-<file path=ppt/notesSlides/notesSlide9.xml><?xml version="1.0" encoding="utf-8"?>
-<p:notes xmlns:a="http://schemas.openxmlformats.org/drawingml/2006/main" xmlns:r="http://schemas.openxmlformats.org/officeDocument/2006/relationships" xmlns:p="http://schemas.openxmlformats.org/presentationml/2006/main">
-  <p:cSld>
-    <p:spTree>
-      <p:nvGrpSpPr>
-        <p:cNvPr id="1" name=""/>
-        <p:cNvGrpSpPr/>
-        <p:nvPr/>
-      </p:nvGrpSpPr>
-      <p:grpSpPr>
-        <a:xfrm>
-          <a:off x="0" y="0"/>
-          <a:ext cx="0" cy="0"/>
-          <a:chOff x="0" y="0"/>
-          <a:chExt cx="0" cy="0"/>
-        </a:xfrm>
-      </p:grpSpPr>
-      <p:sp>
-        <p:nvSpPr>
-          <p:cNvPr id="2" name="Slide Image Placeholder 1"/>
-          <p:cNvSpPr>
-            <a:spLocks noGrp="1" noRot="1" noChangeAspect="1"/>
-          </p:cNvSpPr>
-          <p:nvPr>
-            <p:ph type="sldImg"/>
-          </p:nvPr>
-        </p:nvSpPr>
-        <p:spPr/>
-      </p:sp>
-      <p:sp>
-        <p:nvSpPr>
-          <p:cNvPr id="3" name="Notes Placeholder 2"/>
-          <p:cNvSpPr>
-            <a:spLocks noGrp="1"/>
-          </p:cNvSpPr>
-          <p:nvPr>
-            <p:ph type="body" idx="1"/>
-          </p:nvPr>
-        </p:nvSpPr>
-        <p:spPr/>
-        <p:txBody>
-          <a:bodyPr/>
-          <a:lstStyle/>
-          <a:p>
-            <a:endParaRPr lang="en-US" dirty="0"/>
-          </a:p>
-        </p:txBody>
-      </p:sp>
-      <p:sp>
-        <p:nvSpPr>
-          <p:cNvPr id="4" name="Slide Number Placeholder 3"/>
-          <p:cNvSpPr>
-            <a:spLocks noGrp="1"/>
-          </p:cNvSpPr>
-          <p:nvPr>
-            <p:ph type="sldNum" sz="quarter" idx="10"/>
-          </p:nvPr>
-        </p:nvSpPr>
-        <p:spPr/>
-        <p:txBody>
-          <a:bodyPr/>
-          <a:lstStyle/>
-          <a:p>
-            <a:pPr>
-              <a:defRPr/>
-            </a:pPr>
-            <a:fld id="{EC0F03FB-476C-4B9E-9752-7D553C8AE9EA}" type="slidenum">
-              <a:rPr lang="en-US" smtClean="0"/>
-              <a:pPr>
-                <a:defRPr/>
-              </a:pPr>
-              <a:t>14</a:t>
-            </a:fld>
-            <a:endParaRPr lang="en-US"/>
-          </a:p>
-        </p:txBody>
-      </p:sp>
-    </p:spTree>
-    <p:extLst>
-      <p:ext uri="{BB962C8B-B14F-4D97-AF65-F5344CB8AC3E}">
-        <p14:creationId xmlns:p14="http://schemas.microsoft.com/office/powerpoint/2010/main" val="1085970562"/>
       </p:ext>
     </p:extLst>
   </p:cSld>
@@ -2192,7 +2053,7 @@
           </a:lstStyle>
           <a:p>
             <a:r>
-              <a:rPr lang="en-US" smtClean="0"/>
+              <a:rPr lang="en-US"/>
               <a:t>Click to edit Master title style</a:t>
             </a:r>
             <a:endParaRPr lang="en-US" dirty="0"/>
@@ -2226,7 +2087,7 @@
           </a:lstStyle>
           <a:p>
             <a:r>
-              <a:rPr lang="en-US" smtClean="0"/>
+              <a:rPr lang="en-US"/>
               <a:t>Click to edit Master subtitle style</a:t>
             </a:r>
             <a:endParaRPr lang="en-US" dirty="0"/>
@@ -2256,7 +2117,7 @@
           <a:lstStyle/>
           <a:p>
             <a:r>
-              <a:rPr lang="en-US" sz="1100" b="1" dirty="0" smtClean="0">
+              <a:rPr lang="en-US" sz="1100" b="1" dirty="0">
                 <a:solidFill>
                   <a:srgbClr val="008000"/>
                 </a:solidFill>
@@ -2266,7 +2127,7 @@
               <a:t>B</a:t>
             </a:r>
             <a:r>
-              <a:rPr lang="en-US" sz="1100" b="0" dirty="0" smtClean="0">
+              <a:rPr lang="en-US" sz="1100" b="0" dirty="0">
                 <a:solidFill>
                   <a:schemeClr val="bg2">
                     <a:lumMod val="10000"/>
@@ -2278,7 +2139,7 @@
               <a:t>uilding </a:t>
             </a:r>
             <a:r>
-              <a:rPr lang="en-US" sz="1100" b="1" dirty="0" smtClean="0">
+              <a:rPr lang="en-US" sz="1100" b="1" dirty="0">
                 <a:solidFill>
                   <a:srgbClr val="008000"/>
                 </a:solidFill>
@@ -2288,7 +2149,7 @@
               <a:t>E</a:t>
             </a:r>
             <a:r>
-              <a:rPr lang="en-US" sz="1100" b="0" dirty="0" smtClean="0">
+              <a:rPr lang="en-US" sz="1100" b="0" dirty="0">
                 <a:solidFill>
                   <a:schemeClr val="bg2">
                     <a:lumMod val="10000"/>
@@ -2300,7 +2161,7 @@
               <a:t>nergy </a:t>
             </a:r>
             <a:r>
-              <a:rPr lang="en-US" sz="1100" b="1" dirty="0" smtClean="0">
+              <a:rPr lang="en-US" sz="1100" b="1" dirty="0">
                 <a:solidFill>
                   <a:srgbClr val="008000"/>
                 </a:solidFill>
@@ -2310,7 +2171,7 @@
               <a:t>D</a:t>
             </a:r>
             <a:r>
-              <a:rPr lang="en-US" sz="1100" b="0" dirty="0" smtClean="0">
+              <a:rPr lang="en-US" sz="1100" b="0" dirty="0">
                 <a:solidFill>
                   <a:schemeClr val="bg2">
                     <a:lumMod val="10000"/>
@@ -2322,7 +2183,7 @@
               <a:t>ecision and </a:t>
             </a:r>
             <a:r>
-              <a:rPr lang="en-US" sz="1100" b="1" dirty="0" smtClean="0">
+              <a:rPr lang="en-US" sz="1100" b="1" dirty="0">
                 <a:solidFill>
                   <a:srgbClr val="008000"/>
                 </a:solidFill>
@@ -2332,7 +2193,7 @@
               <a:t>T</a:t>
             </a:r>
             <a:r>
-              <a:rPr lang="en-US" sz="1100" b="0" dirty="0" smtClean="0">
+              <a:rPr lang="en-US" sz="1100" b="0" dirty="0">
                 <a:solidFill>
                   <a:schemeClr val="bg2">
                     <a:lumMod val="10000"/>
@@ -2344,7 +2205,7 @@
               <a:t>echnology </a:t>
             </a:r>
             <a:r>
-              <a:rPr lang="en-US" sz="1100" b="1" dirty="0" smtClean="0">
+              <a:rPr lang="en-US" sz="1100" b="1" dirty="0">
                 <a:solidFill>
                   <a:srgbClr val="008000"/>
                 </a:solidFill>
@@ -2354,7 +2215,7 @@
               <a:t>R</a:t>
             </a:r>
             <a:r>
-              <a:rPr lang="en-US" sz="1100" b="0" dirty="0" smtClean="0">
+              <a:rPr lang="en-US" sz="1100" b="0" dirty="0">
                 <a:solidFill>
                   <a:schemeClr val="bg2">
                     <a:lumMod val="10000"/>
@@ -2385,7 +2246,7 @@
               <a:defRPr/>
             </a:pPr>
             <a:r>
-              <a:rPr lang="en-US" sz="1100" b="0" dirty="0" smtClean="0">
+              <a:rPr lang="en-US" sz="1100" b="0" dirty="0">
                 <a:solidFill>
                   <a:srgbClr val="000000"/>
                 </a:solidFill>
@@ -2471,13 +2332,6 @@
   <p:clrMapOvr>
     <a:masterClrMapping/>
   </p:clrMapOvr>
-  <p:timing>
-    <p:tnLst>
-      <p:par>
-        <p:cTn id="1" dur="indefinite" restart="never" nodeType="tmRoot"/>
-      </p:par>
-    </p:tnLst>
-  </p:timing>
 </p:sldLayout>
 </file>
 
@@ -2518,7 +2372,7 @@
           </a:lstStyle>
           <a:p>
             <a:r>
-              <a:rPr lang="en-US" smtClean="0"/>
+              <a:rPr lang="en-US"/>
               <a:t>Click to edit Master title style</a:t>
             </a:r>
             <a:endParaRPr lang="en-US" dirty="0"/>
@@ -2558,35 +2412,35 @@
           <a:p>
             <a:pPr lvl="0"/>
             <a:r>
-              <a:rPr lang="en-US" smtClean="0"/>
+              <a:rPr lang="en-US"/>
               <a:t>Click to edit Master text styles</a:t>
             </a:r>
           </a:p>
           <a:p>
             <a:pPr lvl="1"/>
             <a:r>
-              <a:rPr lang="en-US" smtClean="0"/>
+              <a:rPr lang="en-US"/>
               <a:t>Second level</a:t>
             </a:r>
           </a:p>
           <a:p>
             <a:pPr lvl="2"/>
             <a:r>
-              <a:rPr lang="en-US" smtClean="0"/>
+              <a:rPr lang="en-US"/>
               <a:t>Third level</a:t>
             </a:r>
           </a:p>
           <a:p>
             <a:pPr lvl="3"/>
             <a:r>
-              <a:rPr lang="en-US" smtClean="0"/>
+              <a:rPr lang="en-US"/>
               <a:t>Fourth level</a:t>
             </a:r>
           </a:p>
           <a:p>
             <a:pPr lvl="4"/>
             <a:r>
-              <a:rPr lang="en-US" smtClean="0"/>
+              <a:rPr lang="en-US"/>
               <a:t>Fifth level</a:t>
             </a:r>
             <a:endParaRPr lang="en-US" dirty="0"/>
@@ -2646,7 +2500,7 @@
               <a:pPr>
                 <a:defRPr/>
               </a:pPr>
-              <a:t>8/19/2016</a:t>
+              <a:t>9/10/2019</a:t>
             </a:fld>
             <a:endParaRPr lang="en-US"/>
           </a:p>
@@ -2725,13 +2579,6 @@
   <p:clrMapOvr>
     <a:masterClrMapping/>
   </p:clrMapOvr>
-  <p:timing>
-    <p:tnLst>
-      <p:par>
-        <p:cTn id="1" dur="indefinite" restart="never" nodeType="tmRoot"/>
-      </p:par>
-    </p:tnLst>
-  </p:timing>
 </p:sldLayout>
 </file>
 
@@ -2777,7 +2624,7 @@
           </a:lstStyle>
           <a:p>
             <a:r>
-              <a:rPr lang="en-US" smtClean="0"/>
+              <a:rPr lang="en-US"/>
               <a:t>Click to edit Master title style</a:t>
             </a:r>
             <a:endParaRPr lang="en-US" dirty="0"/>
@@ -2822,35 +2669,35 @@
           <a:p>
             <a:pPr lvl="0"/>
             <a:r>
-              <a:rPr lang="en-US" smtClean="0"/>
+              <a:rPr lang="en-US"/>
               <a:t>Click to edit Master text styles</a:t>
             </a:r>
           </a:p>
           <a:p>
             <a:pPr lvl="1"/>
             <a:r>
-              <a:rPr lang="en-US" smtClean="0"/>
+              <a:rPr lang="en-US"/>
               <a:t>Second level</a:t>
             </a:r>
           </a:p>
           <a:p>
             <a:pPr lvl="2"/>
             <a:r>
-              <a:rPr lang="en-US" smtClean="0"/>
+              <a:rPr lang="en-US"/>
               <a:t>Third level</a:t>
             </a:r>
           </a:p>
           <a:p>
             <a:pPr lvl="3"/>
             <a:r>
-              <a:rPr lang="en-US" smtClean="0"/>
+              <a:rPr lang="en-US"/>
               <a:t>Fourth level</a:t>
             </a:r>
           </a:p>
           <a:p>
             <a:pPr lvl="4"/>
             <a:r>
-              <a:rPr lang="en-US" smtClean="0"/>
+              <a:rPr lang="en-US"/>
               <a:t>Fifth level</a:t>
             </a:r>
             <a:endParaRPr lang="en-US" dirty="0"/>
@@ -2982,13 +2829,6 @@
   <p:clrMapOvr>
     <a:masterClrMapping/>
   </p:clrMapOvr>
-  <p:timing>
-    <p:tnLst>
-      <p:par>
-        <p:cTn id="1" dur="indefinite" restart="never" nodeType="tmRoot"/>
-      </p:par>
-    </p:tnLst>
-  </p:timing>
 </p:sldLayout>
 </file>
 
@@ -3098,7 +2938,7 @@
           </a:lstStyle>
           <a:p>
             <a:r>
-              <a:rPr lang="en-US" smtClean="0"/>
+              <a:rPr lang="en-US"/>
               <a:t>Click to edit Master title style</a:t>
             </a:r>
             <a:endParaRPr lang="en-US" dirty="0"/>
@@ -3132,7 +2972,7 @@
           </a:lstStyle>
           <a:p>
             <a:r>
-              <a:rPr lang="en-US" smtClean="0"/>
+              <a:rPr lang="en-US"/>
               <a:t>Click to edit Master subtitle style</a:t>
             </a:r>
             <a:endParaRPr lang="en-US" dirty="0"/>
@@ -3162,7 +3002,7 @@
           <a:lstStyle/>
           <a:p>
             <a:r>
-              <a:rPr lang="en-US" sz="1100" b="1" dirty="0" smtClean="0">
+              <a:rPr lang="en-US" sz="1100" b="1" dirty="0">
                 <a:solidFill>
                   <a:srgbClr val="008000"/>
                 </a:solidFill>
@@ -3172,7 +3012,7 @@
               <a:t>B</a:t>
             </a:r>
             <a:r>
-              <a:rPr lang="en-US" sz="1100" dirty="0" smtClean="0">
+              <a:rPr lang="en-US" sz="1100" dirty="0">
                 <a:solidFill>
                   <a:srgbClr val="D2D2D2">
                     <a:lumMod val="10000"/>
@@ -3184,7 +3024,7 @@
               <a:t>uilding </a:t>
             </a:r>
             <a:r>
-              <a:rPr lang="en-US" sz="1100" b="1" dirty="0" smtClean="0">
+              <a:rPr lang="en-US" sz="1100" b="1" dirty="0">
                 <a:solidFill>
                   <a:srgbClr val="008000"/>
                 </a:solidFill>
@@ -3194,7 +3034,7 @@
               <a:t>E</a:t>
             </a:r>
             <a:r>
-              <a:rPr lang="en-US" sz="1100" dirty="0" smtClean="0">
+              <a:rPr lang="en-US" sz="1100" dirty="0">
                 <a:solidFill>
                   <a:srgbClr val="D2D2D2">
                     <a:lumMod val="10000"/>
@@ -3206,7 +3046,7 @@
               <a:t>nergy </a:t>
             </a:r>
             <a:r>
-              <a:rPr lang="en-US" sz="1100" b="1" dirty="0" smtClean="0">
+              <a:rPr lang="en-US" sz="1100" b="1" dirty="0">
                 <a:solidFill>
                   <a:srgbClr val="008000"/>
                 </a:solidFill>
@@ -3216,7 +3056,7 @@
               <a:t>D</a:t>
             </a:r>
             <a:r>
-              <a:rPr lang="en-US" sz="1100" dirty="0" smtClean="0">
+              <a:rPr lang="en-US" sz="1100" dirty="0">
                 <a:solidFill>
                   <a:srgbClr val="D2D2D2">
                     <a:lumMod val="10000"/>
@@ -3228,7 +3068,7 @@
               <a:t>ecision and </a:t>
             </a:r>
             <a:r>
-              <a:rPr lang="en-US" sz="1100" b="1" dirty="0" smtClean="0">
+              <a:rPr lang="en-US" sz="1100" b="1" dirty="0">
                 <a:solidFill>
                   <a:srgbClr val="008000"/>
                 </a:solidFill>
@@ -3238,7 +3078,7 @@
               <a:t>T</a:t>
             </a:r>
             <a:r>
-              <a:rPr lang="en-US" sz="1100" dirty="0" smtClean="0">
+              <a:rPr lang="en-US" sz="1100" dirty="0">
                 <a:solidFill>
                   <a:srgbClr val="D2D2D2">
                     <a:lumMod val="10000"/>
@@ -3250,7 +3090,7 @@
               <a:t>echnology </a:t>
             </a:r>
             <a:r>
-              <a:rPr lang="en-US" sz="1100" b="1" dirty="0" smtClean="0">
+              <a:rPr lang="en-US" sz="1100" b="1" dirty="0">
                 <a:solidFill>
                   <a:srgbClr val="008000"/>
                 </a:solidFill>
@@ -3260,7 +3100,7 @@
               <a:t>R</a:t>
             </a:r>
             <a:r>
-              <a:rPr lang="en-US" sz="1100" dirty="0" smtClean="0">
+              <a:rPr lang="en-US" sz="1100" dirty="0">
                 <a:solidFill>
                   <a:srgbClr val="D2D2D2">
                     <a:lumMod val="10000"/>
@@ -3277,7 +3117,7 @@
               <a:defRPr/>
             </a:pPr>
             <a:r>
-              <a:rPr lang="en-US" sz="1100" dirty="0" smtClean="0">
+              <a:rPr lang="en-US" sz="1100" dirty="0">
                 <a:solidFill>
                   <a:srgbClr val="000000"/>
                 </a:solidFill>
@@ -3363,13 +3203,6 @@
   <p:clrMapOvr>
     <a:masterClrMapping/>
   </p:clrMapOvr>
-  <p:timing>
-    <p:tnLst>
-      <p:par>
-        <p:cTn id="1" dur="indefinite" restart="never" nodeType="tmRoot"/>
-      </p:par>
-    </p:tnLst>
-  </p:timing>
 </p:sldLayout>
 </file>
 
@@ -3415,7 +3248,7 @@
           </a:lstStyle>
           <a:p>
             <a:r>
-              <a:rPr lang="en-US" smtClean="0"/>
+              <a:rPr lang="en-US"/>
               <a:t>Click to edit Master title style</a:t>
             </a:r>
             <a:endParaRPr lang="en-US" dirty="0"/>
@@ -3481,7 +3314,7 @@
           <a:p>
             <a:pPr lvl="0"/>
             <a:r>
-              <a:rPr lang="en-US" smtClean="0"/>
+              <a:rPr lang="en-US"/>
               <a:t>Click to edit Master text styles</a:t>
             </a:r>
           </a:p>
@@ -3556,13 +3389,6 @@
   <p:clrMapOvr>
     <a:masterClrMapping/>
   </p:clrMapOvr>
-  <p:timing>
-    <p:tnLst>
-      <p:par>
-        <p:cTn id="1" dur="indefinite" restart="never" nodeType="tmRoot"/>
-      </p:par>
-    </p:tnLst>
-  </p:timing>
 </p:sldLayout>
 </file>
 
@@ -3603,7 +3429,7 @@
           </a:lstStyle>
           <a:p>
             <a:r>
-              <a:rPr lang="en-US" smtClean="0"/>
+              <a:rPr lang="en-US"/>
               <a:t>Click to edit Master title style</a:t>
             </a:r>
             <a:endParaRPr lang="en-US" dirty="0"/>
@@ -3673,35 +3499,35 @@
           <a:p>
             <a:pPr lvl="0"/>
             <a:r>
-              <a:rPr lang="en-US" smtClean="0"/>
+              <a:rPr lang="en-US"/>
               <a:t>Click to edit Master text styles</a:t>
             </a:r>
           </a:p>
           <a:p>
             <a:pPr lvl="1"/>
             <a:r>
-              <a:rPr lang="en-US" smtClean="0"/>
+              <a:rPr lang="en-US"/>
               <a:t>Second level</a:t>
             </a:r>
           </a:p>
           <a:p>
             <a:pPr lvl="2"/>
             <a:r>
-              <a:rPr lang="en-US" smtClean="0"/>
+              <a:rPr lang="en-US"/>
               <a:t>Third level</a:t>
             </a:r>
           </a:p>
           <a:p>
             <a:pPr lvl="3"/>
             <a:r>
-              <a:rPr lang="en-US" smtClean="0"/>
+              <a:rPr lang="en-US"/>
               <a:t>Fourth level</a:t>
             </a:r>
           </a:p>
           <a:p>
             <a:pPr lvl="4"/>
             <a:r>
-              <a:rPr lang="en-US" smtClean="0"/>
+              <a:rPr lang="en-US"/>
               <a:t>Fifth level</a:t>
             </a:r>
             <a:endParaRPr lang="en-US" dirty="0"/>
@@ -3777,13 +3603,6 @@
   <p:clrMapOvr>
     <a:masterClrMapping/>
   </p:clrMapOvr>
-  <p:timing>
-    <p:tnLst>
-      <p:par>
-        <p:cTn id="1" dur="indefinite" restart="never" nodeType="tmRoot"/>
-      </p:par>
-    </p:tnLst>
-  </p:timing>
 </p:sldLayout>
 </file>
 
@@ -3824,7 +3643,7 @@
           </a:lstStyle>
           <a:p>
             <a:r>
-              <a:rPr lang="en-US" smtClean="0"/>
+              <a:rPr lang="en-US"/>
               <a:t>Click to edit Master title style</a:t>
             </a:r>
             <a:endParaRPr lang="en-US" dirty="0"/>
@@ -3881,35 +3700,35 @@
           <a:p>
             <a:pPr lvl="0"/>
             <a:r>
-              <a:rPr lang="en-US" smtClean="0"/>
+              <a:rPr lang="en-US"/>
               <a:t>Click to edit Master text styles</a:t>
             </a:r>
           </a:p>
           <a:p>
             <a:pPr lvl="1"/>
             <a:r>
-              <a:rPr lang="en-US" smtClean="0"/>
+              <a:rPr lang="en-US"/>
               <a:t>Second level</a:t>
             </a:r>
           </a:p>
           <a:p>
             <a:pPr lvl="2"/>
             <a:r>
-              <a:rPr lang="en-US" smtClean="0"/>
+              <a:rPr lang="en-US"/>
               <a:t>Third level</a:t>
             </a:r>
           </a:p>
           <a:p>
             <a:pPr lvl="3"/>
             <a:r>
-              <a:rPr lang="en-US" smtClean="0"/>
+              <a:rPr lang="en-US"/>
               <a:t>Fourth level</a:t>
             </a:r>
           </a:p>
           <a:p>
             <a:pPr lvl="4"/>
             <a:r>
-              <a:rPr lang="en-US" smtClean="0"/>
+              <a:rPr lang="en-US"/>
               <a:t>Fifth level</a:t>
             </a:r>
             <a:endParaRPr lang="en-US" dirty="0"/>
@@ -3966,35 +3785,35 @@
           <a:p>
             <a:pPr lvl="0"/>
             <a:r>
-              <a:rPr lang="en-US" smtClean="0"/>
+              <a:rPr lang="en-US"/>
               <a:t>Click to edit Master text styles</a:t>
             </a:r>
           </a:p>
           <a:p>
             <a:pPr lvl="1"/>
             <a:r>
-              <a:rPr lang="en-US" smtClean="0"/>
+              <a:rPr lang="en-US"/>
               <a:t>Second level</a:t>
             </a:r>
           </a:p>
           <a:p>
             <a:pPr lvl="2"/>
             <a:r>
-              <a:rPr lang="en-US" smtClean="0"/>
+              <a:rPr lang="en-US"/>
               <a:t>Third level</a:t>
             </a:r>
           </a:p>
           <a:p>
             <a:pPr lvl="3"/>
             <a:r>
-              <a:rPr lang="en-US" smtClean="0"/>
+              <a:rPr lang="en-US"/>
               <a:t>Fourth level</a:t>
             </a:r>
           </a:p>
           <a:p>
             <a:pPr lvl="4"/>
             <a:r>
-              <a:rPr lang="en-US" smtClean="0"/>
+              <a:rPr lang="en-US"/>
               <a:t>Fifth level</a:t>
             </a:r>
             <a:endParaRPr lang="en-US" dirty="0"/>
@@ -4054,7 +3873,7 @@
               <a:pPr>
                 <a:defRPr/>
               </a:pPr>
-              <a:t>8/19/2016</a:t>
+              <a:t>9/10/2019</a:t>
             </a:fld>
             <a:endParaRPr lang="en-US"/>
           </a:p>
@@ -4137,13 +3956,6 @@
   <p:clrMapOvr>
     <a:masterClrMapping/>
   </p:clrMapOvr>
-  <p:timing>
-    <p:tnLst>
-      <p:par>
-        <p:cTn id="1" dur="indefinite" restart="never" nodeType="tmRoot"/>
-      </p:par>
-    </p:tnLst>
-  </p:timing>
 </p:sldLayout>
 </file>
 
@@ -4184,7 +3996,7 @@
           </a:lstStyle>
           <a:p>
             <a:r>
-              <a:rPr lang="en-US" smtClean="0"/>
+              <a:rPr lang="en-US"/>
               <a:t>Click to edit Master title style</a:t>
             </a:r>
             <a:endParaRPr lang="en-US" dirty="0"/>
@@ -4250,7 +4062,7 @@
           <a:p>
             <a:pPr lvl="0"/>
             <a:r>
-              <a:rPr lang="en-US" smtClean="0"/>
+              <a:rPr lang="en-US"/>
               <a:t>Click to edit Master text styles</a:t>
             </a:r>
           </a:p>
@@ -4306,35 +4118,35 @@
           <a:p>
             <a:pPr lvl="0"/>
             <a:r>
-              <a:rPr lang="en-US" smtClean="0"/>
+              <a:rPr lang="en-US"/>
               <a:t>Click to edit Master text styles</a:t>
             </a:r>
           </a:p>
           <a:p>
             <a:pPr lvl="1"/>
             <a:r>
-              <a:rPr lang="en-US" smtClean="0"/>
+              <a:rPr lang="en-US"/>
               <a:t>Second level</a:t>
             </a:r>
           </a:p>
           <a:p>
             <a:pPr lvl="2"/>
             <a:r>
-              <a:rPr lang="en-US" smtClean="0"/>
+              <a:rPr lang="en-US"/>
               <a:t>Third level</a:t>
             </a:r>
           </a:p>
           <a:p>
             <a:pPr lvl="3"/>
             <a:r>
-              <a:rPr lang="en-US" smtClean="0"/>
+              <a:rPr lang="en-US"/>
               <a:t>Fourth level</a:t>
             </a:r>
           </a:p>
           <a:p>
             <a:pPr lvl="4"/>
             <a:r>
-              <a:rPr lang="en-US" smtClean="0"/>
+              <a:rPr lang="en-US"/>
               <a:t>Fifth level</a:t>
             </a:r>
             <a:endParaRPr lang="en-US" dirty="0"/>
@@ -4400,7 +4212,7 @@
           <a:p>
             <a:pPr lvl="0"/>
             <a:r>
-              <a:rPr lang="en-US" smtClean="0"/>
+              <a:rPr lang="en-US"/>
               <a:t>Click to edit Master text styles</a:t>
             </a:r>
           </a:p>
@@ -4456,35 +4268,35 @@
           <a:p>
             <a:pPr lvl="0"/>
             <a:r>
-              <a:rPr lang="en-US" smtClean="0"/>
+              <a:rPr lang="en-US"/>
               <a:t>Click to edit Master text styles</a:t>
             </a:r>
           </a:p>
           <a:p>
             <a:pPr lvl="1"/>
             <a:r>
-              <a:rPr lang="en-US" smtClean="0"/>
+              <a:rPr lang="en-US"/>
               <a:t>Second level</a:t>
             </a:r>
           </a:p>
           <a:p>
             <a:pPr lvl="2"/>
             <a:r>
-              <a:rPr lang="en-US" smtClean="0"/>
+              <a:rPr lang="en-US"/>
               <a:t>Third level</a:t>
             </a:r>
           </a:p>
           <a:p>
             <a:pPr lvl="3"/>
             <a:r>
-              <a:rPr lang="en-US" smtClean="0"/>
+              <a:rPr lang="en-US"/>
               <a:t>Fourth level</a:t>
             </a:r>
           </a:p>
           <a:p>
             <a:pPr lvl="4"/>
             <a:r>
-              <a:rPr lang="en-US" smtClean="0"/>
+              <a:rPr lang="en-US"/>
               <a:t>Fifth level</a:t>
             </a:r>
             <a:endParaRPr lang="en-US" dirty="0"/>
@@ -4544,7 +4356,7 @@
               <a:pPr>
                 <a:defRPr/>
               </a:pPr>
-              <a:t>8/19/2016</a:t>
+              <a:t>9/10/2019</a:t>
             </a:fld>
             <a:endParaRPr lang="en-US"/>
           </a:p>
@@ -4627,13 +4439,6 @@
   <p:clrMapOvr>
     <a:masterClrMapping/>
   </p:clrMapOvr>
-  <p:timing>
-    <p:tnLst>
-      <p:par>
-        <p:cTn id="1" dur="indefinite" restart="never" nodeType="tmRoot"/>
-      </p:par>
-    </p:tnLst>
-  </p:timing>
 </p:sldLayout>
 </file>
 
@@ -4674,7 +4479,7 @@
           </a:lstStyle>
           <a:p>
             <a:r>
-              <a:rPr lang="en-US" smtClean="0"/>
+              <a:rPr lang="en-US"/>
               <a:t>Click to edit Master title style</a:t>
             </a:r>
             <a:endParaRPr lang="en-US" dirty="0"/>
@@ -4784,13 +4589,6 @@
   <p:clrMapOvr>
     <a:masterClrMapping/>
   </p:clrMapOvr>
-  <p:timing>
-    <p:tnLst>
-      <p:par>
-        <p:cTn id="1" dur="indefinite" restart="never" nodeType="tmRoot"/>
-      </p:par>
-    </p:tnLst>
-  </p:timing>
 </p:sldLayout>
 </file>
 
@@ -4864,7 +4662,7 @@
               <a:pPr>
                 <a:defRPr/>
               </a:pPr>
-              <a:t>8/19/2016</a:t>
+              <a:t>9/10/2019</a:t>
             </a:fld>
             <a:endParaRPr lang="en-US"/>
           </a:p>
@@ -4947,13 +4745,6 @@
   <p:clrMapOvr>
     <a:masterClrMapping/>
   </p:clrMapOvr>
-  <p:timing>
-    <p:tnLst>
-      <p:par>
-        <p:cTn id="1" dur="indefinite" restart="never" nodeType="tmRoot"/>
-      </p:par>
-    </p:tnLst>
-  </p:timing>
 </p:sldLayout>
 </file>
 
@@ -4999,7 +4790,7 @@
           </a:lstStyle>
           <a:p>
             <a:r>
-              <a:rPr lang="en-US" smtClean="0"/>
+              <a:rPr lang="en-US"/>
               <a:t>Click to edit Master title style</a:t>
             </a:r>
             <a:endParaRPr lang="en-US" dirty="0"/>
@@ -5056,35 +4847,35 @@
           <a:p>
             <a:pPr lvl="0"/>
             <a:r>
-              <a:rPr lang="en-US" smtClean="0"/>
+              <a:rPr lang="en-US"/>
               <a:t>Click to edit Master text styles</a:t>
             </a:r>
           </a:p>
           <a:p>
             <a:pPr lvl="1"/>
             <a:r>
-              <a:rPr lang="en-US" smtClean="0"/>
+              <a:rPr lang="en-US"/>
               <a:t>Second level</a:t>
             </a:r>
           </a:p>
           <a:p>
             <a:pPr lvl="2"/>
             <a:r>
-              <a:rPr lang="en-US" smtClean="0"/>
+              <a:rPr lang="en-US"/>
               <a:t>Third level</a:t>
             </a:r>
           </a:p>
           <a:p>
             <a:pPr lvl="3"/>
             <a:r>
-              <a:rPr lang="en-US" smtClean="0"/>
+              <a:rPr lang="en-US"/>
               <a:t>Fourth level</a:t>
             </a:r>
           </a:p>
           <a:p>
             <a:pPr lvl="4"/>
             <a:r>
-              <a:rPr lang="en-US" smtClean="0"/>
+              <a:rPr lang="en-US"/>
               <a:t>Fifth level</a:t>
             </a:r>
             <a:endParaRPr lang="en-US" dirty="0"/>
@@ -5150,7 +4941,7 @@
           <a:p>
             <a:pPr lvl="0"/>
             <a:r>
-              <a:rPr lang="en-US" smtClean="0"/>
+              <a:rPr lang="en-US"/>
               <a:t>Click to edit Master text styles</a:t>
             </a:r>
           </a:p>
@@ -5209,7 +5000,7 @@
               <a:pPr>
                 <a:defRPr/>
               </a:pPr>
-              <a:t>8/19/2016</a:t>
+              <a:t>9/10/2019</a:t>
             </a:fld>
             <a:endParaRPr lang="en-US"/>
           </a:p>
@@ -5292,13 +5083,6 @@
   <p:clrMapOvr>
     <a:masterClrMapping/>
   </p:clrMapOvr>
-  <p:timing>
-    <p:tnLst>
-      <p:par>
-        <p:cTn id="1" dur="indefinite" restart="never" nodeType="tmRoot"/>
-      </p:par>
-    </p:tnLst>
-  </p:timing>
 </p:sldLayout>
 </file>
 
@@ -5344,7 +5128,7 @@
           </a:lstStyle>
           <a:p>
             <a:r>
-              <a:rPr lang="en-US" smtClean="0"/>
+              <a:rPr lang="en-US"/>
               <a:t>Click to edit Master title style</a:t>
             </a:r>
             <a:endParaRPr lang="en-US" dirty="0"/>
@@ -5410,7 +5194,7 @@
           <a:p>
             <a:pPr lvl="0"/>
             <a:r>
-              <a:rPr lang="en-US" smtClean="0"/>
+              <a:rPr lang="en-US"/>
               <a:t>Click to edit Master text styles</a:t>
             </a:r>
           </a:p>
@@ -5485,13 +5269,6 @@
   <p:clrMapOvr>
     <a:masterClrMapping/>
   </p:clrMapOvr>
-  <p:timing>
-    <p:tnLst>
-      <p:par>
-        <p:cTn id="1" dur="indefinite" restart="never" nodeType="tmRoot"/>
-      </p:par>
-    </p:tnLst>
-  </p:timing>
 </p:sldLayout>
 </file>
 
@@ -5537,7 +5314,7 @@
           </a:lstStyle>
           <a:p>
             <a:r>
-              <a:rPr lang="en-US" smtClean="0"/>
+              <a:rPr lang="en-US"/>
               <a:t>Click to edit Master title style</a:t>
             </a:r>
             <a:endParaRPr lang="en-US" dirty="0"/>
@@ -5603,7 +5380,7 @@
           <a:p>
             <a:pPr lvl="0"/>
             <a:r>
-              <a:rPr lang="en-US" noProof="0" smtClean="0"/>
+              <a:rPr lang="en-US" noProof="0"/>
               <a:t>Click icon to add picture</a:t>
             </a:r>
             <a:endParaRPr lang="en-US" noProof="0" dirty="0"/>
@@ -5669,7 +5446,7 @@
           <a:p>
             <a:pPr lvl="0"/>
             <a:r>
-              <a:rPr lang="en-US" smtClean="0"/>
+              <a:rPr lang="en-US"/>
               <a:t>Click to edit Master text styles</a:t>
             </a:r>
           </a:p>
@@ -5728,7 +5505,7 @@
               <a:pPr>
                 <a:defRPr/>
               </a:pPr>
-              <a:t>8/19/2016</a:t>
+              <a:t>9/10/2019</a:t>
             </a:fld>
             <a:endParaRPr lang="en-US"/>
           </a:p>
@@ -5815,13 +5592,6 @@
   <p:clrMapOvr>
     <a:masterClrMapping/>
   </p:clrMapOvr>
-  <p:timing>
-    <p:tnLst>
-      <p:par>
-        <p:cTn id="1" dur="indefinite" restart="never" nodeType="tmRoot"/>
-      </p:par>
-    </p:tnLst>
-  </p:timing>
 </p:sldLayout>
 </file>
 
@@ -5862,7 +5632,7 @@
           </a:lstStyle>
           <a:p>
             <a:r>
-              <a:rPr lang="en-US" smtClean="0"/>
+              <a:rPr lang="en-US"/>
               <a:t>Click to edit Master title style</a:t>
             </a:r>
             <a:endParaRPr lang="en-US" dirty="0"/>
@@ -5902,35 +5672,35 @@
           <a:p>
             <a:pPr lvl="0"/>
             <a:r>
-              <a:rPr lang="en-US" smtClean="0"/>
+              <a:rPr lang="en-US"/>
               <a:t>Click to edit Master text styles</a:t>
             </a:r>
           </a:p>
           <a:p>
             <a:pPr lvl="1"/>
             <a:r>
-              <a:rPr lang="en-US" smtClean="0"/>
+              <a:rPr lang="en-US"/>
               <a:t>Second level</a:t>
             </a:r>
           </a:p>
           <a:p>
             <a:pPr lvl="2"/>
             <a:r>
-              <a:rPr lang="en-US" smtClean="0"/>
+              <a:rPr lang="en-US"/>
               <a:t>Third level</a:t>
             </a:r>
           </a:p>
           <a:p>
             <a:pPr lvl="3"/>
             <a:r>
-              <a:rPr lang="en-US" smtClean="0"/>
+              <a:rPr lang="en-US"/>
               <a:t>Fourth level</a:t>
             </a:r>
           </a:p>
           <a:p>
             <a:pPr lvl="4"/>
             <a:r>
-              <a:rPr lang="en-US" smtClean="0"/>
+              <a:rPr lang="en-US"/>
               <a:t>Fifth level</a:t>
             </a:r>
             <a:endParaRPr lang="en-US" dirty="0"/>
@@ -5990,7 +5760,7 @@
               <a:pPr>
                 <a:defRPr/>
               </a:pPr>
-              <a:t>8/19/2016</a:t>
+              <a:t>9/10/2019</a:t>
             </a:fld>
             <a:endParaRPr lang="en-US"/>
           </a:p>
@@ -6073,13 +5843,6 @@
   <p:clrMapOvr>
     <a:masterClrMapping/>
   </p:clrMapOvr>
-  <p:timing>
-    <p:tnLst>
-      <p:par>
-        <p:cTn id="1" dur="indefinite" restart="never" nodeType="tmRoot"/>
-      </p:par>
-    </p:tnLst>
-  </p:timing>
 </p:sldLayout>
 </file>
 
@@ -6125,7 +5888,7 @@
           </a:lstStyle>
           <a:p>
             <a:r>
-              <a:rPr lang="en-US" smtClean="0"/>
+              <a:rPr lang="en-US"/>
               <a:t>Click to edit Master title style</a:t>
             </a:r>
             <a:endParaRPr lang="en-US" dirty="0"/>
@@ -6170,35 +5933,35 @@
           <a:p>
             <a:pPr lvl="0"/>
             <a:r>
-              <a:rPr lang="en-US" smtClean="0"/>
+              <a:rPr lang="en-US"/>
               <a:t>Click to edit Master text styles</a:t>
             </a:r>
           </a:p>
           <a:p>
             <a:pPr lvl="1"/>
             <a:r>
-              <a:rPr lang="en-US" smtClean="0"/>
+              <a:rPr lang="en-US"/>
               <a:t>Second level</a:t>
             </a:r>
           </a:p>
           <a:p>
             <a:pPr lvl="2"/>
             <a:r>
-              <a:rPr lang="en-US" smtClean="0"/>
+              <a:rPr lang="en-US"/>
               <a:t>Third level</a:t>
             </a:r>
           </a:p>
           <a:p>
             <a:pPr lvl="3"/>
             <a:r>
-              <a:rPr lang="en-US" smtClean="0"/>
+              <a:rPr lang="en-US"/>
               <a:t>Fourth level</a:t>
             </a:r>
           </a:p>
           <a:p>
             <a:pPr lvl="4"/>
             <a:r>
-              <a:rPr lang="en-US" smtClean="0"/>
+              <a:rPr lang="en-US"/>
               <a:t>Fifth level</a:t>
             </a:r>
             <a:endParaRPr lang="en-US" dirty="0"/>
@@ -6334,13 +6097,6 @@
   <p:clrMapOvr>
     <a:masterClrMapping/>
   </p:clrMapOvr>
-  <p:timing>
-    <p:tnLst>
-      <p:par>
-        <p:cTn id="1" dur="indefinite" restart="never" nodeType="tmRoot"/>
-      </p:par>
-    </p:tnLst>
-  </p:timing>
 </p:sldLayout>
 </file>
 
@@ -6381,7 +6137,7 @@
           </a:lstStyle>
           <a:p>
             <a:r>
-              <a:rPr lang="en-US" smtClean="0"/>
+              <a:rPr lang="en-US"/>
               <a:t>Click to edit Master title style</a:t>
             </a:r>
             <a:endParaRPr lang="en-US" dirty="0"/>
@@ -6451,35 +6207,35 @@
           <a:p>
             <a:pPr lvl="0"/>
             <a:r>
-              <a:rPr lang="en-US" smtClean="0"/>
+              <a:rPr lang="en-US"/>
               <a:t>Click to edit Master text styles</a:t>
             </a:r>
           </a:p>
           <a:p>
             <a:pPr lvl="1"/>
             <a:r>
-              <a:rPr lang="en-US" smtClean="0"/>
+              <a:rPr lang="en-US"/>
               <a:t>Second level</a:t>
             </a:r>
           </a:p>
           <a:p>
             <a:pPr lvl="2"/>
             <a:r>
-              <a:rPr lang="en-US" smtClean="0"/>
+              <a:rPr lang="en-US"/>
               <a:t>Third level</a:t>
             </a:r>
           </a:p>
           <a:p>
             <a:pPr lvl="3"/>
             <a:r>
-              <a:rPr lang="en-US" smtClean="0"/>
+              <a:rPr lang="en-US"/>
               <a:t>Fourth level</a:t>
             </a:r>
           </a:p>
           <a:p>
             <a:pPr lvl="4"/>
             <a:r>
-              <a:rPr lang="en-US" smtClean="0"/>
+              <a:rPr lang="en-US"/>
               <a:t>Fifth level</a:t>
             </a:r>
             <a:endParaRPr lang="en-US" dirty="0"/>
@@ -6555,13 +6311,6 @@
   <p:clrMapOvr>
     <a:masterClrMapping/>
   </p:clrMapOvr>
-  <p:timing>
-    <p:tnLst>
-      <p:par>
-        <p:cTn id="1" dur="indefinite" restart="never" nodeType="tmRoot"/>
-      </p:par>
-    </p:tnLst>
-  </p:timing>
 </p:sldLayout>
 </file>
 
@@ -6602,7 +6351,7 @@
           </a:lstStyle>
           <a:p>
             <a:r>
-              <a:rPr lang="en-US" smtClean="0"/>
+              <a:rPr lang="en-US"/>
               <a:t>Click to edit Master title style</a:t>
             </a:r>
             <a:endParaRPr lang="en-US" dirty="0"/>
@@ -6659,35 +6408,35 @@
           <a:p>
             <a:pPr lvl="0"/>
             <a:r>
-              <a:rPr lang="en-US" smtClean="0"/>
+              <a:rPr lang="en-US"/>
               <a:t>Click to edit Master text styles</a:t>
             </a:r>
           </a:p>
           <a:p>
             <a:pPr lvl="1"/>
             <a:r>
-              <a:rPr lang="en-US" smtClean="0"/>
+              <a:rPr lang="en-US"/>
               <a:t>Second level</a:t>
             </a:r>
           </a:p>
           <a:p>
             <a:pPr lvl="2"/>
             <a:r>
-              <a:rPr lang="en-US" smtClean="0"/>
+              <a:rPr lang="en-US"/>
               <a:t>Third level</a:t>
             </a:r>
           </a:p>
           <a:p>
             <a:pPr lvl="3"/>
             <a:r>
-              <a:rPr lang="en-US" smtClean="0"/>
+              <a:rPr lang="en-US"/>
               <a:t>Fourth level</a:t>
             </a:r>
           </a:p>
           <a:p>
             <a:pPr lvl="4"/>
             <a:r>
-              <a:rPr lang="en-US" smtClean="0"/>
+              <a:rPr lang="en-US"/>
               <a:t>Fifth level</a:t>
             </a:r>
             <a:endParaRPr lang="en-US" dirty="0"/>
@@ -6744,35 +6493,35 @@
           <a:p>
             <a:pPr lvl="0"/>
             <a:r>
-              <a:rPr lang="en-US" smtClean="0"/>
+              <a:rPr lang="en-US"/>
               <a:t>Click to edit Master text styles</a:t>
             </a:r>
           </a:p>
           <a:p>
             <a:pPr lvl="1"/>
             <a:r>
-              <a:rPr lang="en-US" smtClean="0"/>
+              <a:rPr lang="en-US"/>
               <a:t>Second level</a:t>
             </a:r>
           </a:p>
           <a:p>
             <a:pPr lvl="2"/>
             <a:r>
-              <a:rPr lang="en-US" smtClean="0"/>
+              <a:rPr lang="en-US"/>
               <a:t>Third level</a:t>
             </a:r>
           </a:p>
           <a:p>
             <a:pPr lvl="3"/>
             <a:r>
-              <a:rPr lang="en-US" smtClean="0"/>
+              <a:rPr lang="en-US"/>
               <a:t>Fourth level</a:t>
             </a:r>
           </a:p>
           <a:p>
             <a:pPr lvl="4"/>
             <a:r>
-              <a:rPr lang="en-US" smtClean="0"/>
+              <a:rPr lang="en-US"/>
               <a:t>Fifth level</a:t>
             </a:r>
             <a:endParaRPr lang="en-US" dirty="0"/>
@@ -6832,7 +6581,7 @@
               <a:pPr>
                 <a:defRPr/>
               </a:pPr>
-              <a:t>8/19/2016</a:t>
+              <a:t>9/10/2019</a:t>
             </a:fld>
             <a:endParaRPr lang="en-US"/>
           </a:p>
@@ -6911,13 +6660,6 @@
   <p:clrMapOvr>
     <a:masterClrMapping/>
   </p:clrMapOvr>
-  <p:timing>
-    <p:tnLst>
-      <p:par>
-        <p:cTn id="1" dur="indefinite" restart="never" nodeType="tmRoot"/>
-      </p:par>
-    </p:tnLst>
-  </p:timing>
 </p:sldLayout>
 </file>
 
@@ -6958,7 +6700,7 @@
           </a:lstStyle>
           <a:p>
             <a:r>
-              <a:rPr lang="en-US" smtClean="0"/>
+              <a:rPr lang="en-US"/>
               <a:t>Click to edit Master title style</a:t>
             </a:r>
             <a:endParaRPr lang="en-US" dirty="0"/>
@@ -7024,7 +6766,7 @@
           <a:p>
             <a:pPr lvl="0"/>
             <a:r>
-              <a:rPr lang="en-US" smtClean="0"/>
+              <a:rPr lang="en-US"/>
               <a:t>Click to edit Master text styles</a:t>
             </a:r>
           </a:p>
@@ -7080,35 +6822,35 @@
           <a:p>
             <a:pPr lvl="0"/>
             <a:r>
-              <a:rPr lang="en-US" smtClean="0"/>
+              <a:rPr lang="en-US"/>
               <a:t>Click to edit Master text styles</a:t>
             </a:r>
           </a:p>
           <a:p>
             <a:pPr lvl="1"/>
             <a:r>
-              <a:rPr lang="en-US" smtClean="0"/>
+              <a:rPr lang="en-US"/>
               <a:t>Second level</a:t>
             </a:r>
           </a:p>
           <a:p>
             <a:pPr lvl="2"/>
             <a:r>
-              <a:rPr lang="en-US" smtClean="0"/>
+              <a:rPr lang="en-US"/>
               <a:t>Third level</a:t>
             </a:r>
           </a:p>
           <a:p>
             <a:pPr lvl="3"/>
             <a:r>
-              <a:rPr lang="en-US" smtClean="0"/>
+              <a:rPr lang="en-US"/>
               <a:t>Fourth level</a:t>
             </a:r>
           </a:p>
           <a:p>
             <a:pPr lvl="4"/>
             <a:r>
-              <a:rPr lang="en-US" smtClean="0"/>
+              <a:rPr lang="en-US"/>
               <a:t>Fifth level</a:t>
             </a:r>
             <a:endParaRPr lang="en-US" dirty="0"/>
@@ -7174,7 +6916,7 @@
           <a:p>
             <a:pPr lvl="0"/>
             <a:r>
-              <a:rPr lang="en-US" smtClean="0"/>
+              <a:rPr lang="en-US"/>
               <a:t>Click to edit Master text styles</a:t>
             </a:r>
           </a:p>
@@ -7230,35 +6972,35 @@
           <a:p>
             <a:pPr lvl="0"/>
             <a:r>
-              <a:rPr lang="en-US" smtClean="0"/>
+              <a:rPr lang="en-US"/>
               <a:t>Click to edit Master text styles</a:t>
             </a:r>
           </a:p>
           <a:p>
             <a:pPr lvl="1"/>
             <a:r>
-              <a:rPr lang="en-US" smtClean="0"/>
+              <a:rPr lang="en-US"/>
               <a:t>Second level</a:t>
             </a:r>
           </a:p>
           <a:p>
             <a:pPr lvl="2"/>
             <a:r>
-              <a:rPr lang="en-US" smtClean="0"/>
+              <a:rPr lang="en-US"/>
               <a:t>Third level</a:t>
             </a:r>
           </a:p>
           <a:p>
             <a:pPr lvl="3"/>
             <a:r>
-              <a:rPr lang="en-US" smtClean="0"/>
+              <a:rPr lang="en-US"/>
               <a:t>Fourth level</a:t>
             </a:r>
           </a:p>
           <a:p>
             <a:pPr lvl="4"/>
             <a:r>
-              <a:rPr lang="en-US" smtClean="0"/>
+              <a:rPr lang="en-US"/>
               <a:t>Fifth level</a:t>
             </a:r>
             <a:endParaRPr lang="en-US" dirty="0"/>
@@ -7318,7 +7060,7 @@
               <a:pPr>
                 <a:defRPr/>
               </a:pPr>
-              <a:t>8/19/2016</a:t>
+              <a:t>9/10/2019</a:t>
             </a:fld>
             <a:endParaRPr lang="en-US"/>
           </a:p>
@@ -7397,13 +7139,6 @@
   <p:clrMapOvr>
     <a:masterClrMapping/>
   </p:clrMapOvr>
-  <p:timing>
-    <p:tnLst>
-      <p:par>
-        <p:cTn id="1" dur="indefinite" restart="never" nodeType="tmRoot"/>
-      </p:par>
-    </p:tnLst>
-  </p:timing>
 </p:sldLayout>
 </file>
 
@@ -7444,7 +7179,7 @@
           </a:lstStyle>
           <a:p>
             <a:r>
-              <a:rPr lang="en-US" smtClean="0"/>
+              <a:rPr lang="en-US"/>
               <a:t>Click to edit Master title style</a:t>
             </a:r>
             <a:endParaRPr lang="en-US" dirty="0"/>
@@ -7550,13 +7285,6 @@
   <p:clrMapOvr>
     <a:masterClrMapping/>
   </p:clrMapOvr>
-  <p:timing>
-    <p:tnLst>
-      <p:par>
-        <p:cTn id="1" dur="indefinite" restart="never" nodeType="tmRoot"/>
-      </p:par>
-    </p:tnLst>
-  </p:timing>
 </p:sldLayout>
 </file>
 
@@ -7630,7 +7358,7 @@
               <a:pPr>
                 <a:defRPr/>
               </a:pPr>
-              <a:t>8/19/2016</a:t>
+              <a:t>9/10/2019</a:t>
             </a:fld>
             <a:endParaRPr lang="en-US"/>
           </a:p>
@@ -7709,13 +7437,6 @@
   <p:clrMapOvr>
     <a:masterClrMapping/>
   </p:clrMapOvr>
-  <p:timing>
-    <p:tnLst>
-      <p:par>
-        <p:cTn id="1" dur="indefinite" restart="never" nodeType="tmRoot"/>
-      </p:par>
-    </p:tnLst>
-  </p:timing>
 </p:sldLayout>
 </file>
 
@@ -7761,7 +7482,7 @@
           </a:lstStyle>
           <a:p>
             <a:r>
-              <a:rPr lang="en-US" smtClean="0"/>
+              <a:rPr lang="en-US"/>
               <a:t>Click to edit Master title style</a:t>
             </a:r>
             <a:endParaRPr lang="en-US" dirty="0"/>
@@ -7818,35 +7539,35 @@
           <a:p>
             <a:pPr lvl="0"/>
             <a:r>
-              <a:rPr lang="en-US" smtClean="0"/>
+              <a:rPr lang="en-US"/>
               <a:t>Click to edit Master text styles</a:t>
             </a:r>
           </a:p>
           <a:p>
             <a:pPr lvl="1"/>
             <a:r>
-              <a:rPr lang="en-US" smtClean="0"/>
+              <a:rPr lang="en-US"/>
               <a:t>Second level</a:t>
             </a:r>
           </a:p>
           <a:p>
             <a:pPr lvl="2"/>
             <a:r>
-              <a:rPr lang="en-US" smtClean="0"/>
+              <a:rPr lang="en-US"/>
               <a:t>Third level</a:t>
             </a:r>
           </a:p>
           <a:p>
             <a:pPr lvl="3"/>
             <a:r>
-              <a:rPr lang="en-US" smtClean="0"/>
+              <a:rPr lang="en-US"/>
               <a:t>Fourth level</a:t>
             </a:r>
           </a:p>
           <a:p>
             <a:pPr lvl="4"/>
             <a:r>
-              <a:rPr lang="en-US" smtClean="0"/>
+              <a:rPr lang="en-US"/>
               <a:t>Fifth level</a:t>
             </a:r>
             <a:endParaRPr lang="en-US" dirty="0"/>
@@ -7912,7 +7633,7 @@
           <a:p>
             <a:pPr lvl="0"/>
             <a:r>
-              <a:rPr lang="en-US" smtClean="0"/>
+              <a:rPr lang="en-US"/>
               <a:t>Click to edit Master text styles</a:t>
             </a:r>
           </a:p>
@@ -7971,7 +7692,7 @@
               <a:pPr>
                 <a:defRPr/>
               </a:pPr>
-              <a:t>8/19/2016</a:t>
+              <a:t>9/10/2019</a:t>
             </a:fld>
             <a:endParaRPr lang="en-US"/>
           </a:p>
@@ -8050,13 +7771,6 @@
   <p:clrMapOvr>
     <a:masterClrMapping/>
   </p:clrMapOvr>
-  <p:timing>
-    <p:tnLst>
-      <p:par>
-        <p:cTn id="1" dur="indefinite" restart="never" nodeType="tmRoot"/>
-      </p:par>
-    </p:tnLst>
-  </p:timing>
 </p:sldLayout>
 </file>
 
@@ -8102,7 +7816,7 @@
           </a:lstStyle>
           <a:p>
             <a:r>
-              <a:rPr lang="en-US" smtClean="0"/>
+              <a:rPr lang="en-US"/>
               <a:t>Click to edit Master title style</a:t>
             </a:r>
             <a:endParaRPr lang="en-US" dirty="0"/>
@@ -8168,7 +7882,7 @@
           <a:p>
             <a:pPr lvl="0"/>
             <a:r>
-              <a:rPr lang="en-US" noProof="0" smtClean="0"/>
+              <a:rPr lang="en-US" noProof="0"/>
               <a:t>Click icon to add picture</a:t>
             </a:r>
             <a:endParaRPr lang="en-US" noProof="0" dirty="0"/>
@@ -8234,7 +7948,7 @@
           <a:p>
             <a:pPr lvl="0"/>
             <a:r>
-              <a:rPr lang="en-US" smtClean="0"/>
+              <a:rPr lang="en-US"/>
               <a:t>Click to edit Master text styles</a:t>
             </a:r>
           </a:p>
@@ -8293,7 +8007,7 @@
               <a:pPr>
                 <a:defRPr/>
               </a:pPr>
-              <a:t>8/19/2016</a:t>
+              <a:t>9/10/2019</a:t>
             </a:fld>
             <a:endParaRPr lang="en-US"/>
           </a:p>
@@ -8376,13 +8090,6 @@
   <p:clrMapOvr>
     <a:masterClrMapping/>
   </p:clrMapOvr>
-  <p:timing>
-    <p:tnLst>
-      <p:par>
-        <p:cTn id="1" dur="indefinite" restart="never" nodeType="tmRoot"/>
-      </p:par>
-    </p:tnLst>
-  </p:timing>
 </p:sldLayout>
 </file>
 
@@ -8447,7 +8154,7 @@
           <a:p>
             <a:pPr lvl="0"/>
             <a:r>
-              <a:rPr lang="en-US" dirty="0" smtClean="0"/>
+              <a:rPr lang="en-US" dirty="0"/>
               <a:t>Click to edit Master title style</a:t>
             </a:r>
           </a:p>
@@ -8489,35 +8196,35 @@
           <a:p>
             <a:pPr lvl="0"/>
             <a:r>
-              <a:rPr lang="en-US" dirty="0" smtClean="0"/>
+              <a:rPr lang="en-US" dirty="0"/>
               <a:t>Click to edit Master text styles</a:t>
             </a:r>
           </a:p>
           <a:p>
             <a:pPr lvl="1"/>
             <a:r>
-              <a:rPr lang="en-US" dirty="0" smtClean="0"/>
+              <a:rPr lang="en-US" dirty="0"/>
               <a:t>Second level</a:t>
             </a:r>
           </a:p>
           <a:p>
             <a:pPr lvl="2"/>
             <a:r>
-              <a:rPr lang="en-US" dirty="0" smtClean="0"/>
+              <a:rPr lang="en-US" dirty="0"/>
               <a:t>Third level</a:t>
             </a:r>
           </a:p>
           <a:p>
             <a:pPr lvl="3"/>
             <a:r>
-              <a:rPr lang="en-US" dirty="0" smtClean="0"/>
+              <a:rPr lang="en-US" dirty="0"/>
               <a:t>Fourth level</a:t>
             </a:r>
           </a:p>
           <a:p>
             <a:pPr lvl="4"/>
             <a:r>
-              <a:rPr lang="en-US" dirty="0" smtClean="0"/>
+              <a:rPr lang="en-US" dirty="0"/>
               <a:t>Fifth level</a:t>
             </a:r>
           </a:p>
@@ -8696,7 +8403,7 @@
               <a:buNone/>
               <a:tabLst/>
             </a:pPr>
-            <a:endParaRPr kumimoji="0" lang="en-US" sz="1800" b="0" i="0" u="none" strike="noStrike" cap="none" normalizeH="0" baseline="0" smtClean="0">
+            <a:endParaRPr kumimoji="0" lang="en-US" sz="1800" b="0" i="0" u="none" strike="noStrike" cap="none" normalizeH="0" baseline="0">
               <a:ln>
                 <a:solidFill>
                   <a:srgbClr val="66CCFF"/>
@@ -8732,13 +8439,6 @@
     <p:sldLayoutId id="2147484071" r:id="rId10"/>
     <p:sldLayoutId id="2147484072" r:id="rId11"/>
   </p:sldLayoutIdLst>
-  <p:timing>
-    <p:tnLst>
-      <p:par>
-        <p:cTn id="1" dur="indefinite" restart="never" nodeType="tmRoot"/>
-      </p:par>
-    </p:tnLst>
-  </p:timing>
   <p:hf hdr="0" ftr="0" dt="0"/>
   <p:txStyles>
     <p:titleStyle>
@@ -9215,7 +8915,7 @@
           <a:p>
             <a:pPr lvl="0"/>
             <a:r>
-              <a:rPr lang="en-US" dirty="0" smtClean="0"/>
+              <a:rPr lang="en-US" dirty="0"/>
               <a:t>Click to edit Master title style</a:t>
             </a:r>
           </a:p>
@@ -9257,35 +8957,35 @@
           <a:p>
             <a:pPr lvl="0"/>
             <a:r>
-              <a:rPr lang="en-US" dirty="0" smtClean="0"/>
+              <a:rPr lang="en-US" dirty="0"/>
               <a:t>Click to edit Master text styles</a:t>
             </a:r>
           </a:p>
           <a:p>
             <a:pPr lvl="1"/>
             <a:r>
-              <a:rPr lang="en-US" dirty="0" smtClean="0"/>
+              <a:rPr lang="en-US" dirty="0"/>
               <a:t>Second level</a:t>
             </a:r>
           </a:p>
           <a:p>
             <a:pPr lvl="2"/>
             <a:r>
-              <a:rPr lang="en-US" dirty="0" smtClean="0"/>
+              <a:rPr lang="en-US" dirty="0"/>
               <a:t>Third level</a:t>
             </a:r>
           </a:p>
           <a:p>
             <a:pPr lvl="3"/>
             <a:r>
-              <a:rPr lang="en-US" dirty="0" smtClean="0"/>
+              <a:rPr lang="en-US" dirty="0"/>
               <a:t>Fourth level</a:t>
             </a:r>
           </a:p>
           <a:p>
             <a:pPr lvl="4"/>
             <a:r>
-              <a:rPr lang="en-US" dirty="0" smtClean="0"/>
+              <a:rPr lang="en-US" dirty="0"/>
               <a:t>Fifth level</a:t>
             </a:r>
           </a:p>
@@ -9448,7 +9148,7 @@
           </a:bodyPr>
           <a:lstStyle/>
           <a:p>
-            <a:endParaRPr lang="en-US" smtClean="0">
+            <a:endParaRPr lang="en-US">
               <a:ln>
                 <a:solidFill>
                   <a:srgbClr val="66CCFF"/>
@@ -9483,13 +9183,6 @@
     <p:sldLayoutId id="2147484084" r:id="rId10"/>
     <p:sldLayoutId id="2147484085" r:id="rId11"/>
   </p:sldLayoutIdLst>
-  <p:timing>
-    <p:tnLst>
-      <p:par>
-        <p:cTn id="1" dur="indefinite" restart="never" nodeType="tmRoot"/>
-      </p:par>
-    </p:tnLst>
-  </p:timing>
   <p:hf hdr="0" ftr="0" dt="0"/>
   <p:txStyles>
     <p:titleStyle>
@@ -9943,7 +9636,7 @@
           <a:lstStyle/>
           <a:p>
             <a:r>
-              <a:rPr lang="en-US" sz="2800" b="0" dirty="0" smtClean="0">
+              <a:rPr lang="en-US" sz="2800" b="0" dirty="0">
                 <a:solidFill>
                   <a:schemeClr val="accent4">
                     <a:lumMod val="75000"/>
@@ -9953,20 +9646,8 @@
               <a:t>BCUS101</a:t>
             </a:r>
             <a:r>
-              <a:rPr lang="en-US" sz="2800" b="0" dirty="0" smtClean="0"/>
-              <a:t> </a:t>
-            </a:r>
-            <a:r>
               <a:rPr lang="en-US" sz="2800" b="0" dirty="0"/>
-              <a:t>- Installation </a:t>
-            </a:r>
-            <a:r>
-              <a:rPr lang="en-US" sz="2800" b="0" dirty="0" smtClean="0"/>
-              <a:t>Tutorial</a:t>
-            </a:r>
-            <a:r>
-              <a:rPr lang="en-US" sz="2800" b="0" dirty="0"/>
-              <a:t> </a:t>
+              <a:t> - Installation Tutorial </a:t>
             </a:r>
           </a:p>
         </p:txBody>
@@ -10002,18 +9683,7 @@
                   </a:srgbClr>
                 </a:solidFill>
               </a:rPr>
-              <a:t>A Integrated Workflow to </a:t>
-            </a:r>
-            <a:r>
-              <a:rPr lang="en-US" sz="1600" dirty="0" smtClean="0">
-                <a:solidFill>
-                  <a:srgbClr val="1F497D">
-                    <a:lumMod val="60000"/>
-                    <a:lumOff val="40000"/>
-                  </a:srgbClr>
-                </a:solidFill>
-              </a:rPr>
-              <a:t>Perform BCUS</a:t>
+              <a:t>A Integrated Workflow to Perform BCUS</a:t>
             </a:r>
             <a:endParaRPr lang="en-US" sz="1600" b="1" dirty="0">
               <a:solidFill>
@@ -10102,19 +9772,11 @@
               </a:rPr>
               <a:t>ensitivity Analysis </a:t>
             </a:r>
-            <a:endParaRPr lang="en-US" sz="1600" dirty="0" smtClean="0">
-              <a:solidFill>
-                <a:srgbClr val="1F497D">
-                  <a:lumMod val="60000"/>
-                  <a:lumOff val="40000"/>
-                </a:srgbClr>
-              </a:solidFill>
-            </a:endParaRPr>
           </a:p>
           <a:p>
             <a:pPr algn="r"/>
             <a:r>
-              <a:rPr lang="en-US" sz="1600" dirty="0" smtClean="0">
+              <a:rPr lang="en-US" sz="1600" dirty="0">
                 <a:solidFill>
                   <a:srgbClr val="1F497D">
                     <a:lumMod val="60000"/>
@@ -10122,38 +9784,8 @@
                   </a:srgbClr>
                 </a:solidFill>
               </a:rPr>
-              <a:t>on </a:t>
-            </a:r>
-            <a:r>
-              <a:rPr lang="en-US" sz="1600" dirty="0">
-                <a:solidFill>
-                  <a:srgbClr val="1F497D">
-                    <a:lumMod val="60000"/>
-                    <a:lumOff val="40000"/>
-                  </a:srgbClr>
-                </a:solidFill>
-              </a:rPr>
-              <a:t>OpenStudio </a:t>
-            </a:r>
-            <a:r>
-              <a:rPr lang="en-US" sz="1600" dirty="0" smtClean="0">
-                <a:solidFill>
-                  <a:srgbClr val="1F497D">
-                    <a:lumMod val="60000"/>
-                    <a:lumOff val="40000"/>
-                  </a:srgbClr>
-                </a:solidFill>
-              </a:rPr>
-              <a:t>Models</a:t>
-            </a:r>
-            <a:endParaRPr lang="en-US" sz="1600" dirty="0">
-              <a:solidFill>
-                <a:srgbClr val="1F497D">
-                  <a:lumMod val="60000"/>
-                  <a:lumOff val="40000"/>
-                </a:srgbClr>
-              </a:solidFill>
-            </a:endParaRPr>
+              <a:t>on OpenStudio Models</a:t>
+            </a:r>
           </a:p>
           <a:p>
             <a:pPr algn="r"/>
@@ -10166,18 +9798,13 @@
           <a:p>
             <a:pPr algn="r"/>
             <a:r>
-              <a:rPr lang="en-US" sz="1600" i="1" dirty="0" smtClean="0">
+              <a:rPr lang="en-US" sz="1600" i="1" dirty="0">
                 <a:solidFill>
                   <a:srgbClr val="000000"/>
                 </a:solidFill>
               </a:rPr>
-              <a:t>July. 2016</a:t>
-            </a:r>
-            <a:endParaRPr lang="en-US" sz="1600" i="1" dirty="0">
-              <a:solidFill>
-                <a:srgbClr val="000000"/>
-              </a:solidFill>
-            </a:endParaRPr>
+              <a:t>September 2019</a:t>
+            </a:r>
           </a:p>
         </p:txBody>
       </p:sp>
@@ -10220,13 +9847,6 @@
   <p:clrMapOvr>
     <a:masterClrMapping/>
   </p:clrMapOvr>
-  <p:timing>
-    <p:tnLst>
-      <p:par>
-        <p:cTn id="1" dur="indefinite" restart="never" nodeType="tmRoot"/>
-      </p:par>
-    </p:tnLst>
-  </p:timing>
 </p:sld>
 </file>
 
@@ -10294,24 +9914,12 @@
             </a:pPr>
             <a:r>
               <a:rPr lang="en-US" sz="2400" dirty="0"/>
-              <a:t>Set up </a:t>
-            </a:r>
-            <a:r>
-              <a:rPr lang="en-US" sz="2400" dirty="0" smtClean="0"/>
-              <a:t>R </a:t>
-            </a:r>
-            <a:r>
-              <a:rPr lang="en-US" sz="2400" dirty="0"/>
-              <a:t>Environment on </a:t>
-            </a:r>
-            <a:r>
-              <a:rPr lang="en-US" sz="2400" dirty="0" smtClean="0"/>
-              <a:t>Windows</a:t>
-            </a:r>
-          </a:p>
-          <a:p>
-            <a:r>
-              <a:rPr lang="en-US" sz="1600" b="1" dirty="0" smtClean="0"/>
+              <a:t>Set up R Environment on Windows</a:t>
+            </a:r>
+          </a:p>
+          <a:p>
+            <a:r>
+              <a:rPr lang="en-US" sz="1600" b="1" dirty="0"/>
               <a:t>Download and Install R </a:t>
             </a:r>
           </a:p>
@@ -10321,55 +9929,22 @@
               <a:buAutoNum type="arabicPeriod"/>
             </a:pPr>
             <a:r>
-              <a:rPr lang="en-US" sz="1600" dirty="0" smtClean="0"/>
-              <a:t>Download </a:t>
-            </a:r>
-            <a:r>
               <a:rPr lang="en-US" sz="1600" dirty="0"/>
-              <a:t>and Install </a:t>
-            </a:r>
-            <a:r>
-              <a:rPr lang="en-US" sz="1600" dirty="0" smtClean="0"/>
-              <a:t>the R-Windows </a:t>
-            </a:r>
-            <a:r>
-              <a:rPr lang="en-US" sz="1600" dirty="0"/>
-              <a:t>i</a:t>
-            </a:r>
-            <a:r>
-              <a:rPr lang="en-US" sz="1600" dirty="0" smtClean="0"/>
-              <a:t>nstaller </a:t>
-            </a:r>
-            <a:r>
-              <a:rPr lang="en-US" sz="1600" dirty="0"/>
-              <a:t>from: </a:t>
-            </a:r>
-            <a:endParaRPr lang="en-US" sz="1600" dirty="0" smtClean="0"/>
+              <a:t>Download and Install the R-Windows installer from: </a:t>
+            </a:r>
           </a:p>
           <a:p>
             <a:pPr marL="457200" lvl="2" indent="0">
               <a:buNone/>
             </a:pPr>
-            <a:r>
-              <a:rPr lang="en-US" sz="1600" dirty="0" smtClean="0">
-                <a:hlinkClick r:id="rId3"/>
-              </a:rPr>
-              <a:t>https</a:t>
-            </a:r>
             <a:r>
               <a:rPr lang="en-US" sz="1600" dirty="0">
                 <a:hlinkClick r:id="rId3"/>
               </a:rPr>
-              <a:t>://</a:t>
-            </a:r>
-            <a:r>
-              <a:rPr lang="en-US" sz="1600" dirty="0" smtClean="0">
-                <a:hlinkClick r:id="rId3"/>
-              </a:rPr>
-              <a:t>cran.r-project.org/bin/windows/</a:t>
-            </a:r>
-            <a:r>
-              <a:rPr lang="en-US" sz="1600" dirty="0" smtClean="0"/>
+              <a:t>https://cran.r-project.org/bin/windows/</a:t>
+            </a:r>
+            <a:r>
+              <a:rPr lang="en-US" sz="1600" dirty="0"/>
               <a:t>.</a:t>
             </a:r>
           </a:p>
@@ -10379,14 +9954,13 @@
               <a:buAutoNum type="arabicPeriod"/>
             </a:pPr>
             <a:r>
-              <a:rPr lang="en-US" sz="1600" dirty="0" smtClean="0"/>
+              <a:rPr lang="en-US" sz="1600" dirty="0"/>
               <a:t>Follow the instruction to install R on your machine.  Installing R in the default directory is recommended.</a:t>
             </a:r>
-            <a:endParaRPr lang="en-US" sz="1600" dirty="0"/>
-          </a:p>
-          <a:p>
-            <a:r>
-              <a:rPr lang="en-US" sz="1600" b="1" dirty="0" smtClean="0"/>
+          </a:p>
+          <a:p>
+            <a:r>
+              <a:rPr lang="en-US" sz="1600" b="1" dirty="0"/>
               <a:t>Install R packages </a:t>
             </a:r>
           </a:p>
@@ -10396,24 +9970,32 @@
               <a:buAutoNum type="arabicPeriod"/>
             </a:pPr>
             <a:r>
-              <a:rPr lang="en-US" sz="1600" dirty="0" smtClean="0"/>
+              <a:rPr lang="en-US" sz="1600" dirty="0"/>
               <a:t>Open </a:t>
             </a:r>
             <a:r>
-              <a:rPr lang="en-US" sz="1600" dirty="0" err="1" smtClean="0"/>
+              <a:rPr lang="en-US" sz="1600" dirty="0" err="1"/>
               <a:t>cmd.exe</a:t>
             </a:r>
             <a:r>
-              <a:rPr lang="en-US" sz="1600" dirty="0" smtClean="0"/>
+              <a:rPr lang="en-US" sz="1600" dirty="0"/>
               <a:t> </a:t>
             </a:r>
             <a:r>
-              <a:rPr lang="en-US" sz="1600" dirty="0" smtClean="0">
+              <a:rPr lang="en-US" sz="1600" dirty="0">
                 <a:solidFill>
                   <a:srgbClr val="000000"/>
                 </a:solidFill>
               </a:rPr>
-              <a:t>– </a:t>
+              <a:t>– Click </a:t>
+            </a:r>
+            <a:r>
+              <a:rPr lang="en-US" sz="1600" b="1" dirty="0">
+                <a:solidFill>
+                  <a:srgbClr val="000000"/>
+                </a:solidFill>
+              </a:rPr>
+              <a:t>Start</a:t>
             </a:r>
             <a:r>
               <a:rPr lang="en-US" sz="1600" dirty="0">
@@ -10421,7 +10003,31 @@
                   <a:srgbClr val="000000"/>
                 </a:solidFill>
               </a:rPr>
-              <a:t>Click </a:t>
+              <a:t>, in the search box type </a:t>
+            </a:r>
+            <a:r>
+              <a:rPr lang="en-US" sz="1600" dirty="0" err="1">
+                <a:solidFill>
+                  <a:srgbClr val="C00000"/>
+                </a:solidFill>
+              </a:rPr>
+              <a:t>cmd</a:t>
+            </a:r>
+            <a:r>
+              <a:rPr lang="en-US" sz="1600" dirty="0">
+                <a:solidFill>
+                  <a:srgbClr val="C00000"/>
+                </a:solidFill>
+              </a:rPr>
+              <a:t> </a:t>
+            </a:r>
+            <a:r>
+              <a:rPr lang="en-US" sz="1600" dirty="0">
+                <a:solidFill>
+                  <a:srgbClr val="000000"/>
+                </a:solidFill>
+              </a:rPr>
+              <a:t>and press </a:t>
             </a:r>
             <a:r>
               <a:rPr lang="en-US" sz="1600" b="1" dirty="0">
@@ -10429,50 +10035,10 @@
                   <a:srgbClr val="000000"/>
                 </a:solidFill>
               </a:rPr>
-              <a:t>Start</a:t>
+              <a:t>Enter</a:t>
             </a:r>
             <a:r>
               <a:rPr lang="en-US" sz="1600" dirty="0">
-                <a:solidFill>
-                  <a:srgbClr val="000000"/>
-                </a:solidFill>
-              </a:rPr>
-              <a:t>, in the search box type </a:t>
-            </a:r>
-            <a:r>
-              <a:rPr lang="en-US" sz="1600" dirty="0" err="1">
-                <a:solidFill>
-                  <a:srgbClr val="C00000"/>
-                </a:solidFill>
-              </a:rPr>
-              <a:t>cmd</a:t>
-            </a:r>
-            <a:r>
-              <a:rPr lang="en-US" sz="1600" dirty="0">
-                <a:solidFill>
-                  <a:srgbClr val="C00000"/>
-                </a:solidFill>
-              </a:rPr>
-              <a:t> </a:t>
-            </a:r>
-            <a:r>
-              <a:rPr lang="en-US" sz="1600" dirty="0">
-                <a:solidFill>
-                  <a:srgbClr val="000000"/>
-                </a:solidFill>
-              </a:rPr>
-              <a:t>and press </a:t>
-            </a:r>
-            <a:r>
-              <a:rPr lang="en-US" sz="1600" b="1" dirty="0" smtClean="0">
-                <a:solidFill>
-                  <a:srgbClr val="000000"/>
-                </a:solidFill>
-              </a:rPr>
-              <a:t>Enter</a:t>
-            </a:r>
-            <a:r>
-              <a:rPr lang="en-US" sz="1600" dirty="0" smtClean="0">
                 <a:solidFill>
                   <a:srgbClr val="000000"/>
                 </a:solidFill>
@@ -10550,7 +10116,7 @@
               <a:t>For example,                                                                                                                                                       </a:t>
             </a:r>
             <a:r>
-              <a:rPr lang="en-US" sz="1600" dirty="0" smtClean="0">
+              <a:rPr lang="en-US" sz="1600" dirty="0">
                 <a:solidFill>
                   <a:srgbClr val="C00000"/>
                 </a:solidFill>
@@ -10558,7 +10124,7 @@
               <a:t>cd/Users/</a:t>
             </a:r>
             <a:r>
-              <a:rPr lang="en-US" sz="1600" dirty="0" err="1" smtClean="0">
+              <a:rPr lang="en-US" sz="1600" dirty="0" err="1">
                 <a:solidFill>
                   <a:srgbClr val="C00000"/>
                 </a:solidFill>
@@ -10566,7 +10132,7 @@
               <a:t>user_name</a:t>
             </a:r>
             <a:r>
-              <a:rPr lang="en-US" sz="1600" dirty="0" smtClean="0">
+              <a:rPr lang="en-US" sz="1600" dirty="0">
                 <a:solidFill>
                   <a:srgbClr val="C00000"/>
                 </a:solidFill>
@@ -10574,7 +10140,7 @@
               <a:t>/Documents/BayesianCalibration_OpenStudio_V1.x/Tutorials/</a:t>
             </a:r>
             <a:r>
-              <a:rPr lang="en-US" sz="1600" dirty="0" err="1" smtClean="0">
+              <a:rPr lang="en-US" sz="1600" dirty="0" err="1">
                 <a:solidFill>
                   <a:srgbClr val="C00000"/>
                 </a:solidFill>
@@ -10601,11 +10167,11 @@
               <a:buAutoNum type="arabicPeriod"/>
             </a:pPr>
             <a:r>
-              <a:rPr lang="en-US" sz="1600" dirty="0" smtClean="0"/>
+              <a:rPr lang="en-US" sz="1600" dirty="0"/>
               <a:t>Type </a:t>
             </a:r>
             <a:r>
-              <a:rPr lang="en-US" sz="1600" dirty="0" smtClean="0">
+              <a:rPr lang="en-US" sz="1600" dirty="0">
                 <a:solidFill>
                   <a:srgbClr val="C00000"/>
                 </a:solidFill>
@@ -10613,7 +10179,7 @@
               <a:t>ruby </a:t>
             </a:r>
             <a:r>
-              <a:rPr lang="en-US" sz="1600" dirty="0" err="1" smtClean="0">
+              <a:rPr lang="en-US" sz="1600" dirty="0" err="1">
                 <a:solidFill>
                   <a:srgbClr val="C00000"/>
                 </a:solidFill>
@@ -10629,7 +10195,7 @@
               <a:t> </a:t>
             </a:r>
             <a:r>
-              <a:rPr lang="en-US" sz="1600" dirty="0" smtClean="0">
+              <a:rPr lang="en-US" sz="1600" dirty="0">
                 <a:solidFill>
                   <a:srgbClr val="000000"/>
                 </a:solidFill>
@@ -10637,7 +10203,7 @@
               <a:t>in the </a:t>
             </a:r>
             <a:r>
-              <a:rPr lang="en-US" sz="1600" dirty="0" err="1" smtClean="0">
+              <a:rPr lang="en-US" sz="1600" dirty="0" err="1">
                 <a:solidFill>
                   <a:srgbClr val="000000"/>
                 </a:solidFill>
@@ -10645,7 +10211,7 @@
               <a:t>cmd</a:t>
             </a:r>
             <a:r>
-              <a:rPr lang="en-US" sz="1600" dirty="0" smtClean="0">
+              <a:rPr lang="en-US" sz="1600" dirty="0">
                 <a:solidFill>
                   <a:srgbClr val="000000"/>
                 </a:solidFill>
@@ -10653,7 +10219,7 @@
               <a:t> window and press </a:t>
             </a:r>
             <a:r>
-              <a:rPr lang="en-US" sz="1600" b="1" dirty="0" smtClean="0">
+              <a:rPr lang="en-US" sz="1600" b="1" dirty="0">
                 <a:solidFill>
                   <a:srgbClr val="000000"/>
                 </a:solidFill>
@@ -10672,19 +10238,19 @@
               <a:buAutoNum type="arabicPeriod"/>
             </a:pPr>
             <a:r>
-              <a:rPr lang="en-US" sz="1600" dirty="0" smtClean="0"/>
+              <a:rPr lang="en-US" sz="1600" dirty="0"/>
               <a:t>Select </a:t>
             </a:r>
             <a:r>
-              <a:rPr lang="en-US" altLang="zh-CN" sz="1600" dirty="0" smtClean="0"/>
+              <a:rPr lang="en-US" altLang="zh-CN" sz="1600" dirty="0"/>
               <a:t>m</a:t>
             </a:r>
             <a:r>
-              <a:rPr lang="en-US" sz="1600" dirty="0" smtClean="0"/>
+              <a:rPr lang="en-US" sz="1600" dirty="0"/>
               <a:t>irror location and R packages installation directory ( the default directory is recommended) </a:t>
             </a:r>
             <a:r>
-              <a:rPr lang="en-US" altLang="zh-CN" sz="1600" dirty="0" smtClean="0"/>
+              <a:rPr lang="en-US" altLang="zh-CN" sz="1600" dirty="0"/>
               <a:t>based</a:t>
             </a:r>
             <a:r>
@@ -10692,7 +10258,7 @@
               <a:t> </a:t>
             </a:r>
             <a:r>
-              <a:rPr lang="en-US" altLang="zh-CN" sz="1600" dirty="0" smtClean="0"/>
+              <a:rPr lang="en-US" altLang="zh-CN" sz="1600" dirty="0"/>
               <a:t>on your preference.  </a:t>
             </a:r>
             <a:endParaRPr lang="en-US" sz="1600" dirty="0"/>
@@ -10709,23 +10275,13 @@
               <a:buNone/>
             </a:pPr>
             <a:r>
-              <a:rPr lang="en-US" sz="1600" b="1" dirty="0" smtClean="0">
+              <a:rPr lang="en-US" sz="1600" b="1" dirty="0">
                 <a:solidFill>
                   <a:srgbClr val="000000"/>
                 </a:solidFill>
               </a:rPr>
               <a:t>     </a:t>
             </a:r>
-          </a:p>
-          <a:p>
-            <a:pPr marL="0" indent="0">
-              <a:buNone/>
-            </a:pPr>
-            <a:endParaRPr lang="en-US" sz="1600" b="1" dirty="0" smtClean="0">
-              <a:solidFill>
-                <a:srgbClr val="000000"/>
-              </a:solidFill>
-            </a:endParaRPr>
           </a:p>
           <a:p>
             <a:pPr marL="0" indent="0">
@@ -10741,7 +10297,17 @@
             <a:pPr marL="0" indent="0">
               <a:buNone/>
             </a:pPr>
-            <a:endParaRPr lang="en-US" dirty="0" smtClean="0"/>
+            <a:endParaRPr lang="en-US" sz="1600" b="1" dirty="0">
+              <a:solidFill>
+                <a:srgbClr val="000000"/>
+              </a:solidFill>
+            </a:endParaRPr>
+          </a:p>
+          <a:p>
+            <a:pPr marL="0" indent="0">
+              <a:buNone/>
+            </a:pPr>
+            <a:endParaRPr lang="en-US" dirty="0"/>
           </a:p>
           <a:p>
             <a:endParaRPr lang="en-US" dirty="0"/>
@@ -10787,13 +10353,6 @@
   <p:clrMapOvr>
     <a:masterClrMapping/>
   </p:clrMapOvr>
-  <p:timing>
-    <p:tnLst>
-      <p:par>
-        <p:cTn id="1" dur="indefinite" restart="never" nodeType="tmRoot"/>
-      </p:par>
-    </p:tnLst>
-  </p:timing>
 </p:sld>
 </file>
 
@@ -10861,24 +10420,12 @@
             </a:pPr>
             <a:r>
               <a:rPr lang="en-US" dirty="0"/>
-              <a:t>Set up </a:t>
-            </a:r>
-            <a:r>
-              <a:rPr lang="en-US" dirty="0" smtClean="0"/>
-              <a:t>R </a:t>
-            </a:r>
-            <a:r>
-              <a:rPr lang="en-US" dirty="0"/>
-              <a:t>Environment on Mac OS </a:t>
-            </a:r>
-            <a:r>
-              <a:rPr lang="en-US" dirty="0" smtClean="0"/>
-              <a:t>X/Linux </a:t>
-            </a:r>
-          </a:p>
-          <a:p>
-            <a:r>
-              <a:rPr lang="en-US" sz="1600" b="1" dirty="0" smtClean="0"/>
+              <a:t>Set up R Environment on Mac OS X/Linux </a:t>
+            </a:r>
+          </a:p>
+          <a:p>
+            <a:r>
+              <a:rPr lang="en-US" sz="1600" b="1" dirty="0"/>
               <a:t>Download and Install R. </a:t>
             </a:r>
           </a:p>
@@ -10887,16 +10434,8 @@
               <a:buNone/>
             </a:pPr>
             <a:r>
-              <a:rPr lang="en-US" sz="1600" dirty="0" smtClean="0"/>
-              <a:t>1. Open </a:t>
-            </a:r>
-            <a:r>
               <a:rPr lang="en-US" sz="1600" dirty="0"/>
-              <a:t>the terminal </a:t>
-            </a:r>
-            <a:r>
-              <a:rPr lang="en-US" sz="1600" dirty="0" smtClean="0"/>
-              <a:t>window</a:t>
+              <a:t>1. Open the terminal window</a:t>
             </a:r>
           </a:p>
           <a:p>
@@ -10904,7 +10443,7 @@
               <a:buNone/>
             </a:pPr>
             <a:r>
-              <a:rPr lang="en-US" sz="1600" dirty="0" smtClean="0"/>
+              <a:rPr lang="en-US" sz="1600" dirty="0"/>
               <a:t>For </a:t>
             </a:r>
             <a:r>
@@ -10975,18 +10514,13 @@
               </a:rPr>
               <a:t>  </a:t>
             </a:r>
-            <a:endParaRPr lang="en-US" sz="1600" dirty="0" smtClean="0">
-              <a:solidFill>
-                <a:srgbClr val="C00000"/>
-              </a:solidFill>
-            </a:endParaRPr>
           </a:p>
           <a:p>
             <a:pPr marL="457200" lvl="2" indent="0">
               <a:buNone/>
             </a:pPr>
             <a:r>
-              <a:rPr lang="en-US" sz="1600" dirty="0" smtClean="0">
+              <a:rPr lang="en-US" sz="1600" dirty="0">
                 <a:solidFill>
                   <a:srgbClr val="000000"/>
                 </a:solidFill>
@@ -11039,29 +10573,41 @@
             </a:r>
             <a:r>
               <a:rPr lang="en-US" sz="1600" dirty="0"/>
-              <a:t>, and  </a:t>
-            </a:r>
-            <a:r>
-              <a:rPr lang="en-US" sz="1600" dirty="0" smtClean="0"/>
-              <a:t>select </a:t>
-            </a:r>
+              <a:t>, and  select the Terminal application from the results that appear. </a:t>
+            </a:r>
+          </a:p>
+          <a:p>
+            <a:pPr marL="222250" lvl="1" indent="0">
+              <a:buNone/>
+            </a:pPr>
             <a:r>
               <a:rPr lang="en-US" sz="1600" dirty="0"/>
-              <a:t>the Terminal application from the results that appear. </a:t>
-            </a:r>
-            <a:endParaRPr lang="en-US" sz="1600" dirty="0" smtClean="0"/>
-          </a:p>
-          <a:p>
-            <a:pPr marL="222250" lvl="1" indent="0">
-              <a:buNone/>
-            </a:pPr>
-            <a:r>
-              <a:rPr lang="en-US" sz="1600" dirty="0" smtClean="0"/>
-              <a:t>2. In the Terminal window, execute:</a:t>
-            </a:r>
+              <a:t>2. In the Terminal window, execute: </a:t>
+            </a:r>
+            <a:r>
+              <a:rPr lang="en-US" sz="1600" dirty="0" err="1">
+                <a:solidFill>
+                  <a:srgbClr val="C00000"/>
+                </a:solidFill>
+              </a:rPr>
+              <a:t>sudo</a:t>
+            </a:r>
+            <a:r>
+              <a:rPr lang="en-US" sz="1600" dirty="0">
+                <a:solidFill>
+                  <a:srgbClr val="C00000"/>
+                </a:solidFill>
+              </a:rPr>
+              <a:t> apt-get update </a:t>
+            </a:r>
+          </a:p>
+          <a:p>
+            <a:pPr marL="457200" lvl="2" indent="0">
+              <a:buNone/>
+            </a:pPr>
             <a:r>
               <a:rPr lang="en-US" sz="1600" dirty="0"/>
-              <a:t> </a:t>
+              <a:t>After that: </a:t>
             </a:r>
             <a:r>
               <a:rPr lang="en-US" sz="1600" dirty="0" err="1">
@@ -11077,58 +10623,13 @@
                   <a:srgbClr val="C00000"/>
                 </a:solidFill>
               </a:rPr>
-              <a:t> apt-get </a:t>
-            </a:r>
-            <a:r>
-              <a:rPr lang="en-US" sz="1600" dirty="0" smtClean="0">
-                <a:solidFill>
-                  <a:srgbClr val="C00000"/>
-                </a:solidFill>
-              </a:rPr>
-              <a:t>update </a:t>
-            </a:r>
-          </a:p>
-          <a:p>
-            <a:pPr marL="457200" lvl="2" indent="0">
-              <a:buNone/>
-            </a:pPr>
-            <a:r>
-              <a:rPr lang="en-US" sz="1600" dirty="0" smtClean="0"/>
-              <a:t>After that:</a:t>
-            </a:r>
-            <a:r>
-              <a:rPr lang="en-US" sz="1600" dirty="0"/>
-              <a:t> </a:t>
-            </a:r>
-            <a:r>
-              <a:rPr lang="en-US" sz="1600" dirty="0" err="1">
-                <a:solidFill>
-                  <a:srgbClr val="C00000"/>
-                </a:solidFill>
-              </a:rPr>
-              <a:t>sudo</a:t>
-            </a:r>
-            <a:r>
-              <a:rPr lang="en-US" sz="1600" dirty="0">
-                <a:solidFill>
-                  <a:srgbClr val="C00000"/>
-                </a:solidFill>
-              </a:rPr>
-              <a:t> apt-get install </a:t>
-            </a:r>
-            <a:r>
-              <a:rPr lang="en-US" sz="1600" dirty="0" smtClean="0">
-                <a:solidFill>
-                  <a:srgbClr val="C00000"/>
-                </a:solidFill>
-              </a:rPr>
-              <a:t>r-base</a:t>
+              <a:t> apt-get install r-base</a:t>
             </a:r>
             <a:endParaRPr lang="en-US" sz="1600" dirty="0"/>
           </a:p>
           <a:p>
             <a:r>
-              <a:rPr lang="en-US" sz="1600" b="1" dirty="0" smtClean="0"/>
+              <a:rPr lang="en-US" sz="1600" b="1" dirty="0"/>
               <a:t>Install R packages. </a:t>
             </a:r>
           </a:p>
@@ -11139,11 +10640,7 @@
             </a:pPr>
             <a:r>
               <a:rPr lang="en-US" sz="1600" dirty="0"/>
-              <a:t>Open </a:t>
-            </a:r>
-            <a:r>
-              <a:rPr lang="en-US" sz="1600" dirty="0" smtClean="0"/>
-              <a:t>the Terminal.</a:t>
+              <a:t>Open the Terminal.</a:t>
             </a:r>
             <a:endParaRPr lang="en-US" sz="1600" dirty="0">
               <a:solidFill>
@@ -11157,19 +10654,19 @@
               <a:buAutoNum type="arabicPeriod"/>
             </a:pPr>
             <a:r>
-              <a:rPr lang="en-US" sz="1600" dirty="0" smtClean="0"/>
+              <a:rPr lang="en-US" sz="1600" dirty="0"/>
               <a:t>Navigate to </a:t>
             </a:r>
             <a:r>
-              <a:rPr lang="en-US" sz="1600" dirty="0" err="1" smtClean="0"/>
+              <a:rPr lang="en-US" sz="1600" dirty="0" err="1"/>
               <a:t>RpackagesInstaller</a:t>
             </a:r>
             <a:r>
-              <a:rPr lang="en-US" sz="1600" dirty="0" smtClean="0"/>
+              <a:rPr lang="en-US" sz="1600" dirty="0"/>
               <a:t> directory by typing:                                                                                  </a:t>
             </a:r>
             <a:r>
-              <a:rPr lang="en-US" sz="1600" dirty="0" smtClean="0">
+              <a:rPr lang="en-US" sz="1600" dirty="0">
                 <a:solidFill>
                   <a:srgbClr val="C00000"/>
                 </a:solidFill>
@@ -11177,7 +10674,7 @@
               <a:t>cd </a:t>
             </a:r>
             <a:r>
-              <a:rPr lang="en-US" sz="1600" dirty="0" smtClean="0">
+              <a:rPr lang="en-US" sz="1600" dirty="0">
                 <a:solidFill>
                   <a:srgbClr val="000000"/>
                 </a:solidFill>
@@ -11190,22 +10687,14 @@
                   <a:srgbClr val="C00000"/>
                 </a:solidFill>
               </a:rPr>
-              <a:t>&lt;your</a:t>
-            </a:r>
-            <a:r>
-              <a:rPr lang="en-US" sz="1600" dirty="0" smtClean="0">
-                <a:solidFill>
-                  <a:srgbClr val="C00000"/>
-                </a:solidFill>
-              </a:rPr>
-              <a:t>_</a:t>
+              <a:t>&lt;your_</a:t>
             </a:r>
             <a:r>
               <a:rPr lang="en-US" sz="1600" dirty="0"/>
               <a:t> </a:t>
             </a:r>
             <a:r>
-              <a:rPr lang="en-US" sz="1600" dirty="0" err="1" smtClean="0">
+              <a:rPr lang="en-US" sz="1600" dirty="0" err="1">
                 <a:solidFill>
                   <a:srgbClr val="C00000"/>
                 </a:solidFill>
@@ -11213,7 +10702,7 @@
               <a:t>RpackagesInstaller_directory</a:t>
             </a:r>
             <a:r>
-              <a:rPr lang="en-US" sz="1600" dirty="0" smtClean="0">
+              <a:rPr lang="en-US" sz="1600" dirty="0">
                 <a:solidFill>
                   <a:srgbClr val="C00000"/>
                 </a:solidFill>
@@ -11221,7 +10710,7 @@
               <a:t>&gt;                                                                                                     </a:t>
             </a:r>
             <a:r>
-              <a:rPr lang="en-US" sz="1600" dirty="0" smtClean="0">
+              <a:rPr lang="en-US" sz="1600" dirty="0">
                 <a:solidFill>
                   <a:srgbClr val="000000"/>
                 </a:solidFill>
@@ -11229,7 +10718,7 @@
               <a:t>For example,                                                                                                                                                       </a:t>
             </a:r>
             <a:r>
-              <a:rPr lang="en-US" sz="1600" dirty="0" smtClean="0">
+              <a:rPr lang="en-US" sz="1600" dirty="0">
                 <a:solidFill>
                   <a:srgbClr val="C00000"/>
                 </a:solidFill>
@@ -11237,24 +10726,16 @@
               <a:t>cd</a:t>
             </a:r>
             <a:r>
-              <a:rPr lang="en-US" sz="1600" dirty="0" smtClean="0"/>
+              <a:rPr lang="en-US" sz="1600" dirty="0"/>
               <a:t> </a:t>
             </a:r>
             <a:r>
-              <a:rPr lang="en-US" sz="1600" dirty="0" smtClean="0">
+              <a:rPr lang="en-US" sz="1600" dirty="0">
                 <a:solidFill>
                   <a:srgbClr val="C00000"/>
                 </a:solidFill>
               </a:rPr>
-              <a:t>C:/Users/user_name/Documents/BCUS/Install/RpackagesInstaller</a:t>
-            </a:r>
-            <a:r>
-              <a:rPr lang="en-US" sz="1600" dirty="0">
-                <a:solidFill>
-                  <a:srgbClr val="C00000"/>
-                </a:solidFill>
-              </a:rPr>
-              <a:t>/ </a:t>
+              <a:t>C:/Users/user_name/Documents/BCUS/Install/RpackagesInstaller/ </a:t>
             </a:r>
             <a:endParaRPr lang="en-US" sz="1600" b="1" dirty="0">
               <a:solidFill>
@@ -11268,7 +10749,7 @@
               <a:buAutoNum type="arabicPeriod"/>
             </a:pPr>
             <a:r>
-              <a:rPr lang="en-US" sz="1600" dirty="0" smtClean="0"/>
+              <a:rPr lang="en-US" sz="1600" dirty="0"/>
               <a:t>Type </a:t>
             </a:r>
             <a:r>
@@ -11301,39 +10782,23 @@
                   <a:srgbClr val="000000"/>
                 </a:solidFill>
               </a:rPr>
-              <a:t>in </a:t>
-            </a:r>
-            <a:r>
-              <a:rPr lang="en-US" sz="1600" dirty="0" smtClean="0">
+              <a:t>in the </a:t>
+            </a:r>
+            <a:r>
+              <a:rPr lang="en-US" sz="1600" dirty="0" err="1">
                 <a:solidFill>
                   <a:srgbClr val="000000"/>
                 </a:solidFill>
               </a:rPr>
-              <a:t>the </a:t>
-            </a:r>
-            <a:r>
-              <a:rPr lang="en-US" sz="1600" dirty="0" err="1" smtClean="0">
+              <a:t>cmd</a:t>
+            </a:r>
+            <a:r>
+              <a:rPr lang="en-US" sz="1600" dirty="0">
                 <a:solidFill>
                   <a:srgbClr val="000000"/>
                 </a:solidFill>
               </a:rPr>
-              <a:t>cmd</a:t>
-            </a:r>
-            <a:r>
-              <a:rPr lang="en-US" sz="1600" dirty="0" smtClean="0">
-                <a:solidFill>
-                  <a:srgbClr val="000000"/>
-                </a:solidFill>
-              </a:rPr>
-              <a:t> </a:t>
-            </a:r>
-            <a:r>
-              <a:rPr lang="en-US" sz="1600" dirty="0">
-                <a:solidFill>
-                  <a:srgbClr val="000000"/>
-                </a:solidFill>
-              </a:rPr>
-              <a:t>window and press </a:t>
+              <a:t> window and press </a:t>
             </a:r>
             <a:r>
               <a:rPr lang="en-US" sz="1600" b="1" dirty="0">
@@ -11364,23 +10829,7 @@
             </a:r>
             <a:r>
               <a:rPr lang="en-US" sz="1600" dirty="0"/>
-              <a:t>irror location and R packages installation directory</a:t>
-            </a:r>
-            <a:r>
-              <a:rPr lang="en-US" sz="1600" dirty="0" smtClean="0"/>
-              <a:t>( the default </a:t>
-            </a:r>
-            <a:r>
-              <a:rPr lang="en-US" sz="1600" dirty="0"/>
-              <a:t>directory </a:t>
-            </a:r>
-            <a:r>
-              <a:rPr lang="en-US" sz="1600" dirty="0" smtClean="0"/>
-              <a:t>is recommended</a:t>
-            </a:r>
-            <a:r>
-              <a:rPr lang="en-US" sz="1600" dirty="0"/>
-              <a:t>) </a:t>
+              <a:t>irror location and R packages installation directory( the default directory is recommended) </a:t>
             </a:r>
             <a:r>
               <a:rPr lang="en-US" altLang="zh-CN" sz="1600" dirty="0"/>
@@ -11408,23 +10857,13 @@
               <a:buNone/>
             </a:pPr>
             <a:r>
-              <a:rPr lang="en-US" sz="1600" b="1" dirty="0" smtClean="0">
+              <a:rPr lang="en-US" sz="1600" b="1" dirty="0">
                 <a:solidFill>
                   <a:srgbClr val="000000"/>
                 </a:solidFill>
               </a:rPr>
               <a:t>     </a:t>
             </a:r>
-          </a:p>
-          <a:p>
-            <a:pPr marL="0" indent="0">
-              <a:buNone/>
-            </a:pPr>
-            <a:endParaRPr lang="en-US" sz="1600" b="1" dirty="0" smtClean="0">
-              <a:solidFill>
-                <a:srgbClr val="000000"/>
-              </a:solidFill>
-            </a:endParaRPr>
           </a:p>
           <a:p>
             <a:pPr marL="0" indent="0">
@@ -11440,7 +10879,17 @@
             <a:pPr marL="0" indent="0">
               <a:buNone/>
             </a:pPr>
-            <a:endParaRPr lang="en-US" dirty="0" smtClean="0"/>
+            <a:endParaRPr lang="en-US" sz="1600" b="1" dirty="0">
+              <a:solidFill>
+                <a:srgbClr val="000000"/>
+              </a:solidFill>
+            </a:endParaRPr>
+          </a:p>
+          <a:p>
+            <a:pPr marL="0" indent="0">
+              <a:buNone/>
+            </a:pPr>
+            <a:endParaRPr lang="en-US" dirty="0"/>
           </a:p>
           <a:p>
             <a:endParaRPr lang="en-US" dirty="0"/>
@@ -11486,13 +10935,6 @@
   <p:clrMapOvr>
     <a:masterClrMapping/>
   </p:clrMapOvr>
-  <p:timing>
-    <p:tnLst>
-      <p:par>
-        <p:cTn id="1" dur="indefinite" restart="never" nodeType="tmRoot"/>
-      </p:par>
-    </p:tnLst>
-  </p:timing>
 </p:sld>
 </file>
 
@@ -11513,6 +10955,41 @@
           <a:chExt cx="0" cy="0"/>
         </a:xfrm>
       </p:grpSpPr>
+      <p:pic>
+        <p:nvPicPr>
+          <p:cNvPr id="7" name="Picture 6">
+            <a:extLst>
+              <a:ext uri="{FF2B5EF4-FFF2-40B4-BE49-F238E27FC236}">
+                <a16:creationId xmlns:a16="http://schemas.microsoft.com/office/drawing/2014/main" id="{96EA68F3-CD59-4BA5-B1BD-1FF2FD00A09B}"/>
+              </a:ext>
+            </a:extLst>
+          </p:cNvPr>
+          <p:cNvPicPr>
+            <a:picLocks noChangeAspect="1"/>
+          </p:cNvPicPr>
+          <p:nvPr/>
+        </p:nvPicPr>
+        <p:blipFill rotWithShape="1">
+          <a:blip r:embed="rId3" cstate="print">
+            <a:extLst>
+              <a:ext uri="{28A0092B-C50C-407E-A947-70E740481C1C}">
+                <a14:useLocalDpi xmlns:a14="http://schemas.microsoft.com/office/drawing/2010/main" val="0"/>
+              </a:ext>
+            </a:extLst>
+          </a:blip>
+          <a:srcRect b="35478"/>
+          <a:stretch/>
+        </p:blipFill>
+        <p:spPr>
+          <a:xfrm>
+            <a:off x="2356303" y="4840038"/>
+            <a:ext cx="4431394" cy="1656435"/>
+          </a:xfrm>
+          <a:prstGeom prst="rect">
+            <a:avLst/>
+          </a:prstGeom>
+        </p:spPr>
+      </p:pic>
       <p:sp>
         <p:nvSpPr>
           <p:cNvPr id="2" name="Title 1"/>
@@ -11529,10 +11006,9 @@
           <a:lstStyle/>
           <a:p>
             <a:r>
-              <a:rPr lang="en-US" dirty="0" smtClean="0"/>
+              <a:rPr lang="en-US" dirty="0"/>
               <a:t>Test Installations</a:t>
             </a:r>
-            <a:endParaRPr lang="en-US" dirty="0"/>
           </a:p>
         </p:txBody>
       </p:sp>
@@ -11560,28 +11036,23 @@
               <a:buNone/>
             </a:pPr>
             <a:r>
-              <a:rPr lang="en-US" dirty="0" smtClean="0"/>
+              <a:rPr lang="en-US" dirty="0"/>
               <a:t>Test Ruby-OpenStudio Environment</a:t>
             </a:r>
           </a:p>
           <a:p>
             <a:r>
-              <a:rPr lang="en-US" sz="1600" dirty="0" smtClean="0"/>
-              <a:t>Open </a:t>
-            </a:r>
-            <a:r>
               <a:rPr lang="en-US" sz="1600" dirty="0"/>
-              <a:t>the terminal window (on Windows OS, </a:t>
-            </a:r>
-            <a:r>
-              <a:rPr lang="en-US" sz="1600" dirty="0" err="1" smtClean="0"/>
+              <a:t>Open the terminal window (on Windows OS, </a:t>
+            </a:r>
+            <a:r>
+              <a:rPr lang="en-US" sz="1600" dirty="0" err="1"/>
               <a:t>cmd.exe</a:t>
             </a:r>
             <a:r>
-              <a:rPr lang="en-US" sz="1600" dirty="0" smtClean="0"/>
+              <a:rPr lang="en-US" sz="1600" dirty="0"/>
               <a:t>):</a:t>
             </a:r>
-            <a:endParaRPr lang="en-US" sz="1600" dirty="0"/>
           </a:p>
           <a:p>
             <a:pPr marL="0" indent="0">
@@ -11628,7 +11099,7 @@
               <a:t>and type </a:t>
             </a:r>
             <a:r>
-              <a:rPr lang="en-US" sz="1600" dirty="0" smtClean="0">
+              <a:rPr lang="en-US" sz="1600" dirty="0">
                 <a:solidFill>
                   <a:srgbClr val="C00000"/>
                 </a:solidFill>
@@ -11739,7 +11210,7 @@
               <a:t>     or simply hit the keyboard shortcut </a:t>
             </a:r>
             <a:r>
-              <a:rPr lang="en-US" sz="1600" b="1" dirty="0" smtClean="0"/>
+              <a:rPr lang="en-US" sz="1600" b="1" dirty="0"/>
               <a:t>Ctrl + Alt + T</a:t>
             </a:r>
             <a:r>
@@ -11816,7 +11287,7 @@
               <a:t>and press </a:t>
             </a:r>
             <a:r>
-              <a:rPr lang="en-US" sz="1600" b="1" dirty="0" smtClean="0">
+              <a:rPr lang="en-US" sz="1600" b="1" dirty="0">
                 <a:solidFill>
                   <a:srgbClr val="000000"/>
                 </a:solidFill>
@@ -11828,7 +11299,7 @@
             <a:pPr marL="0" indent="0">
               <a:buNone/>
             </a:pPr>
-            <a:endParaRPr lang="en-US" sz="1600" b="1" dirty="0" smtClean="0">
+            <a:endParaRPr lang="en-US" sz="1600" b="1" dirty="0">
               <a:solidFill>
                 <a:srgbClr val="000000"/>
               </a:solidFill>
@@ -11836,7 +11307,7 @@
           </a:p>
           <a:p>
             <a:r>
-              <a:rPr lang="en-US" sz="1600" dirty="0" smtClean="0">
+              <a:rPr lang="en-US" sz="1600" dirty="0">
                 <a:solidFill>
                   <a:srgbClr val="000000"/>
                 </a:solidFill>
@@ -11844,7 +11315,7 @@
               <a:t>Type </a:t>
             </a:r>
             <a:r>
-              <a:rPr lang="en-US" sz="1600" dirty="0" err="1" smtClean="0">
+              <a:rPr lang="en-US" sz="1600" dirty="0" err="1">
                 <a:solidFill>
                   <a:srgbClr val="C00000"/>
                 </a:solidFill>
@@ -11852,7 +11323,7 @@
               <a:t>irb</a:t>
             </a:r>
             <a:r>
-              <a:rPr lang="en-US" sz="1600" dirty="0" smtClean="0">
+              <a:rPr lang="en-US" sz="1600" dirty="0">
                 <a:solidFill>
                   <a:srgbClr val="C00000"/>
                 </a:solidFill>
@@ -11860,7 +11331,7 @@
               <a:t> </a:t>
             </a:r>
             <a:r>
-              <a:rPr lang="en-US" sz="1600" dirty="0" smtClean="0">
+              <a:rPr lang="en-US" sz="1600" dirty="0">
                 <a:solidFill>
                   <a:srgbClr val="000000"/>
                 </a:solidFill>
@@ -11875,187 +11346,171 @@
                   <a:srgbClr val="000000"/>
                 </a:solidFill>
               </a:rPr>
-              <a:t>T</a:t>
-            </a:r>
-            <a:r>
-              <a:rPr lang="en-US" sz="1600" dirty="0" smtClean="0">
+              <a:t>Type </a:t>
+            </a:r>
+            <a:r>
+              <a:rPr lang="en-US" sz="1600" dirty="0">
+                <a:solidFill>
+                  <a:srgbClr val="C00000"/>
+                </a:solidFill>
+              </a:rPr>
+              <a:t>require ‘</a:t>
+            </a:r>
+            <a:r>
+              <a:rPr lang="en-US" sz="1600" dirty="0" err="1">
+                <a:solidFill>
+                  <a:srgbClr val="C00000"/>
+                </a:solidFill>
+              </a:rPr>
+              <a:t>openstudio</a:t>
+            </a:r>
+            <a:r>
+              <a:rPr lang="en-US" sz="1600" dirty="0">
+                <a:solidFill>
+                  <a:srgbClr val="C00000"/>
+                </a:solidFill>
+              </a:rPr>
+              <a:t>’</a:t>
+            </a:r>
+          </a:p>
+          <a:p>
+            <a:pPr marL="222250" lvl="1" indent="0">
+              <a:buNone/>
+            </a:pPr>
+            <a:r>
+              <a:rPr lang="en-US" sz="1200" dirty="0">
+                <a:solidFill>
+                  <a:srgbClr val="C00000"/>
+                </a:solidFill>
+              </a:rPr>
+              <a:t> </a:t>
+            </a:r>
+            <a:r>
+              <a:rPr lang="en-US" sz="1600" dirty="0">
                 <a:solidFill>
                   <a:srgbClr val="000000"/>
                 </a:solidFill>
               </a:rPr>
-              <a:t>ype </a:t>
-            </a:r>
-            <a:r>
-              <a:rPr lang="en-US" sz="1600" dirty="0" smtClean="0">
+              <a:t>The interface should return </a:t>
+            </a:r>
+            <a:r>
+              <a:rPr lang="es-ES_tradnl" sz="1600" dirty="0">
                 <a:solidFill>
                   <a:srgbClr val="C00000"/>
                 </a:solidFill>
               </a:rPr>
-              <a:t>require ‘</a:t>
-            </a:r>
-            <a:r>
-              <a:rPr lang="en-US" sz="1600" dirty="0" err="1" smtClean="0">
-                <a:solidFill>
-                  <a:srgbClr val="C00000"/>
-                </a:solidFill>
-              </a:rPr>
-              <a:t>openstudio</a:t>
-            </a:r>
-            <a:r>
-              <a:rPr lang="en-US" sz="1600" dirty="0" smtClean="0">
-                <a:solidFill>
-                  <a:srgbClr val="C00000"/>
-                </a:solidFill>
-              </a:rPr>
-              <a:t>’</a:t>
-            </a:r>
-          </a:p>
-          <a:p>
-            <a:pPr marL="222250" lvl="1" indent="0">
-              <a:buNone/>
-            </a:pPr>
-            <a:r>
-              <a:rPr lang="en-US" sz="1200" dirty="0">
-                <a:solidFill>
-                  <a:srgbClr val="C00000"/>
-                </a:solidFill>
-              </a:rPr>
+              <a:t>=&gt; true</a:t>
+            </a:r>
+            <a:r>
+              <a:rPr lang="es-ES_tradnl" sz="1600" dirty="0"/>
+              <a:t>, </a:t>
+            </a:r>
+            <a:r>
+              <a:rPr lang="es-ES_tradnl" sz="1600" dirty="0" err="1"/>
+              <a:t>which</a:t>
+            </a:r>
+            <a:r>
+              <a:rPr lang="es-ES_tradnl" sz="1600" dirty="0"/>
               <a:t> </a:t>
             </a:r>
             <a:r>
-              <a:rPr lang="en-US" sz="1600" dirty="0" smtClean="0">
+              <a:rPr lang="es-ES_tradnl" sz="1600" dirty="0" err="1"/>
+              <a:t>indicates</a:t>
+            </a:r>
+            <a:r>
+              <a:rPr lang="es-ES_tradnl" sz="1600" dirty="0"/>
+              <a:t> </a:t>
+            </a:r>
+            <a:r>
+              <a:rPr lang="es-ES_tradnl" sz="1600" dirty="0" err="1"/>
+              <a:t>that</a:t>
+            </a:r>
+            <a:r>
+              <a:rPr lang="es-ES_tradnl" sz="1600" dirty="0"/>
+              <a:t> </a:t>
+            </a:r>
+            <a:r>
+              <a:rPr lang="es-ES_tradnl" sz="1600" dirty="0" err="1">
                 <a:solidFill>
                   <a:srgbClr val="000000"/>
                 </a:solidFill>
               </a:rPr>
-              <a:t>The interface should return </a:t>
-            </a:r>
-            <a:r>
-              <a:rPr lang="es-ES_tradnl" sz="1600" dirty="0" smtClean="0">
-                <a:solidFill>
-                  <a:srgbClr val="C00000"/>
-                </a:solidFill>
-              </a:rPr>
-              <a:t>=&gt; true</a:t>
-            </a:r>
-            <a:r>
-              <a:rPr lang="es-ES_tradnl" sz="1600" dirty="0" smtClean="0"/>
-              <a:t>, </a:t>
-            </a:r>
-            <a:r>
-              <a:rPr lang="es-ES_tradnl" sz="1600" dirty="0" err="1" smtClean="0"/>
-              <a:t>which</a:t>
-            </a:r>
-            <a:r>
-              <a:rPr lang="es-ES_tradnl" sz="1600" dirty="0" smtClean="0"/>
+              <a:t>your</a:t>
+            </a:r>
+            <a:r>
+              <a:rPr lang="es-ES_tradnl" sz="1600" dirty="0">
+                <a:solidFill>
+                  <a:srgbClr val="000000"/>
+                </a:solidFill>
+              </a:rPr>
               <a:t> </a:t>
             </a:r>
             <a:r>
-              <a:rPr lang="es-ES_tradnl" sz="1600" dirty="0" err="1" smtClean="0"/>
-              <a:t>indicates</a:t>
-            </a:r>
-            <a:r>
-              <a:rPr lang="es-ES_tradnl" sz="1600" dirty="0" smtClean="0"/>
+              <a:rPr lang="es-ES_tradnl" sz="1600" dirty="0" err="1">
+                <a:solidFill>
+                  <a:srgbClr val="000000"/>
+                </a:solidFill>
+              </a:rPr>
+              <a:t>Ruby_OpenStudio</a:t>
+            </a:r>
+            <a:r>
+              <a:rPr lang="es-ES_tradnl" sz="1600" dirty="0">
+                <a:solidFill>
+                  <a:srgbClr val="000000"/>
+                </a:solidFill>
+              </a:rPr>
               <a:t> </a:t>
             </a:r>
             <a:r>
-              <a:rPr lang="es-ES_tradnl" sz="1600" dirty="0" err="1" smtClean="0"/>
-              <a:t>that</a:t>
-            </a:r>
-            <a:r>
-              <a:rPr lang="es-ES_tradnl" sz="1600" dirty="0" smtClean="0"/>
+              <a:rPr lang="es-ES_tradnl" sz="1600" dirty="0" err="1">
+                <a:solidFill>
+                  <a:srgbClr val="000000"/>
+                </a:solidFill>
+              </a:rPr>
+              <a:t>environment</a:t>
+            </a:r>
+            <a:r>
+              <a:rPr lang="es-ES_tradnl" sz="1600" dirty="0">
+                <a:solidFill>
+                  <a:srgbClr val="000000"/>
+                </a:solidFill>
+              </a:rPr>
+              <a:t> has </a:t>
+            </a:r>
+            <a:r>
+              <a:rPr lang="es-ES_tradnl" sz="1600" dirty="0" err="1">
+                <a:solidFill>
+                  <a:srgbClr val="000000"/>
+                </a:solidFill>
+              </a:rPr>
+              <a:t>been</a:t>
+            </a:r>
+            <a:r>
+              <a:rPr lang="es-ES_tradnl" sz="1600" dirty="0">
+                <a:solidFill>
+                  <a:srgbClr val="000000"/>
+                </a:solidFill>
+              </a:rPr>
               <a:t> </a:t>
             </a:r>
             <a:r>
-              <a:rPr lang="es-ES_tradnl" sz="1600" dirty="0" err="1" smtClean="0">
+              <a:rPr lang="es-ES_tradnl" sz="1600" dirty="0" err="1">
                 <a:solidFill>
                   <a:srgbClr val="000000"/>
                 </a:solidFill>
               </a:rPr>
-              <a:t>your</a:t>
-            </a:r>
-            <a:r>
-              <a:rPr lang="es-ES_tradnl" sz="1600" dirty="0" smtClean="0">
+              <a:t>successfully</a:t>
+            </a:r>
+            <a:r>
+              <a:rPr lang="es-ES_tradnl" sz="1600" dirty="0">
                 <a:solidFill>
                   <a:srgbClr val="000000"/>
                 </a:solidFill>
               </a:rPr>
-              <a:t> </a:t>
-            </a:r>
-            <a:r>
-              <a:rPr lang="es-ES_tradnl" sz="1600" dirty="0" err="1" smtClean="0">
-                <a:solidFill>
-                  <a:srgbClr val="000000"/>
-                </a:solidFill>
-              </a:rPr>
-              <a:t>Ruby_OpenStudio</a:t>
-            </a:r>
-            <a:r>
-              <a:rPr lang="es-ES_tradnl" sz="1600" dirty="0" smtClean="0">
-                <a:solidFill>
-                  <a:srgbClr val="000000"/>
-                </a:solidFill>
-              </a:rPr>
-              <a:t> </a:t>
-            </a:r>
-            <a:r>
-              <a:rPr lang="es-ES_tradnl" sz="1600" dirty="0" err="1" smtClean="0">
-                <a:solidFill>
-                  <a:srgbClr val="000000"/>
-                </a:solidFill>
-              </a:rPr>
-              <a:t>environment</a:t>
-            </a:r>
-            <a:r>
-              <a:rPr lang="es-ES_tradnl" sz="1600" dirty="0" smtClean="0">
-                <a:solidFill>
-                  <a:srgbClr val="000000"/>
-                </a:solidFill>
-              </a:rPr>
-              <a:t> has </a:t>
-            </a:r>
-            <a:r>
-              <a:rPr lang="es-ES_tradnl" sz="1600" dirty="0" err="1" smtClean="0">
-                <a:solidFill>
-                  <a:srgbClr val="000000"/>
-                </a:solidFill>
-              </a:rPr>
-              <a:t>been</a:t>
-            </a:r>
-            <a:r>
-              <a:rPr lang="es-ES_tradnl" sz="1600" dirty="0">
-                <a:solidFill>
-                  <a:srgbClr val="000000"/>
-                </a:solidFill>
-              </a:rPr>
-              <a:t> </a:t>
-            </a:r>
-            <a:r>
-              <a:rPr lang="es-ES_tradnl" sz="1600" dirty="0" err="1">
-                <a:solidFill>
-                  <a:srgbClr val="000000"/>
-                </a:solidFill>
-              </a:rPr>
-              <a:t>successfully</a:t>
-            </a:r>
-            <a:r>
-              <a:rPr lang="es-ES_tradnl" sz="1600" dirty="0">
-                <a:solidFill>
-                  <a:srgbClr val="000000"/>
-                </a:solidFill>
-              </a:rPr>
-              <a:t> </a:t>
-            </a:r>
-            <a:r>
-              <a:rPr lang="es-ES_tradnl" sz="1600" dirty="0" smtClean="0">
-                <a:solidFill>
-                  <a:srgbClr val="000000"/>
-                </a:solidFill>
-              </a:rPr>
-              <a:t>set up</a:t>
-            </a:r>
-            <a:r>
-              <a:rPr lang="es-ES_tradnl" sz="1200" dirty="0" smtClean="0">
+              <a:t> set up</a:t>
+            </a:r>
+            <a:r>
+              <a:rPr lang="es-ES_tradnl" sz="1200" dirty="0">
                 <a:solidFill>
                   <a:srgbClr val="000000"/>
                 </a:solidFill>
@@ -12081,10 +11536,10 @@
             <a:pPr marL="0" indent="0">
               <a:buNone/>
             </a:pPr>
-            <a:endParaRPr lang="en-US" sz="1600" dirty="0" smtClean="0"/>
-          </a:p>
-          <a:p>
-            <a:endParaRPr lang="en-US" sz="1600" dirty="0" smtClean="0"/>
+            <a:endParaRPr lang="en-US" sz="1600" dirty="0"/>
+          </a:p>
+          <a:p>
+            <a:endParaRPr lang="en-US" sz="1600" dirty="0"/>
           </a:p>
           <a:p>
             <a:endParaRPr lang="en-US" dirty="0"/>
@@ -12120,70 +11575,6 @@
           </a:p>
         </p:txBody>
       </p:sp>
-      <p:pic>
-        <p:nvPicPr>
-          <p:cNvPr id="1026" name="Picture 2"/>
-          <p:cNvPicPr>
-            <a:picLocks noChangeAspect="1" noChangeArrowheads="1"/>
-          </p:cNvPicPr>
-          <p:nvPr/>
-        </p:nvPicPr>
-        <p:blipFill>
-          <a:blip r:embed="rId3">
-            <a:extLst>
-              <a:ext uri="{28A0092B-C50C-407E-A947-70E740481C1C}">
-                <a14:useLocalDpi xmlns:a14="http://schemas.microsoft.com/office/drawing/2010/main" val="0"/>
-              </a:ext>
-            </a:extLst>
-          </a:blip>
-          <a:srcRect/>
-          <a:stretch>
-            <a:fillRect/>
-          </a:stretch>
-        </p:blipFill>
-        <p:spPr bwMode="auto">
-          <a:xfrm>
-            <a:off x="2133600" y="4800600"/>
-            <a:ext cx="3962400" cy="1960108"/>
-          </a:xfrm>
-          <a:prstGeom prst="rect">
-            <a:avLst/>
-          </a:prstGeom>
-          <a:noFill/>
-          <a:ln>
-            <a:noFill/>
-          </a:ln>
-          <a:effectLst/>
-          <a:extLst>
-            <a:ext uri="{909E8E84-426E-40DD-AFC4-6F175D3DCCD1}">
-              <a14:hiddenFill xmlns:a14="http://schemas.microsoft.com/office/drawing/2010/main">
-                <a:solidFill>
-                  <a:schemeClr val="accent1"/>
-                </a:solidFill>
-              </a14:hiddenFill>
-            </a:ext>
-            <a:ext uri="{91240B29-F687-4F45-9708-019B960494DF}">
-              <a14:hiddenLine xmlns:a14="http://schemas.microsoft.com/office/drawing/2010/main" w="9525">
-                <a:solidFill>
-                  <a:schemeClr val="tx1"/>
-                </a:solidFill>
-                <a:miter lim="800000"/>
-                <a:headEnd/>
-                <a:tailEnd/>
-              </a14:hiddenLine>
-            </a:ext>
-            <a:ext uri="{AF507438-7753-43E0-B8FC-AC1667EBCBE1}">
-              <a14:hiddenEffects xmlns:a14="http://schemas.microsoft.com/office/drawing/2010/main">
-                <a:effectLst>
-                  <a:outerShdw dist="35921" dir="2700000" algn="ctr" rotWithShape="0">
-                    <a:schemeClr val="bg2"/>
-                  </a:outerShdw>
-                </a:effectLst>
-              </a14:hiddenEffects>
-            </a:ext>
-          </a:extLst>
-        </p:spPr>
-      </p:pic>
       <p:sp>
         <p:nvSpPr>
           <p:cNvPr id="6" name="Rectangle 5"/>
@@ -12192,7 +11583,7 @@
         </p:nvSpPr>
         <p:spPr bwMode="auto">
           <a:xfrm>
-            <a:off x="2161429" y="5157504"/>
+            <a:off x="2339370" y="5345710"/>
             <a:ext cx="1734047" cy="405096"/>
           </a:xfrm>
           <a:prstGeom prst="rect">
@@ -12234,7 +11625,7 @@
               <a:buNone/>
               <a:tabLst/>
             </a:pPr>
-            <a:endParaRPr kumimoji="0" lang="en-US" sz="1800" b="0" i="0" u="none" strike="noStrike" cap="none" normalizeH="0" baseline="0" smtClean="0">
+            <a:endParaRPr kumimoji="0" lang="en-US" sz="1800" b="0" i="0" u="none" strike="noStrike" cap="none" normalizeH="0" baseline="0">
               <a:ln>
                 <a:noFill/>
               </a:ln>
@@ -12257,13 +11648,6 @@
   <p:clrMapOvr>
     <a:masterClrMapping/>
   </p:clrMapOvr>
-  <p:timing>
-    <p:tnLst>
-      <p:par>
-        <p:cTn id="1" dur="indefinite" restart="never" nodeType="tmRoot"/>
-      </p:par>
-    </p:tnLst>
-  </p:timing>
 </p:sld>
 </file>
 
@@ -12300,10 +11684,9 @@
           <a:lstStyle/>
           <a:p>
             <a:r>
-              <a:rPr lang="en-US" dirty="0" smtClean="0"/>
+              <a:rPr lang="en-US" dirty="0"/>
               <a:t>Test Installations</a:t>
             </a:r>
-            <a:endParaRPr lang="en-US" dirty="0"/>
           </a:p>
         </p:txBody>
       </p:sp>
@@ -12331,44 +11714,27 @@
               <a:buNone/>
             </a:pPr>
             <a:r>
-              <a:rPr lang="en-US" dirty="0" smtClean="0"/>
+              <a:rPr lang="en-US" dirty="0"/>
               <a:t>Test Installations </a:t>
             </a:r>
           </a:p>
           <a:p>
             <a:r>
               <a:rPr lang="en-US" sz="1600" dirty="0"/>
-              <a:t>Launch </a:t>
-            </a:r>
-            <a:r>
-              <a:rPr lang="en-US" sz="1600" dirty="0" smtClean="0"/>
-              <a:t>the </a:t>
+              <a:t>Launch the </a:t>
             </a:r>
             <a:r>
               <a:rPr lang="en-US" sz="1600" b="1" dirty="0"/>
-              <a:t>T</a:t>
-            </a:r>
-            <a:r>
-              <a:rPr lang="en-US" sz="1600" b="1" dirty="0" smtClean="0"/>
-              <a:t>erminal</a:t>
-            </a:r>
-            <a:r>
-              <a:rPr lang="en-US" sz="1600" dirty="0" smtClean="0"/>
-              <a:t> of </a:t>
+              <a:t>Terminal</a:t>
             </a:r>
             <a:r>
               <a:rPr lang="en-US" sz="1600" dirty="0"/>
-              <a:t>your operating </a:t>
-            </a:r>
-            <a:r>
-              <a:rPr lang="en-US" sz="1600" dirty="0" smtClean="0"/>
-              <a:t>system (See the previous slide for details)</a:t>
-            </a:r>
-            <a:endParaRPr lang="en-US" sz="1600" dirty="0"/>
-          </a:p>
-          <a:p>
-            <a:r>
-              <a:rPr lang="en-US" sz="1600" dirty="0" smtClean="0">
+              <a:t> of your operating system (See the previous slide for details)</a:t>
+            </a:r>
+          </a:p>
+          <a:p>
+            <a:r>
+              <a:rPr lang="en-US" sz="1600" dirty="0">
                 <a:solidFill>
                   <a:srgbClr val="000000"/>
                 </a:solidFill>
@@ -12376,7 +11742,7 @@
               <a:t>Navigate to </a:t>
             </a:r>
             <a:r>
-              <a:rPr lang="en-US" sz="1600" dirty="0" err="1" smtClean="0">
+              <a:rPr lang="en-US" sz="1600" dirty="0" err="1">
                 <a:solidFill>
                   <a:srgbClr val="C00000"/>
                 </a:solidFill>
@@ -12384,7 +11750,7 @@
               <a:t>InstalltionTest</a:t>
             </a:r>
             <a:r>
-              <a:rPr lang="en-US" sz="1600" dirty="0" smtClean="0">
+              <a:rPr lang="en-US" sz="1600" dirty="0">
                 <a:solidFill>
                   <a:srgbClr val="C00000"/>
                 </a:solidFill>
@@ -12392,7 +11758,7 @@
               <a:t> </a:t>
             </a:r>
             <a:r>
-              <a:rPr lang="en-US" sz="1600" dirty="0" smtClean="0">
+              <a:rPr lang="en-US" sz="1600" dirty="0">
                 <a:solidFill>
                   <a:srgbClr val="000000"/>
                 </a:solidFill>
@@ -12410,168 +11776,196 @@
                   <a:srgbClr val="000000"/>
                 </a:solidFill>
               </a:rPr>
+              <a:t>     </a:t>
+            </a:r>
+            <a:r>
+              <a:rPr lang="en-US" sz="1600" dirty="0">
+                <a:solidFill>
+                  <a:srgbClr val="C00000"/>
+                </a:solidFill>
+              </a:rPr>
+              <a:t>cd </a:t>
+            </a:r>
+            <a:r>
+              <a:rPr lang="en-US" sz="1600" dirty="0">
+                <a:solidFill>
+                  <a:srgbClr val="000000"/>
+                </a:solidFill>
+              </a:rPr>
               <a:t> </a:t>
             </a:r>
             <a:r>
-              <a:rPr lang="en-US" sz="1600" dirty="0" smtClean="0">
+              <a:rPr lang="en-US" sz="1600" dirty="0">
+                <a:solidFill>
+                  <a:srgbClr val="C00000"/>
+                </a:solidFill>
+              </a:rPr>
+              <a:t>&lt;</a:t>
+            </a:r>
+            <a:r>
+              <a:rPr lang="en-US" sz="1600" dirty="0" err="1">
+                <a:solidFill>
+                  <a:srgbClr val="C00000"/>
+                </a:solidFill>
+              </a:rPr>
+              <a:t>your_InstallationTest_directory</a:t>
+            </a:r>
+            <a:r>
+              <a:rPr lang="en-US" sz="1600" dirty="0">
+                <a:solidFill>
+                  <a:srgbClr val="C00000"/>
+                </a:solidFill>
+              </a:rPr>
+              <a:t>&gt;</a:t>
+            </a:r>
+          </a:p>
+          <a:p>
+            <a:pPr marL="0" indent="0">
+              <a:buNone/>
+            </a:pPr>
+            <a:r>
+              <a:rPr lang="en-US" sz="1600" dirty="0">
+                <a:solidFill>
+                  <a:srgbClr val="C00000"/>
+                </a:solidFill>
+              </a:rPr>
+              <a:t>     </a:t>
+            </a:r>
+            <a:r>
+              <a:rPr lang="en-US" sz="1600" dirty="0">
                 <a:solidFill>
                   <a:srgbClr val="000000"/>
                 </a:solidFill>
               </a:rPr>
-              <a:t>    </a:t>
-            </a:r>
-            <a:r>
-              <a:rPr lang="en-US" sz="1600" dirty="0" smtClean="0">
+              <a:t>For example: </a:t>
+            </a:r>
+          </a:p>
+          <a:p>
+            <a:pPr marL="222250" lvl="1" indent="0">
+              <a:buNone/>
+            </a:pPr>
+            <a:r>
+              <a:rPr lang="en-US" sz="1600" dirty="0">
                 <a:solidFill>
                   <a:srgbClr val="C00000"/>
                 </a:solidFill>
               </a:rPr>
-              <a:t>cd </a:t>
-            </a:r>
-            <a:r>
-              <a:rPr lang="en-US" sz="1600" dirty="0" smtClean="0">
+              <a:t>C:/Users/username/Documents/OpenStudio/BCUS/Install</a:t>
+            </a:r>
+          </a:p>
+          <a:p>
+            <a:r>
+              <a:rPr lang="en-US" sz="1600" dirty="0">
                 <a:solidFill>
                   <a:srgbClr val="000000"/>
                 </a:solidFill>
               </a:rPr>
-              <a:t> </a:t>
-            </a:r>
-            <a:r>
-              <a:rPr lang="en-US" sz="1600" dirty="0" smtClean="0">
+              <a:t>Install required packages and setup the BCUS path by double clicking:</a:t>
+            </a:r>
+          </a:p>
+          <a:p>
+            <a:pPr marL="0" indent="0">
+              <a:buNone/>
+            </a:pPr>
+            <a:r>
+              <a:rPr lang="en-US" sz="1600" dirty="0">
+                <a:solidFill>
+                  <a:srgbClr val="000000"/>
+                </a:solidFill>
+              </a:rPr>
+              <a:t>      </a:t>
+            </a:r>
+            <a:r>
+              <a:rPr lang="en-US" sz="1600" dirty="0">
                 <a:solidFill>
                   <a:srgbClr val="C00000"/>
                 </a:solidFill>
               </a:rPr>
-              <a:t>&lt;</a:t>
-            </a:r>
-            <a:r>
-              <a:rPr lang="en-US" sz="1600" dirty="0" err="1" smtClean="0">
+              <a:t>install_all.bat</a:t>
+            </a:r>
+          </a:p>
+          <a:p>
+            <a:r>
+              <a:rPr lang="en-US" sz="1600" dirty="0">
+                <a:solidFill>
+                  <a:srgbClr val="000000"/>
+                </a:solidFill>
+              </a:rPr>
+              <a:t>Execute the simple UA, SA, BC test run by double clicking:</a:t>
+            </a:r>
+          </a:p>
+          <a:p>
+            <a:pPr marL="0" indent="0">
+              <a:buNone/>
+            </a:pPr>
+            <a:r>
+              <a:rPr lang="en-US" sz="1600" dirty="0">
+                <a:solidFill>
+                  <a:srgbClr val="000000"/>
+                </a:solidFill>
+              </a:rPr>
+              <a:t>      </a:t>
+            </a:r>
+            <a:r>
+              <a:rPr lang="en-US" sz="1600" dirty="0">
                 <a:solidFill>
                   <a:srgbClr val="C00000"/>
                 </a:solidFill>
               </a:rPr>
-              <a:t>your_InstallationTest_directory</a:t>
-            </a:r>
-            <a:r>
-              <a:rPr lang="en-US" sz="1600" dirty="0" smtClean="0">
-                <a:solidFill>
-                  <a:srgbClr val="C00000"/>
-                </a:solidFill>
-              </a:rPr>
-              <a:t>&gt;</a:t>
+              <a:t>test.bat</a:t>
             </a:r>
           </a:p>
           <a:p>
             <a:pPr marL="0" indent="0">
               <a:buNone/>
             </a:pPr>
-            <a:r>
-              <a:rPr lang="en-US" sz="1600" dirty="0">
-                <a:solidFill>
-                  <a:srgbClr val="C00000"/>
-                </a:solidFill>
-              </a:rPr>
-              <a:t> </a:t>
-            </a:r>
-            <a:r>
-              <a:rPr lang="en-US" sz="1600" dirty="0" smtClean="0">
-                <a:solidFill>
-                  <a:srgbClr val="C00000"/>
-                </a:solidFill>
-              </a:rPr>
-              <a:t>    </a:t>
-            </a:r>
-            <a:r>
-              <a:rPr lang="en-US" sz="1600" dirty="0" smtClean="0">
-                <a:solidFill>
-                  <a:srgbClr val="000000"/>
-                </a:solidFill>
-              </a:rPr>
-              <a:t>For </a:t>
-            </a:r>
-            <a:r>
-              <a:rPr lang="en-US" sz="1600" dirty="0">
-                <a:solidFill>
-                  <a:srgbClr val="000000"/>
-                </a:solidFill>
-              </a:rPr>
-              <a:t>example: </a:t>
-            </a:r>
-            <a:endParaRPr lang="en-US" sz="1600" dirty="0" smtClean="0">
+            <a:endParaRPr lang="en-US" sz="1600" dirty="0">
               <a:solidFill>
-                <a:srgbClr val="000000"/>
+                <a:srgbClr val="C00000"/>
               </a:solidFill>
             </a:endParaRPr>
           </a:p>
           <a:p>
-            <a:pPr marL="222250" lvl="1" indent="0">
-              <a:buNone/>
-            </a:pPr>
-            <a:r>
-              <a:rPr lang="en-US" sz="1600" dirty="0" smtClean="0">
-                <a:solidFill>
-                  <a:srgbClr val="C00000"/>
-                </a:solidFill>
-              </a:rPr>
-              <a:t>C:/Users/username/Documents/OpenStudio/BCUS/Install</a:t>
-            </a:r>
-          </a:p>
-          <a:p>
-            <a:r>
-              <a:rPr lang="en-US" sz="1600" dirty="0" smtClean="0">
-                <a:solidFill>
-                  <a:srgbClr val="000000"/>
-                </a:solidFill>
-              </a:rPr>
-              <a:t>Install required packages and setup the BCUS path by double clicking:</a:t>
-            </a:r>
-          </a:p>
-          <a:p>
             <a:pPr marL="0" indent="0">
               <a:buNone/>
             </a:pPr>
-            <a:r>
-              <a:rPr lang="en-US" sz="1600" dirty="0">
-                <a:solidFill>
-                  <a:srgbClr val="000000"/>
-                </a:solidFill>
-              </a:rPr>
-              <a:t> </a:t>
-            </a:r>
-            <a:r>
-              <a:rPr lang="en-US" sz="1600" dirty="0" smtClean="0">
-                <a:solidFill>
-                  <a:srgbClr val="000000"/>
-                </a:solidFill>
-              </a:rPr>
-              <a:t>     </a:t>
-            </a:r>
-            <a:r>
-              <a:rPr lang="en-US" sz="1600" dirty="0" smtClean="0">
-                <a:solidFill>
-                  <a:srgbClr val="C00000"/>
-                </a:solidFill>
-              </a:rPr>
-              <a:t>install_all.bat</a:t>
-            </a:r>
-          </a:p>
-          <a:p>
-            <a:r>
-              <a:rPr lang="en-US" sz="1600" dirty="0">
-                <a:solidFill>
-                  <a:srgbClr val="000000"/>
-                </a:solidFill>
-              </a:rPr>
-              <a:t>Execute the simple </a:t>
-            </a:r>
-            <a:r>
-              <a:rPr lang="en-US" sz="1600" dirty="0" smtClean="0">
-                <a:solidFill>
-                  <a:srgbClr val="000000"/>
-                </a:solidFill>
-              </a:rPr>
-              <a:t>UA, SA,  Bayesian Calibration test run by double clicking:</a:t>
-            </a:r>
+            <a:endParaRPr lang="en-US" sz="1600" dirty="0">
+              <a:solidFill>
+                <a:srgbClr val="C00000"/>
+              </a:solidFill>
+            </a:endParaRPr>
+          </a:p>
+          <a:p>
+            <a:pPr marL="0" indent="0">
+              <a:buNone/>
+            </a:pPr>
+            <a:endParaRPr lang="en-US" sz="1600" dirty="0">
+              <a:solidFill>
+                <a:srgbClr val="C00000"/>
+              </a:solidFill>
+            </a:endParaRPr>
+          </a:p>
+          <a:p>
+            <a:pPr marL="0" indent="0">
+              <a:buNone/>
+            </a:pPr>
+            <a:endParaRPr lang="en-US" sz="1600" dirty="0">
+              <a:solidFill>
+                <a:srgbClr val="C00000"/>
+              </a:solidFill>
+            </a:endParaRPr>
+          </a:p>
+          <a:p>
+            <a:pPr marL="0" indent="0">
+              <a:buNone/>
+            </a:pPr>
+            <a:endParaRPr lang="en-US" sz="1600" dirty="0">
+              <a:solidFill>
+                <a:srgbClr val="C00000"/>
+              </a:solidFill>
+            </a:endParaRPr>
+          </a:p>
+          <a:p>
             <a:endParaRPr lang="en-US" sz="1600" dirty="0">
               <a:solidFill>
                 <a:srgbClr val="000000"/>
@@ -12582,97 +11976,19 @@
             <a:pPr marL="0" indent="0">
               <a:buNone/>
             </a:pPr>
-            <a:r>
-              <a:rPr lang="en-US" sz="1600" dirty="0">
-                <a:solidFill>
-                  <a:srgbClr val="000000"/>
-                </a:solidFill>
-              </a:rPr>
-              <a:t>      </a:t>
-            </a:r>
-            <a:r>
-              <a:rPr lang="en-US" sz="1600" dirty="0" smtClean="0">
-                <a:solidFill>
-                  <a:srgbClr val="C00000"/>
-                </a:solidFill>
-              </a:rPr>
-              <a:t>Testinstall.bat</a:t>
-            </a:r>
+            <a:endParaRPr lang="en-US" dirty="0"/>
+          </a:p>
+          <a:p>
+            <a:endParaRPr lang="en-US" sz="1600" dirty="0"/>
           </a:p>
           <a:p>
             <a:pPr marL="0" indent="0">
               <a:buNone/>
             </a:pPr>
-            <a:endParaRPr lang="en-US" sz="1600" dirty="0">
-              <a:solidFill>
-                <a:srgbClr val="C00000"/>
-              </a:solidFill>
-            </a:endParaRPr>
-          </a:p>
-          <a:p>
-            <a:pPr marL="0" indent="0">
-              <a:buNone/>
-            </a:pPr>
-            <a:endParaRPr lang="en-US" sz="1600" dirty="0" smtClean="0">
-              <a:solidFill>
-                <a:srgbClr val="C00000"/>
-              </a:solidFill>
-            </a:endParaRPr>
-          </a:p>
-          <a:p>
-            <a:pPr marL="0" indent="0">
-              <a:buNone/>
-            </a:pPr>
-            <a:endParaRPr lang="en-US" sz="1600" dirty="0" smtClean="0">
-              <a:solidFill>
-                <a:srgbClr val="C00000"/>
-              </a:solidFill>
-            </a:endParaRPr>
-          </a:p>
-          <a:p>
-            <a:pPr marL="0" indent="0">
-              <a:buNone/>
-            </a:pPr>
-            <a:endParaRPr lang="en-US" sz="1600" dirty="0" smtClean="0">
-              <a:solidFill>
-                <a:srgbClr val="C00000"/>
-              </a:solidFill>
-            </a:endParaRPr>
-          </a:p>
-          <a:p>
-            <a:pPr marL="0" indent="0">
-              <a:buNone/>
-            </a:pPr>
-            <a:endParaRPr lang="en-US" sz="1600" dirty="0">
-              <a:solidFill>
-                <a:srgbClr val="C00000"/>
-              </a:solidFill>
-            </a:endParaRPr>
-          </a:p>
-          <a:p>
-            <a:endParaRPr lang="en-US" sz="1600" dirty="0">
-              <a:solidFill>
-                <a:srgbClr val="000000"/>
-              </a:solidFill>
-            </a:endParaRPr>
-          </a:p>
-          <a:p>
-            <a:pPr marL="0" indent="0">
-              <a:buNone/>
-            </a:pPr>
-            <a:endParaRPr lang="en-US" dirty="0"/>
-          </a:p>
-          <a:p>
             <a:endParaRPr lang="en-US" sz="1600" dirty="0"/>
           </a:p>
           <a:p>
-            <a:pPr marL="0" indent="0">
-              <a:buNone/>
-            </a:pPr>
-            <a:endParaRPr lang="en-US" sz="1600" dirty="0" smtClean="0"/>
-          </a:p>
-          <a:p>
-            <a:endParaRPr lang="en-US" sz="1600" dirty="0" smtClean="0"/>
+            <a:endParaRPr lang="en-US" sz="1600" dirty="0"/>
           </a:p>
           <a:p>
             <a:endParaRPr lang="en-US" dirty="0"/>
@@ -12708,11 +12024,58 @@
           </a:p>
         </p:txBody>
       </p:sp>
+      <p:sp>
+        <p:nvSpPr>
+          <p:cNvPr id="5" name="TextBox 4"/>
+          <p:cNvSpPr txBox="1"/>
+          <p:nvPr/>
+        </p:nvSpPr>
+        <p:spPr>
+          <a:xfrm>
+            <a:off x="437320" y="4495798"/>
+            <a:ext cx="3677479" cy="1600438"/>
+          </a:xfrm>
+          <a:prstGeom prst="rect">
+            <a:avLst/>
+          </a:prstGeom>
+          <a:noFill/>
+        </p:spPr>
+        <p:txBody>
+          <a:bodyPr wrap="square" rtlCol="0">
+            <a:spAutoFit/>
+          </a:bodyPr>
+          <a:lstStyle/>
+          <a:p>
+            <a:pPr marL="285750" indent="-285750">
+              <a:buFont typeface="Arial" panose="020B0604020202020204" pitchFamily="34" charset="0"/>
+              <a:buChar char="•"/>
+            </a:pPr>
+            <a:r>
+              <a:rPr lang="en-US" sz="1600" dirty="0">
+                <a:solidFill>
+                  <a:srgbClr val="000000"/>
+                </a:solidFill>
+                <a:latin typeface="+mn-lt"/>
+              </a:rPr>
+              <a:t>If no error is reported in the terminal console, your installation is successful. You should be able to access the outputs of the simple test example in output folders inside the install folder.</a:t>
+            </a:r>
+          </a:p>
+          <a:p>
+            <a:endParaRPr lang="en-US" dirty="0"/>
+          </a:p>
+        </p:txBody>
+      </p:sp>
       <p:pic>
         <p:nvPicPr>
-          <p:cNvPr id="2050" name="Picture 2"/>
+          <p:cNvPr id="11" name="Picture 10">
+            <a:extLst>
+              <a:ext uri="{FF2B5EF4-FFF2-40B4-BE49-F238E27FC236}">
+                <a16:creationId xmlns:a16="http://schemas.microsoft.com/office/drawing/2014/main" id="{54C82E58-A346-4E26-BE46-85E9CE3BC3A7}"/>
+              </a:ext>
+            </a:extLst>
+          </p:cNvPr>
           <p:cNvPicPr>
-            <a:picLocks noChangeAspect="1" noChangeArrowheads="1"/>
+            <a:picLocks noChangeAspect="1"/>
           </p:cNvPicPr>
           <p:nvPr/>
         </p:nvPicPr>
@@ -12724,918 +12087,24 @@
               </a:ext>
             </a:extLst>
           </a:blip>
-          <a:srcRect/>
           <a:stretch>
             <a:fillRect/>
           </a:stretch>
         </p:blipFill>
-        <p:spPr bwMode="auto">
+        <p:spPr>
           <a:xfrm>
-            <a:off x="4267200" y="4306294"/>
-            <a:ext cx="3886200" cy="2228132"/>
+            <a:off x="4585547" y="4105573"/>
+            <a:ext cx="3962400" cy="2566689"/>
           </a:xfrm>
           <a:prstGeom prst="rect">
             <a:avLst/>
           </a:prstGeom>
-          <a:noFill/>
-          <a:ln>
-            <a:noFill/>
-          </a:ln>
-          <a:effectLst/>
-          <a:extLst>
-            <a:ext uri="{909E8E84-426E-40DD-AFC4-6F175D3DCCD1}">
-              <a14:hiddenFill xmlns:a14="http://schemas.microsoft.com/office/drawing/2010/main">
-                <a:solidFill>
-                  <a:schemeClr val="accent1"/>
-                </a:solidFill>
-              </a14:hiddenFill>
-            </a:ext>
-            <a:ext uri="{91240B29-F687-4F45-9708-019B960494DF}">
-              <a14:hiddenLine xmlns:a14="http://schemas.microsoft.com/office/drawing/2010/main" w="9525">
-                <a:solidFill>
-                  <a:schemeClr val="tx1"/>
-                </a:solidFill>
-                <a:miter lim="800000"/>
-                <a:headEnd/>
-                <a:tailEnd/>
-              </a14:hiddenLine>
-            </a:ext>
-            <a:ext uri="{AF507438-7753-43E0-B8FC-AC1667EBCBE1}">
-              <a14:hiddenEffects xmlns:a14="http://schemas.microsoft.com/office/drawing/2010/main">
-                <a:effectLst>
-                  <a:outerShdw dist="35921" dir="2700000" algn="ctr" rotWithShape="0">
-                    <a:schemeClr val="bg2"/>
-                  </a:outerShdw>
-                </a:effectLst>
-              </a14:hiddenEffects>
-            </a:ext>
-          </a:extLst>
-        </p:spPr>
-      </p:pic>
-      <p:sp>
-        <p:nvSpPr>
-          <p:cNvPr id="5" name="TextBox 4"/>
-          <p:cNvSpPr txBox="1"/>
-          <p:nvPr/>
-        </p:nvSpPr>
-        <p:spPr>
-          <a:xfrm>
-            <a:off x="437320" y="4495798"/>
-            <a:ext cx="3677479" cy="1600438"/>
-          </a:xfrm>
-          <a:prstGeom prst="rect">
-            <a:avLst/>
-          </a:prstGeom>
-          <a:noFill/>
-        </p:spPr>
-        <p:txBody>
-          <a:bodyPr wrap="square" rtlCol="0">
-            <a:spAutoFit/>
-          </a:bodyPr>
-          <a:lstStyle/>
-          <a:p>
-            <a:pPr marL="285750" indent="-285750">
-              <a:buFont typeface="Arial" panose="020B0604020202020204" pitchFamily="34" charset="0"/>
-              <a:buChar char="•"/>
-            </a:pPr>
-            <a:r>
-              <a:rPr lang="en-US" sz="1600" dirty="0">
-                <a:solidFill>
-                  <a:srgbClr val="000000"/>
-                </a:solidFill>
-                <a:latin typeface="+mn-lt"/>
-              </a:rPr>
-              <a:t>If no </a:t>
-            </a:r>
-            <a:r>
-              <a:rPr lang="en-US" sz="1600" dirty="0" smtClean="0">
-                <a:solidFill>
-                  <a:srgbClr val="000000"/>
-                </a:solidFill>
-                <a:latin typeface="+mn-lt"/>
-              </a:rPr>
-              <a:t>error is reported </a:t>
-            </a:r>
-            <a:r>
-              <a:rPr lang="en-US" sz="1600" dirty="0">
-                <a:solidFill>
-                  <a:srgbClr val="000000"/>
-                </a:solidFill>
-                <a:latin typeface="+mn-lt"/>
-              </a:rPr>
-              <a:t>in the terminal console, your installation is successful. You should be able to access the outputs of the simple test example in output folders inside the install folder.</a:t>
-            </a:r>
-          </a:p>
-          <a:p>
-            <a:endParaRPr lang="en-US" dirty="0"/>
-          </a:p>
-        </p:txBody>
-      </p:sp>
-    </p:spTree>
-    <p:extLst>
-      <p:ext uri="{BB962C8B-B14F-4D97-AF65-F5344CB8AC3E}">
-        <p14:creationId xmlns:p14="http://schemas.microsoft.com/office/powerpoint/2010/main" val="941511021"/>
-      </p:ext>
-    </p:extLst>
-  </p:cSld>
-  <p:clrMapOvr>
-    <a:masterClrMapping/>
-  </p:clrMapOvr>
-  <p:timing>
-    <p:tnLst>
-      <p:par>
-        <p:cTn id="1" dur="indefinite" restart="never" nodeType="tmRoot"/>
-      </p:par>
-    </p:tnLst>
-  </p:timing>
-</p:sld>
-</file>
-
-<file path=ppt/slides/slide14.xml><?xml version="1.0" encoding="utf-8"?>
-<p:sld xmlns:a="http://schemas.openxmlformats.org/drawingml/2006/main" xmlns:r="http://schemas.openxmlformats.org/officeDocument/2006/relationships" xmlns:p="http://schemas.openxmlformats.org/presentationml/2006/main">
-  <p:cSld>
-    <p:spTree>
-      <p:nvGrpSpPr>
-        <p:cNvPr id="1" name=""/>
-        <p:cNvGrpSpPr/>
-        <p:nvPr/>
-      </p:nvGrpSpPr>
-      <p:grpSpPr>
-        <a:xfrm>
-          <a:off x="0" y="0"/>
-          <a:ext cx="0" cy="0"/>
-          <a:chOff x="0" y="0"/>
-          <a:chExt cx="0" cy="0"/>
-        </a:xfrm>
-      </p:grpSpPr>
-      <p:sp>
-        <p:nvSpPr>
-          <p:cNvPr id="2" name="Title 1"/>
-          <p:cNvSpPr>
-            <a:spLocks noGrp="1"/>
-          </p:cNvSpPr>
-          <p:nvPr>
-            <p:ph type="title"/>
-          </p:nvPr>
-        </p:nvSpPr>
-        <p:spPr/>
-        <p:txBody>
-          <a:bodyPr/>
-          <a:lstStyle/>
-          <a:p>
-            <a:pPr marL="0" indent="0"/>
-            <a:r>
-              <a:rPr lang="en-US" dirty="0" smtClean="0"/>
-              <a:t>Trouble Shooting</a:t>
-            </a:r>
-            <a:endParaRPr lang="en-US" dirty="0"/>
-          </a:p>
-        </p:txBody>
-      </p:sp>
-      <p:sp>
-        <p:nvSpPr>
-          <p:cNvPr id="4" name="Slide Number Placeholder 3"/>
-          <p:cNvSpPr>
-            <a:spLocks noGrp="1"/>
-          </p:cNvSpPr>
-          <p:nvPr>
-            <p:ph type="sldNum" sz="quarter" idx="13"/>
-          </p:nvPr>
-        </p:nvSpPr>
-        <p:spPr/>
-        <p:txBody>
-          <a:bodyPr/>
-          <a:lstStyle/>
-          <a:p>
-            <a:pPr>
-              <a:defRPr/>
-            </a:pPr>
-            <a:fld id="{8BA6C1E7-5034-4BC9-BC9C-BA01E1C9DAA7}" type="slidenum">
-              <a:rPr lang="en-US" smtClean="0"/>
-              <a:pPr>
-                <a:defRPr/>
-              </a:pPr>
-              <a:t>14</a:t>
-            </a:fld>
-            <a:endParaRPr lang="en-US"/>
-          </a:p>
-        </p:txBody>
-      </p:sp>
-      <p:sp>
-        <p:nvSpPr>
-          <p:cNvPr id="5" name="Content Placeholder 2"/>
-          <p:cNvSpPr>
-            <a:spLocks noGrp="1"/>
-          </p:cNvSpPr>
-          <p:nvPr>
-            <p:ph idx="1"/>
-          </p:nvPr>
-        </p:nvSpPr>
-        <p:spPr>
-          <a:xfrm>
-            <a:off x="457200" y="1066800"/>
-            <a:ext cx="8229600" cy="5410200"/>
-          </a:xfrm>
-        </p:spPr>
-        <p:txBody>
-          <a:bodyPr/>
-          <a:lstStyle/>
-          <a:p>
-            <a:pPr marL="342900" indent="-342900">
-              <a:buAutoNum type="arabicPeriod"/>
-            </a:pPr>
-            <a:endParaRPr lang="en-US" sz="1600" dirty="0" smtClean="0"/>
-          </a:p>
-          <a:p>
-            <a:pPr marL="342900" indent="-342900">
-              <a:buAutoNum type="arabicPeriod"/>
-            </a:pPr>
-            <a:r>
-              <a:rPr lang="en-US" sz="1600" dirty="0" smtClean="0"/>
-              <a:t>No Such file or directory –</a:t>
-            </a:r>
-            <a:r>
-              <a:rPr lang="en-US" sz="1600" dirty="0" err="1" smtClean="0"/>
-              <a:t>SA.rb</a:t>
-            </a:r>
-            <a:r>
-              <a:rPr lang="en-US" sz="1600" dirty="0" smtClean="0"/>
-              <a:t>/</a:t>
-            </a:r>
-            <a:r>
-              <a:rPr lang="en-US" sz="1600" dirty="0" err="1" smtClean="0"/>
-              <a:t>UA.rb</a:t>
-            </a:r>
-            <a:r>
-              <a:rPr lang="en-US" sz="1600" dirty="0" smtClean="0"/>
-              <a:t>/*_</a:t>
-            </a:r>
-            <a:r>
-              <a:rPr lang="en-US" sz="1600" dirty="0" err="1" smtClean="0"/>
-              <a:t>Calibration.rb</a:t>
-            </a:r>
-            <a:r>
-              <a:rPr lang="en-US" sz="1600" dirty="0" smtClean="0"/>
-              <a:t> (</a:t>
-            </a:r>
-            <a:r>
-              <a:rPr lang="en-US" sz="1600" dirty="0" err="1" smtClean="0"/>
-              <a:t>LoadError</a:t>
-            </a:r>
-            <a:r>
-              <a:rPr lang="en-US" sz="1600" dirty="0" smtClean="0"/>
-              <a:t>).</a:t>
-            </a:r>
-          </a:p>
-          <a:p>
-            <a:pPr marL="0" indent="0">
-              <a:buNone/>
-            </a:pPr>
-            <a:r>
-              <a:rPr lang="en-US" sz="1600" dirty="0" smtClean="0"/>
-              <a:t>This problem would occur when you don’t have a RUBYPATH variable setting up correctly. </a:t>
-            </a:r>
-          </a:p>
-          <a:p>
-            <a:pPr marL="0" indent="0">
-              <a:buNone/>
-            </a:pPr>
-            <a:r>
-              <a:rPr lang="en-US" sz="1600" dirty="0" smtClean="0"/>
-              <a:t>Make sure don’t leave any space when you change the executable bash/batch script. </a:t>
-            </a:r>
-          </a:p>
-        </p:txBody>
-      </p:sp>
-      <p:pic>
-        <p:nvPicPr>
-          <p:cNvPr id="1026" name="Picture 2" descr="C:\Users\jiay\Desktop\error.PNG"/>
-          <p:cNvPicPr>
-            <a:picLocks noChangeAspect="1" noChangeArrowheads="1"/>
-          </p:cNvPicPr>
-          <p:nvPr/>
-        </p:nvPicPr>
-        <p:blipFill>
-          <a:blip r:embed="rId3">
-            <a:extLst>
-              <a:ext uri="{28A0092B-C50C-407E-A947-70E740481C1C}">
-                <a14:useLocalDpi xmlns:a14="http://schemas.microsoft.com/office/drawing/2010/main" val="0"/>
-              </a:ext>
-            </a:extLst>
-          </a:blip>
-          <a:srcRect/>
-          <a:stretch>
-            <a:fillRect/>
-          </a:stretch>
-        </p:blipFill>
-        <p:spPr bwMode="auto">
-          <a:xfrm>
-            <a:off x="633412" y="2587192"/>
-            <a:ext cx="6107113" cy="800100"/>
-          </a:xfrm>
-          <a:prstGeom prst="rect">
-            <a:avLst/>
-          </a:prstGeom>
-          <a:noFill/>
-          <a:extLst>
-            <a:ext uri="{909E8E84-426E-40DD-AFC4-6F175D3DCCD1}">
-              <a14:hiddenFill xmlns:a14="http://schemas.microsoft.com/office/drawing/2010/main">
-                <a:solidFill>
-                  <a:srgbClr val="FFFFFF"/>
-                </a:solidFill>
-              </a14:hiddenFill>
-            </a:ext>
-          </a:extLst>
-        </p:spPr>
-      </p:pic>
-      <p:pic>
-        <p:nvPicPr>
-          <p:cNvPr id="1028" name="Picture 4" descr="C:\Users\jiay\Desktop\Capture.PNG"/>
-          <p:cNvPicPr>
-            <a:picLocks noChangeAspect="1" noChangeArrowheads="1"/>
-          </p:cNvPicPr>
-          <p:nvPr/>
-        </p:nvPicPr>
-        <p:blipFill>
-          <a:blip r:embed="rId4">
-            <a:extLst>
-              <a:ext uri="{28A0092B-C50C-407E-A947-70E740481C1C}">
-                <a14:useLocalDpi xmlns:a14="http://schemas.microsoft.com/office/drawing/2010/main" val="0"/>
-              </a:ext>
-            </a:extLst>
-          </a:blip>
-          <a:srcRect/>
-          <a:stretch>
-            <a:fillRect/>
-          </a:stretch>
-        </p:blipFill>
-        <p:spPr bwMode="auto">
-          <a:xfrm>
-            <a:off x="474662" y="3878202"/>
-            <a:ext cx="6611938" cy="1524000"/>
-          </a:xfrm>
-          <a:prstGeom prst="rect">
-            <a:avLst/>
-          </a:prstGeom>
-          <a:noFill/>
-          <a:extLst>
-            <a:ext uri="{909E8E84-426E-40DD-AFC4-6F175D3DCCD1}">
-              <a14:hiddenFill xmlns:a14="http://schemas.microsoft.com/office/drawing/2010/main">
-                <a:solidFill>
-                  <a:srgbClr val="FFFFFF"/>
-                </a:solidFill>
-              </a14:hiddenFill>
-            </a:ext>
-          </a:extLst>
-        </p:spPr>
-      </p:pic>
-      <p:cxnSp>
-        <p:nvCxnSpPr>
-          <p:cNvPr id="8" name="Straight Arrow Connector 7"/>
-          <p:cNvCxnSpPr/>
-          <p:nvPr/>
-        </p:nvCxnSpPr>
-        <p:spPr bwMode="auto">
-          <a:xfrm flipH="1">
-            <a:off x="4953000" y="3648843"/>
-            <a:ext cx="2133600" cy="991359"/>
-          </a:xfrm>
-          <a:prstGeom prst="straightConnector1">
-            <a:avLst/>
-          </a:prstGeom>
-          <a:noFill/>
-          <a:ln w="9525" cap="flat" cmpd="sng" algn="ctr">
-            <a:solidFill>
-              <a:schemeClr val="bg2">
-                <a:lumMod val="10000"/>
-              </a:schemeClr>
-            </a:solidFill>
-            <a:prstDash val="solid"/>
-            <a:round/>
-            <a:headEnd type="none" w="med" len="med"/>
-            <a:tailEnd type="arrow"/>
-          </a:ln>
-          <a:effectLst/>
-        </p:spPr>
-      </p:cxnSp>
-      <p:sp>
-        <p:nvSpPr>
-          <p:cNvPr id="9" name="TextBox 8"/>
-          <p:cNvSpPr txBox="1"/>
-          <p:nvPr/>
-        </p:nvSpPr>
-        <p:spPr>
-          <a:xfrm>
-            <a:off x="7086600" y="2633180"/>
-            <a:ext cx="1874704" cy="2308324"/>
-          </a:xfrm>
-          <a:prstGeom prst="rect">
-            <a:avLst/>
-          </a:prstGeom>
-          <a:noFill/>
-        </p:spPr>
-        <p:txBody>
-          <a:bodyPr wrap="square" rtlCol="0">
-            <a:spAutoFit/>
-          </a:bodyPr>
-          <a:lstStyle/>
-          <a:p>
-            <a:r>
-              <a:rPr lang="en-US" dirty="0" smtClean="0"/>
-              <a:t>Make sure no extra space left after your own directory – double check by putting your cursor after the slash.</a:t>
-            </a:r>
-            <a:endParaRPr lang="en-US" dirty="0"/>
-          </a:p>
-        </p:txBody>
-      </p:sp>
-    </p:spTree>
-    <p:extLst>
-      <p:ext uri="{BB962C8B-B14F-4D97-AF65-F5344CB8AC3E}">
-        <p14:creationId xmlns:p14="http://schemas.microsoft.com/office/powerpoint/2010/main" val="977040972"/>
-      </p:ext>
-    </p:extLst>
-  </p:cSld>
-  <p:clrMapOvr>
-    <a:masterClrMapping/>
-  </p:clrMapOvr>
-  <p:timing>
-    <p:tnLst>
-      <p:par>
-        <p:cTn id="1" dur="indefinite" restart="never" nodeType="tmRoot"/>
-      </p:par>
-    </p:tnLst>
-  </p:timing>
-</p:sld>
-</file>
-
-<file path=ppt/slides/slide15.xml><?xml version="1.0" encoding="utf-8"?>
-<p:sld xmlns:a="http://schemas.openxmlformats.org/drawingml/2006/main" xmlns:r="http://schemas.openxmlformats.org/officeDocument/2006/relationships" xmlns:p="http://schemas.openxmlformats.org/presentationml/2006/main">
-  <p:cSld>
-    <p:spTree>
-      <p:nvGrpSpPr>
-        <p:cNvPr id="1" name=""/>
-        <p:cNvGrpSpPr/>
-        <p:nvPr/>
-      </p:nvGrpSpPr>
-      <p:grpSpPr>
-        <a:xfrm>
-          <a:off x="0" y="0"/>
-          <a:ext cx="0" cy="0"/>
-          <a:chOff x="0" y="0"/>
-          <a:chExt cx="0" cy="0"/>
-        </a:xfrm>
-      </p:grpSpPr>
-      <p:sp>
-        <p:nvSpPr>
-          <p:cNvPr id="2" name="Title 1"/>
-          <p:cNvSpPr>
-            <a:spLocks noGrp="1"/>
-          </p:cNvSpPr>
-          <p:nvPr>
-            <p:ph type="title"/>
-          </p:nvPr>
-        </p:nvSpPr>
-        <p:spPr/>
-        <p:txBody>
-          <a:bodyPr/>
-          <a:lstStyle/>
-          <a:p>
-            <a:r>
-              <a:rPr lang="en-US" dirty="0" smtClean="0"/>
-              <a:t>Trouble Shooting</a:t>
-            </a:r>
-            <a:endParaRPr lang="en-US" dirty="0"/>
-          </a:p>
-        </p:txBody>
-      </p:sp>
-      <p:sp>
-        <p:nvSpPr>
-          <p:cNvPr id="3" name="Content Placeholder 2"/>
-          <p:cNvSpPr>
-            <a:spLocks noGrp="1"/>
-          </p:cNvSpPr>
-          <p:nvPr>
-            <p:ph idx="1"/>
-          </p:nvPr>
-        </p:nvSpPr>
-        <p:spPr>
-          <a:xfrm>
-            <a:off x="457200" y="1066800"/>
-            <a:ext cx="8229600" cy="5181600"/>
-          </a:xfrm>
-        </p:spPr>
-        <p:txBody>
-          <a:bodyPr/>
-          <a:lstStyle/>
-          <a:p>
-            <a:pPr marL="0" indent="0">
-              <a:buNone/>
-            </a:pPr>
-            <a:r>
-              <a:rPr lang="en-US" sz="1600" dirty="0" smtClean="0"/>
-              <a:t>2. ‘initialize’: Permission denied /x/y/</a:t>
-            </a:r>
-            <a:r>
-              <a:rPr lang="en-US" sz="1600" dirty="0" err="1" smtClean="0"/>
-              <a:t>UA_Output</a:t>
-            </a:r>
-            <a:r>
-              <a:rPr lang="en-US" sz="1600" dirty="0" smtClean="0"/>
-              <a:t>/Random_LHS_Samples.csv (</a:t>
-            </a:r>
-            <a:r>
-              <a:rPr lang="en-US" sz="1600" dirty="0" err="1" smtClean="0"/>
-              <a:t>Errno</a:t>
-            </a:r>
-            <a:r>
-              <a:rPr lang="en-US" sz="1600" dirty="0" smtClean="0"/>
-              <a:t>::EACCES) </a:t>
-            </a:r>
-          </a:p>
-          <a:p>
-            <a:pPr marL="0" indent="0">
-              <a:buNone/>
-            </a:pPr>
-            <a:endParaRPr lang="en-US" sz="1600" dirty="0"/>
-          </a:p>
-          <a:p>
-            <a:pPr marL="0" indent="0">
-              <a:buNone/>
-            </a:pPr>
-            <a:r>
-              <a:rPr lang="en-US" sz="1600" dirty="0" smtClean="0"/>
-              <a:t>This error occurs if you have the Random_LHS_Samples.csv file open in excel when you run the script.  The script is unable to write to the file because excel has it open.  An example is shown below</a:t>
-            </a:r>
-            <a:endParaRPr lang="en-US" sz="1600" dirty="0"/>
-          </a:p>
-        </p:txBody>
-      </p:sp>
-      <p:sp>
-        <p:nvSpPr>
-          <p:cNvPr id="4" name="Slide Number Placeholder 3"/>
-          <p:cNvSpPr>
-            <a:spLocks noGrp="1"/>
-          </p:cNvSpPr>
-          <p:nvPr>
-            <p:ph type="sldNum" sz="quarter" idx="13"/>
-          </p:nvPr>
-        </p:nvSpPr>
-        <p:spPr/>
-        <p:txBody>
-          <a:bodyPr/>
-          <a:lstStyle/>
-          <a:p>
-            <a:pPr>
-              <a:defRPr/>
-            </a:pPr>
-            <a:fld id="{8BA6C1E7-5034-4BC9-BC9C-BA01E1C9DAA7}" type="slidenum">
-              <a:rPr lang="en-US" smtClean="0"/>
-              <a:pPr>
-                <a:defRPr/>
-              </a:pPr>
-              <a:t>15</a:t>
-            </a:fld>
-            <a:endParaRPr lang="en-US"/>
-          </a:p>
-        </p:txBody>
-      </p:sp>
-      <p:pic>
-        <p:nvPicPr>
-          <p:cNvPr id="1026" name="Picture 2"/>
-          <p:cNvPicPr>
-            <a:picLocks noChangeAspect="1" noChangeArrowheads="1"/>
-          </p:cNvPicPr>
-          <p:nvPr/>
-        </p:nvPicPr>
-        <p:blipFill>
-          <a:blip r:embed="rId2">
-            <a:extLst>
-              <a:ext uri="{28A0092B-C50C-407E-A947-70E740481C1C}">
-                <a14:useLocalDpi xmlns:a14="http://schemas.microsoft.com/office/drawing/2010/main" val="0"/>
-              </a:ext>
-            </a:extLst>
-          </a:blip>
-          <a:srcRect/>
-          <a:stretch>
-            <a:fillRect/>
-          </a:stretch>
-        </p:blipFill>
-        <p:spPr bwMode="auto">
-          <a:xfrm>
-            <a:off x="427038" y="2600325"/>
-            <a:ext cx="8288337" cy="1743075"/>
-          </a:xfrm>
-          <a:prstGeom prst="rect">
-            <a:avLst/>
-          </a:prstGeom>
-          <a:noFill/>
-          <a:ln>
-            <a:noFill/>
-          </a:ln>
-          <a:effectLst/>
-          <a:extLst>
-            <a:ext uri="{909E8E84-426E-40DD-AFC4-6F175D3DCCD1}">
-              <a14:hiddenFill xmlns:a14="http://schemas.microsoft.com/office/drawing/2010/main">
-                <a:solidFill>
-                  <a:schemeClr val="accent1"/>
-                </a:solidFill>
-              </a14:hiddenFill>
-            </a:ext>
-            <a:ext uri="{91240B29-F687-4F45-9708-019B960494DF}">
-              <a14:hiddenLine xmlns:a14="http://schemas.microsoft.com/office/drawing/2010/main" w="9525">
-                <a:solidFill>
-                  <a:schemeClr val="tx1"/>
-                </a:solidFill>
-                <a:miter lim="800000"/>
-                <a:headEnd/>
-                <a:tailEnd/>
-              </a14:hiddenLine>
-            </a:ext>
-            <a:ext uri="{AF507438-7753-43E0-B8FC-AC1667EBCBE1}">
-              <a14:hiddenEffects xmlns:a14="http://schemas.microsoft.com/office/drawing/2010/main">
-                <a:effectLst>
-                  <a:outerShdw dist="35921" dir="2700000" algn="ctr" rotWithShape="0">
-                    <a:schemeClr val="bg2"/>
-                  </a:outerShdw>
-                </a:effectLst>
-              </a14:hiddenEffects>
-            </a:ext>
-          </a:extLst>
         </p:spPr>
       </p:pic>
     </p:spTree>
     <p:extLst>
       <p:ext uri="{BB962C8B-B14F-4D97-AF65-F5344CB8AC3E}">
-        <p14:creationId xmlns:p14="http://schemas.microsoft.com/office/powerpoint/2010/main" val="2490085931"/>
-      </p:ext>
-    </p:extLst>
-  </p:cSld>
-  <p:clrMapOvr>
-    <a:masterClrMapping/>
-  </p:clrMapOvr>
-</p:sld>
-</file>
-
-<file path=ppt/slides/slide16.xml><?xml version="1.0" encoding="utf-8"?>
-<p:sld xmlns:a="http://schemas.openxmlformats.org/drawingml/2006/main" xmlns:r="http://schemas.openxmlformats.org/officeDocument/2006/relationships" xmlns:p="http://schemas.openxmlformats.org/presentationml/2006/main">
-  <p:cSld>
-    <p:spTree>
-      <p:nvGrpSpPr>
-        <p:cNvPr id="1" name=""/>
-        <p:cNvGrpSpPr/>
-        <p:nvPr/>
-      </p:nvGrpSpPr>
-      <p:grpSpPr>
-        <a:xfrm>
-          <a:off x="0" y="0"/>
-          <a:ext cx="0" cy="0"/>
-          <a:chOff x="0" y="0"/>
-          <a:chExt cx="0" cy="0"/>
-        </a:xfrm>
-      </p:grpSpPr>
-      <p:sp>
-        <p:nvSpPr>
-          <p:cNvPr id="2" name="Title 1"/>
-          <p:cNvSpPr>
-            <a:spLocks noGrp="1"/>
-          </p:cNvSpPr>
-          <p:nvPr>
-            <p:ph type="title"/>
-          </p:nvPr>
-        </p:nvSpPr>
-        <p:spPr/>
-        <p:txBody>
-          <a:bodyPr/>
-          <a:lstStyle/>
-          <a:p>
-            <a:r>
-              <a:rPr lang="en-US" dirty="0" smtClean="0"/>
-              <a:t>Trouble Shooting</a:t>
-            </a:r>
-            <a:endParaRPr lang="en-US" dirty="0"/>
-          </a:p>
-        </p:txBody>
-      </p:sp>
-      <p:sp>
-        <p:nvSpPr>
-          <p:cNvPr id="3" name="Content Placeholder 2"/>
-          <p:cNvSpPr>
-            <a:spLocks noGrp="1"/>
-          </p:cNvSpPr>
-          <p:nvPr>
-            <p:ph idx="1"/>
-          </p:nvPr>
-        </p:nvSpPr>
-        <p:spPr>
-          <a:xfrm>
-            <a:off x="457200" y="1066800"/>
-            <a:ext cx="8229600" cy="5181600"/>
-          </a:xfrm>
-        </p:spPr>
-        <p:txBody>
-          <a:bodyPr/>
-          <a:lstStyle/>
-          <a:p>
-            <a:pPr marL="0" indent="0">
-              <a:buNone/>
-            </a:pPr>
-            <a:r>
-              <a:rPr lang="en-US" sz="1600" dirty="0" smtClean="0"/>
-              <a:t>3. ‘require’: cannot load such file </a:t>
-            </a:r>
-            <a:r>
-              <a:rPr lang="en-US" sz="1600" dirty="0" err="1" smtClean="0"/>
-              <a:t>openstudio</a:t>
-            </a:r>
-            <a:r>
-              <a:rPr lang="en-US" sz="1600" dirty="0" smtClean="0"/>
-              <a:t> (</a:t>
-            </a:r>
-            <a:r>
-              <a:rPr lang="en-US" sz="1600" dirty="0" err="1" smtClean="0"/>
-              <a:t>LoadError</a:t>
-            </a:r>
-            <a:r>
-              <a:rPr lang="en-US" sz="1600" dirty="0" smtClean="0"/>
-              <a:t>) </a:t>
-            </a:r>
-          </a:p>
-          <a:p>
-            <a:pPr marL="0" indent="0">
-              <a:buNone/>
-            </a:pPr>
-            <a:endParaRPr lang="en-US" sz="1600" dirty="0"/>
-          </a:p>
-          <a:p>
-            <a:pPr marL="0" indent="0">
-              <a:buNone/>
-            </a:pPr>
-            <a:r>
-              <a:rPr lang="en-US" sz="1600" dirty="0" smtClean="0"/>
-              <a:t>This error occurs if you have not created an </a:t>
-            </a:r>
-            <a:r>
-              <a:rPr lang="en-US" sz="1600" dirty="0" err="1" smtClean="0"/>
-              <a:t>openstudio.rb</a:t>
-            </a:r>
-            <a:r>
-              <a:rPr lang="en-US" sz="1600" dirty="0" smtClean="0"/>
-              <a:t> in the lib/ruby/</a:t>
-            </a:r>
-            <a:r>
-              <a:rPr lang="en-US" sz="1600" dirty="0" err="1" smtClean="0"/>
-              <a:t>site_ruby</a:t>
-            </a:r>
-            <a:r>
-              <a:rPr lang="en-US" sz="1600" dirty="0" smtClean="0"/>
-              <a:t> directory of your ruby install.  Correct this by copying the </a:t>
-            </a:r>
-            <a:r>
-              <a:rPr lang="en-US" sz="1600" dirty="0" err="1" smtClean="0"/>
-              <a:t>openstudio.rb</a:t>
-            </a:r>
-            <a:r>
-              <a:rPr lang="en-US" sz="1600" dirty="0" smtClean="0"/>
-              <a:t> file from the </a:t>
-            </a:r>
-            <a:r>
-              <a:rPr lang="en-US" sz="1600" dirty="0" err="1" smtClean="0"/>
-              <a:t>OpenStudio</a:t>
-            </a:r>
-            <a:r>
-              <a:rPr lang="en-US" sz="1600" dirty="0" smtClean="0"/>
-              <a:t> ruby installation in the </a:t>
-            </a:r>
-            <a:r>
-              <a:rPr lang="en-US" sz="1600" dirty="0" err="1" smtClean="0"/>
-              <a:t>OpenStudio</a:t>
-            </a:r>
-            <a:r>
-              <a:rPr lang="en-US" sz="1600" dirty="0" smtClean="0"/>
-              <a:t> install directory</a:t>
-            </a:r>
-          </a:p>
-          <a:p>
-            <a:pPr marL="0" indent="0">
-              <a:buNone/>
-            </a:pPr>
-            <a:r>
-              <a:rPr lang="en-US" sz="1600" dirty="0" smtClean="0"/>
-              <a:t>ruby-install/ruby/lib/ruby/</a:t>
-            </a:r>
-            <a:r>
-              <a:rPr lang="en-US" sz="1600" dirty="0" err="1" smtClean="0"/>
-              <a:t>site_ruby</a:t>
-            </a:r>
-            <a:r>
-              <a:rPr lang="en-US" sz="1600" dirty="0" smtClean="0"/>
-              <a:t>/</a:t>
-            </a:r>
-            <a:r>
-              <a:rPr lang="en-US" sz="1600" dirty="0" err="1" smtClean="0"/>
-              <a:t>openstudio.rb</a:t>
-            </a:r>
-            <a:endParaRPr lang="en-US" sz="1600" dirty="0"/>
-          </a:p>
-        </p:txBody>
-      </p:sp>
-      <p:sp>
-        <p:nvSpPr>
-          <p:cNvPr id="4" name="Slide Number Placeholder 3"/>
-          <p:cNvSpPr>
-            <a:spLocks noGrp="1"/>
-          </p:cNvSpPr>
-          <p:nvPr>
-            <p:ph type="sldNum" sz="quarter" idx="13"/>
-          </p:nvPr>
-        </p:nvSpPr>
-        <p:spPr/>
-        <p:txBody>
-          <a:bodyPr/>
-          <a:lstStyle/>
-          <a:p>
-            <a:pPr>
-              <a:defRPr/>
-            </a:pPr>
-            <a:fld id="{8BA6C1E7-5034-4BC9-BC9C-BA01E1C9DAA7}" type="slidenum">
-              <a:rPr lang="en-US" smtClean="0"/>
-              <a:pPr>
-                <a:defRPr/>
-              </a:pPr>
-              <a:t>16</a:t>
-            </a:fld>
-            <a:endParaRPr lang="en-US"/>
-          </a:p>
-        </p:txBody>
-      </p:sp>
-      <p:pic>
-        <p:nvPicPr>
-          <p:cNvPr id="6" name="Picture 2"/>
-          <p:cNvPicPr>
-            <a:picLocks noChangeAspect="1" noChangeArrowheads="1"/>
-          </p:cNvPicPr>
-          <p:nvPr/>
-        </p:nvPicPr>
-        <p:blipFill>
-          <a:blip r:embed="rId2">
-            <a:extLst>
-              <a:ext uri="{28A0092B-C50C-407E-A947-70E740481C1C}">
-                <a14:useLocalDpi xmlns:a14="http://schemas.microsoft.com/office/drawing/2010/main" val="0"/>
-              </a:ext>
-            </a:extLst>
-          </a:blip>
-          <a:srcRect/>
-          <a:stretch>
-            <a:fillRect/>
-          </a:stretch>
-        </p:blipFill>
-        <p:spPr bwMode="auto">
-          <a:xfrm>
-            <a:off x="403225" y="3194050"/>
-            <a:ext cx="8335963" cy="1114425"/>
-          </a:xfrm>
-          <a:prstGeom prst="rect">
-            <a:avLst/>
-          </a:prstGeom>
-          <a:noFill/>
-          <a:ln>
-            <a:noFill/>
-          </a:ln>
-          <a:effectLst/>
-          <a:extLst>
-            <a:ext uri="{909E8E84-426E-40DD-AFC4-6F175D3DCCD1}">
-              <a14:hiddenFill xmlns:a14="http://schemas.microsoft.com/office/drawing/2010/main">
-                <a:solidFill>
-                  <a:schemeClr val="accent1"/>
-                </a:solidFill>
-              </a14:hiddenFill>
-            </a:ext>
-            <a:ext uri="{91240B29-F687-4F45-9708-019B960494DF}">
-              <a14:hiddenLine xmlns:a14="http://schemas.microsoft.com/office/drawing/2010/main" w="9525">
-                <a:solidFill>
-                  <a:schemeClr val="tx1"/>
-                </a:solidFill>
-                <a:miter lim="800000"/>
-                <a:headEnd/>
-                <a:tailEnd/>
-              </a14:hiddenLine>
-            </a:ext>
-            <a:ext uri="{AF507438-7753-43E0-B8FC-AC1667EBCBE1}">
-              <a14:hiddenEffects xmlns:a14="http://schemas.microsoft.com/office/drawing/2010/main">
-                <a:effectLst>
-                  <a:outerShdw dist="35921" dir="2700000" algn="ctr" rotWithShape="0">
-                    <a:schemeClr val="bg2"/>
-                  </a:outerShdw>
-                </a:effectLst>
-              </a14:hiddenEffects>
-            </a:ext>
-          </a:extLst>
-        </p:spPr>
-      </p:pic>
-    </p:spTree>
-    <p:extLst>
-      <p:ext uri="{BB962C8B-B14F-4D97-AF65-F5344CB8AC3E}">
-        <p14:creationId xmlns:p14="http://schemas.microsoft.com/office/powerpoint/2010/main" val="2883789962"/>
+        <p14:creationId xmlns:p14="http://schemas.microsoft.com/office/powerpoint/2010/main" val="941511021"/>
       </p:ext>
     </p:extLst>
   </p:cSld>
@@ -13707,23 +12176,7 @@
             <a:pPr algn="just"/>
             <a:r>
               <a:rPr lang="en-US" sz="2400" dirty="0"/>
-              <a:t>This tutorial will lead you through the </a:t>
-            </a:r>
-            <a:r>
-              <a:rPr lang="en-US" sz="2400" dirty="0" smtClean="0"/>
-              <a:t>procedures </a:t>
-            </a:r>
-            <a:r>
-              <a:rPr lang="en-US" sz="2400" dirty="0"/>
-              <a:t>of </a:t>
-            </a:r>
-            <a:r>
-              <a:rPr lang="en-US" sz="2400" dirty="0" smtClean="0"/>
-              <a:t>installing BCUS </a:t>
-            </a:r>
-            <a:r>
-              <a:rPr lang="en-US" sz="2400" dirty="0"/>
-              <a:t>- </a:t>
+              <a:t>This tutorial will lead you through the procedures of installing BCUS - </a:t>
             </a:r>
             <a:r>
               <a:rPr lang="en-US" sz="2400" dirty="0">
@@ -13774,16 +12227,12 @@
               <a:t>ensitivity Analysis on </a:t>
             </a:r>
             <a:r>
-              <a:rPr lang="en-US" sz="2400" dirty="0" err="1" smtClean="0"/>
+              <a:rPr lang="en-US" sz="2400" dirty="0" err="1"/>
               <a:t>OpenStudio</a:t>
             </a:r>
             <a:r>
-              <a:rPr lang="en-US" sz="2400" dirty="0" smtClean="0"/>
-              <a:t> models</a:t>
-            </a:r>
-            <a:r>
               <a:rPr lang="en-US" sz="2400" dirty="0"/>
-              <a:t>.  </a:t>
+              <a:t> models.  </a:t>
             </a:r>
           </a:p>
         </p:txBody>
@@ -13827,13 +12276,6 @@
   <p:clrMapOvr>
     <a:masterClrMapping/>
   </p:clrMapOvr>
-  <p:timing>
-    <p:tnLst>
-      <p:par>
-        <p:cTn id="1" dur="indefinite" restart="never" nodeType="tmRoot"/>
-      </p:par>
-    </p:tnLst>
-  </p:timing>
 </p:sld>
 </file>
 
@@ -13870,10 +12312,9 @@
           <a:lstStyle/>
           <a:p>
             <a:r>
-              <a:rPr lang="en-US" dirty="0" smtClean="0"/>
+              <a:rPr lang="en-US" dirty="0"/>
               <a:t>Get Started </a:t>
             </a:r>
-            <a:endParaRPr lang="en-US" dirty="0"/>
           </a:p>
         </p:txBody>
       </p:sp>
@@ -13966,7 +12407,7 @@
               <a:tabLst/>
             </a:pPr>
             <a:r>
-              <a:rPr kumimoji="0" lang="en-US" sz="1800" b="0" i="0" u="none" strike="noStrike" cap="none" normalizeH="0" baseline="0" dirty="0" smtClean="0">
+              <a:rPr kumimoji="0" lang="en-US" sz="1800" b="0" i="0" u="none" strike="noStrike" cap="none" normalizeH="0" baseline="0" dirty="0">
                 <a:ln>
                   <a:noFill/>
                 </a:ln>
@@ -13997,7 +12438,7 @@
               <a:tabLst/>
             </a:pPr>
             <a:r>
-              <a:rPr lang="en-US" dirty="0" smtClean="0">
+              <a:rPr lang="en-US" dirty="0">
                 <a:solidFill>
                   <a:srgbClr val="C00000"/>
                 </a:solidFill>
@@ -14052,31 +12493,13 @@
               <a:tabLst/>
             </a:pPr>
             <a:r>
-              <a:rPr lang="en-US" sz="1600" dirty="0" smtClean="0">
+              <a:rPr lang="en-US" sz="1600" dirty="0">
                 <a:solidFill>
                   <a:schemeClr val="tx1"/>
                 </a:solidFill>
                 <a:latin typeface="Calibri" pitchFamily="34" charset="0"/>
               </a:rPr>
-              <a:t>Executing BCUS typically requires the following tools</a:t>
-            </a:r>
-            <a:r>
-              <a:rPr lang="en-US" sz="1600" dirty="0">
-                <a:solidFill>
-                  <a:schemeClr val="tx1"/>
-                </a:solidFill>
-                <a:latin typeface="Calibri" pitchFamily="34" charset="0"/>
-              </a:rPr>
-              <a:t> </a:t>
-            </a:r>
-            <a:r>
-              <a:rPr lang="en-US" sz="1600" dirty="0" smtClean="0">
-                <a:solidFill>
-                  <a:schemeClr val="tx1"/>
-                </a:solidFill>
-                <a:latin typeface="Calibri" pitchFamily="34" charset="0"/>
-              </a:rPr>
-              <a:t>and packages: </a:t>
+              <a:t>Executing BCUS typically requires the following tools and packages: </a:t>
             </a:r>
           </a:p>
           <a:p>
@@ -14097,7 +12520,7 @@
               <a:tabLst/>
             </a:pPr>
             <a:r>
-              <a:rPr lang="en-US" sz="1600" dirty="0" smtClean="0">
+              <a:rPr lang="en-US" sz="1600" dirty="0">
                 <a:solidFill>
                   <a:schemeClr val="tx1"/>
                 </a:solidFill>
@@ -14124,7 +12547,7 @@
               <a:tabLst/>
             </a:pPr>
             <a:r>
-              <a:rPr kumimoji="0" lang="en-US" sz="1600" b="0" i="0" u="none" strike="noStrike" cap="none" normalizeH="0" baseline="0" dirty="0" err="1" smtClean="0">
+              <a:rPr kumimoji="0" lang="en-US" sz="1600" b="0" i="0" u="none" strike="noStrike" cap="none" normalizeH="0" baseline="0" dirty="0" err="1">
                 <a:ln>
                   <a:noFill/>
                 </a:ln>
@@ -14136,7 +12559,7 @@
               </a:rPr>
               <a:t>EnergyPlus</a:t>
             </a:r>
-            <a:endParaRPr kumimoji="0" lang="en-US" sz="1600" b="0" i="0" u="none" strike="noStrike" cap="none" normalizeH="0" baseline="0" dirty="0" smtClean="0">
+            <a:endParaRPr kumimoji="0" lang="en-US" sz="1600" b="0" i="0" u="none" strike="noStrike" cap="none" normalizeH="0" baseline="0" dirty="0">
               <a:ln>
                 <a:noFill/>
               </a:ln>
@@ -14165,7 +12588,7 @@
               <a:tabLst/>
             </a:pPr>
             <a:r>
-              <a:rPr lang="en-US" sz="1600" dirty="0" smtClean="0">
+              <a:rPr lang="en-US" sz="1600" dirty="0">
                 <a:solidFill>
                   <a:schemeClr val="tx1"/>
                 </a:solidFill>
@@ -14174,7 +12597,7 @@
               <a:t>Microsoft Office(Some functions will be eliminated if using </a:t>
             </a:r>
             <a:r>
-              <a:rPr lang="en-US" sz="1600" dirty="0" err="1" smtClean="0">
+              <a:rPr lang="en-US" sz="1600" dirty="0" err="1">
                 <a:solidFill>
                   <a:schemeClr val="tx1"/>
                 </a:solidFill>
@@ -14183,7 +12606,7 @@
               <a:t>Libre</a:t>
             </a:r>
             <a:r>
-              <a:rPr lang="en-US" sz="1600" dirty="0" smtClean="0">
+              <a:rPr lang="en-US" sz="1600" dirty="0">
                 <a:solidFill>
                   <a:schemeClr val="tx1"/>
                 </a:solidFill>
@@ -14210,7 +12633,7 @@
               <a:tabLst/>
             </a:pPr>
             <a:r>
-              <a:rPr kumimoji="0" lang="en-US" sz="1600" b="0" i="0" u="none" strike="noStrike" cap="none" normalizeH="0" baseline="0" dirty="0" smtClean="0">
+              <a:rPr kumimoji="0" lang="en-US" sz="1600" b="0" i="0" u="none" strike="noStrike" cap="none" normalizeH="0" baseline="0" dirty="0">
                 <a:ln>
                   <a:noFill/>
                 </a:ln>
@@ -14241,7 +12664,7 @@
               <a:tabLst/>
             </a:pPr>
             <a:r>
-              <a:rPr lang="en-US" sz="1600" dirty="0" smtClean="0">
+              <a:rPr lang="en-US" sz="1600" dirty="0">
                 <a:solidFill>
                   <a:schemeClr val="tx1"/>
                 </a:solidFill>
@@ -14249,7 +12672,7 @@
               </a:rPr>
               <a:t>R packages </a:t>
             </a:r>
-            <a:endParaRPr kumimoji="0" lang="en-US" sz="1600" b="0" i="0" u="none" strike="noStrike" cap="none" normalizeH="0" baseline="0" dirty="0" smtClean="0">
+            <a:endParaRPr kumimoji="0" lang="en-US" sz="1600" b="0" i="0" u="none" strike="noStrike" cap="none" normalizeH="0" baseline="0" dirty="0">
               <a:ln>
                 <a:noFill/>
               </a:ln>
@@ -14301,7 +12724,7 @@
               <a:buNone/>
               <a:tabLst/>
             </a:pPr>
-            <a:endParaRPr kumimoji="0" lang="en-US" sz="1800" b="0" i="0" u="none" strike="noStrike" cap="none" normalizeH="0" baseline="0" dirty="0" smtClean="0">
+            <a:endParaRPr kumimoji="0" lang="en-US" sz="1800" b="0" i="0" u="none" strike="noStrike" cap="none" normalizeH="0" baseline="0" dirty="0">
               <a:ln>
                 <a:noFill/>
               </a:ln>
@@ -14374,7 +12797,7 @@
               <a:tabLst/>
             </a:pPr>
             <a:r>
-              <a:rPr kumimoji="0" lang="en-US" sz="1800" b="0" i="0" u="none" strike="noStrike" cap="none" normalizeH="0" baseline="0" dirty="0" smtClean="0">
+              <a:rPr kumimoji="0" lang="en-US" sz="1800" b="0" i="0" u="none" strike="noStrike" cap="none" normalizeH="0" baseline="0" dirty="0">
                 <a:ln>
                   <a:noFill/>
                 </a:ln>
@@ -14387,7 +12810,7 @@
               <a:t>SET</a:t>
             </a:r>
             <a:r>
-              <a:rPr kumimoji="0" lang="en-US" sz="1800" b="0" i="0" u="none" strike="noStrike" cap="none" normalizeH="0" dirty="0" smtClean="0">
+              <a:rPr kumimoji="0" lang="en-US" sz="1800" b="0" i="0" u="none" strike="noStrike" cap="none" normalizeH="0" dirty="0">
                 <a:ln>
                   <a:noFill/>
                 </a:ln>
@@ -14426,28 +12849,8 @@
           </a:p>
           <a:p>
             <a:r>
-              <a:rPr lang="en-US" sz="1600" dirty="0" smtClean="0"/>
-              <a:t>Once the prerequisite tools are installed</a:t>
-            </a:r>
-            <a:r>
               <a:rPr lang="en-US" sz="1600" dirty="0"/>
-              <a:t>, set up </a:t>
-            </a:r>
-            <a:r>
-              <a:rPr lang="en-US" sz="1600" dirty="0" smtClean="0"/>
-              <a:t>the platform </a:t>
-            </a:r>
-            <a:r>
-              <a:rPr lang="en-US" sz="1600" dirty="0"/>
-              <a:t>variables to access executables, </a:t>
-            </a:r>
-            <a:r>
-              <a:rPr lang="en-US" sz="1600" dirty="0" smtClean="0"/>
-              <a:t>examples </a:t>
-            </a:r>
-            <a:r>
-              <a:rPr lang="en-US" sz="1600" dirty="0"/>
-              <a:t>and tests.</a:t>
+              <a:t>Once the prerequisite tools are installed, set up the platform variables to access executables, examples and tests.</a:t>
             </a:r>
           </a:p>
           <a:p>
@@ -14467,7 +12870,7 @@
               <a:buNone/>
               <a:tabLst/>
             </a:pPr>
-            <a:endParaRPr kumimoji="0" lang="en-US" sz="1800" b="0" i="0" u="none" strike="noStrike" cap="none" normalizeH="0" dirty="0" smtClean="0">
+            <a:endParaRPr kumimoji="0" lang="en-US" sz="1800" b="0" i="0" u="none" strike="noStrike" cap="none" normalizeH="0" dirty="0">
               <a:ln>
                 <a:noFill/>
               </a:ln>
@@ -14495,7 +12898,7 @@
               <a:buNone/>
               <a:tabLst/>
             </a:pPr>
-            <a:endParaRPr lang="en-US" baseline="0" dirty="0" smtClean="0">
+            <a:endParaRPr lang="en-US" baseline="0" dirty="0">
               <a:solidFill>
                 <a:srgbClr val="C00000"/>
               </a:solidFill>
@@ -14519,7 +12922,7 @@
               <a:buNone/>
               <a:tabLst/>
             </a:pPr>
-            <a:endParaRPr kumimoji="0" lang="en-US" sz="1800" b="0" i="0" u="none" strike="noStrike" cap="none" normalizeH="0" baseline="0" dirty="0" smtClean="0">
+            <a:endParaRPr kumimoji="0" lang="en-US" sz="1800" b="0" i="0" u="none" strike="noStrike" cap="none" normalizeH="0" baseline="0" dirty="0">
               <a:ln>
                 <a:noFill/>
               </a:ln>
@@ -14592,7 +12995,7 @@
               <a:tabLst/>
             </a:pPr>
             <a:r>
-              <a:rPr kumimoji="0" lang="en-US" sz="1800" b="0" i="0" u="none" strike="noStrike" cap="none" normalizeH="0" baseline="0" dirty="0" smtClean="0">
+              <a:rPr kumimoji="0" lang="en-US" sz="1800" b="0" i="0" u="none" strike="noStrike" cap="none" normalizeH="0" baseline="0" dirty="0">
                 <a:ln>
                   <a:noFill/>
                 </a:ln>
@@ -14631,16 +13034,8 @@
           </a:p>
           <a:p>
             <a:r>
-              <a:rPr lang="en-US" sz="1600" dirty="0" smtClean="0"/>
-              <a:t>To make </a:t>
-            </a:r>
-            <a:r>
               <a:rPr lang="en-US" sz="1600" dirty="0"/>
-              <a:t>sure </a:t>
-            </a:r>
-            <a:r>
-              <a:rPr lang="en-US" sz="1600" dirty="0" smtClean="0"/>
-              <a:t>BCUS runs correctly:</a:t>
+              <a:t>To make sure BCUS runs correctly:</a:t>
             </a:r>
           </a:p>
           <a:p>
@@ -14650,18 +13045,14 @@
             </a:pPr>
             <a:r>
               <a:rPr lang="en-US" sz="1600" dirty="0"/>
-              <a:t>T</a:t>
-            </a:r>
-            <a:r>
-              <a:rPr lang="en-US" sz="1600" dirty="0" smtClean="0"/>
-              <a:t>est the Ruby-</a:t>
-            </a:r>
-            <a:r>
-              <a:rPr lang="en-US" sz="1600" dirty="0" err="1" smtClean="0"/>
+              <a:t>Test the Ruby-</a:t>
+            </a:r>
+            <a:r>
+              <a:rPr lang="en-US" sz="1600" dirty="0" err="1"/>
               <a:t>OpenStudio</a:t>
             </a:r>
             <a:r>
-              <a:rPr lang="en-US" sz="1600" dirty="0" smtClean="0"/>
+              <a:rPr lang="en-US" sz="1600" dirty="0"/>
               <a:t> environment</a:t>
             </a:r>
           </a:p>
@@ -14671,7 +13062,7 @@
               <a:buChar char="•"/>
             </a:pPr>
             <a:r>
-              <a:rPr lang="en-US" sz="1600" dirty="0" smtClean="0">
+              <a:rPr lang="en-US" sz="1600" dirty="0">
                 <a:solidFill>
                   <a:schemeClr val="tx1"/>
                 </a:solidFill>
@@ -14679,7 +13070,7 @@
               </a:rPr>
               <a:t>Test installation by running a simple example</a:t>
             </a:r>
-            <a:endParaRPr kumimoji="0" lang="en-US" sz="1600" b="0" i="0" u="none" strike="noStrike" cap="none" normalizeH="0" baseline="0" dirty="0" smtClean="0">
+            <a:endParaRPr kumimoji="0" lang="en-US" sz="1600" b="0" i="0" u="none" strike="noStrike" cap="none" normalizeH="0" baseline="0" dirty="0">
               <a:ln>
                 <a:noFill/>
               </a:ln>
@@ -14752,7 +13143,7 @@
               <a:tabLst/>
             </a:pPr>
             <a:r>
-              <a:rPr kumimoji="0" lang="en-US" sz="1800" b="0" i="0" u="none" strike="noStrike" cap="none" normalizeH="0" baseline="0" dirty="0" smtClean="0">
+              <a:rPr kumimoji="0" lang="en-US" sz="1800" b="0" i="0" u="none" strike="noStrike" cap="none" normalizeH="0" baseline="0" dirty="0">
                 <a:ln>
                   <a:noFill/>
                 </a:ln>
@@ -14783,7 +13174,7 @@
               <a:tabLst/>
             </a:pPr>
             <a:r>
-              <a:rPr kumimoji="0" lang="en-US" sz="1800" b="0" i="0" u="none" strike="noStrike" cap="none" normalizeH="0" baseline="0" dirty="0" smtClean="0">
+              <a:rPr kumimoji="0" lang="en-US" sz="1800" b="0" i="0" u="none" strike="noStrike" cap="none" normalizeH="0" baseline="0" dirty="0">
                 <a:ln>
                   <a:noFill/>
                 </a:ln>
@@ -14823,29 +13214,9 @@
           <a:p>
             <a:r>
               <a:rPr lang="en-US" sz="1600" dirty="0"/>
-              <a:t>Step by step following the tutorial </a:t>
-            </a:r>
-            <a:r>
-              <a:rPr lang="en-US" sz="1600" dirty="0" smtClean="0"/>
-              <a:t>which demonstrate </a:t>
-            </a:r>
-            <a:r>
-              <a:rPr lang="en-US" sz="1600" dirty="0"/>
-              <a:t>the </a:t>
-            </a:r>
-            <a:r>
-              <a:rPr lang="en-US" sz="1600" dirty="0" smtClean="0"/>
-              <a:t>basic procedure </a:t>
-            </a:r>
-            <a:r>
-              <a:rPr lang="en-US" sz="1600" dirty="0"/>
-              <a:t>of </a:t>
-            </a:r>
-            <a:r>
-              <a:rPr lang="en-US" sz="1600" dirty="0" smtClean="0"/>
-              <a:t>running BCUS.</a:t>
-            </a:r>
-            <a:endParaRPr kumimoji="0" lang="en-US" sz="1600" b="0" i="0" u="none" strike="noStrike" cap="none" normalizeH="0" baseline="0" dirty="0" smtClean="0">
+              <a:t>Step by step following the tutorial which demonstrate the basic procedure of running BCUS.</a:t>
+            </a:r>
+            <a:endParaRPr kumimoji="0" lang="en-US" sz="1600" b="0" i="0" u="none" strike="noStrike" cap="none" normalizeH="0" baseline="0" dirty="0">
               <a:ln>
                 <a:noFill/>
               </a:ln>
@@ -14868,13 +13239,6 @@
   <p:clrMapOvr>
     <a:masterClrMapping/>
   </p:clrMapOvr>
-  <p:timing>
-    <p:tnLst>
-      <p:par>
-        <p:cTn id="1" dur="indefinite" restart="never" nodeType="tmRoot"/>
-      </p:par>
-    </p:tnLst>
-  </p:timing>
 </p:sld>
 </file>
 
@@ -14911,10 +13275,9 @@
           <a:lstStyle/>
           <a:p>
             <a:r>
-              <a:rPr lang="en-US" dirty="0" smtClean="0"/>
+              <a:rPr lang="en-US" dirty="0"/>
               <a:t>Prerequisite Installations</a:t>
             </a:r>
-            <a:endParaRPr lang="en-US" dirty="0"/>
           </a:p>
         </p:txBody>
       </p:sp>
@@ -14943,16 +13306,58 @@
             </a:pPr>
             <a:r>
               <a:rPr lang="en-US" sz="2000" dirty="0"/>
-              <a:t>To install and start </a:t>
-            </a:r>
-            <a:r>
-              <a:rPr lang="en-US" sz="2000" dirty="0" smtClean="0"/>
-              <a:t>using </a:t>
-            </a:r>
+              <a:t>To install and start using the package, make sure you did: </a:t>
+            </a:r>
+          </a:p>
+          <a:p>
             <a:r>
               <a:rPr lang="en-US" sz="2000" dirty="0"/>
-              <a:t>the package, make sure you did: </a:t>
-            </a:r>
+              <a:t>Download and install the latest version of </a:t>
+            </a:r>
+            <a:r>
+              <a:rPr lang="en-US" sz="2000" dirty="0" err="1">
+                <a:solidFill>
+                  <a:srgbClr val="C00000"/>
+                </a:solidFill>
+              </a:rPr>
+              <a:t>OpenStudio</a:t>
+            </a:r>
+            <a:r>
+              <a:rPr lang="en-US" sz="2000" dirty="0"/>
+              <a:t>. The download address is: </a:t>
+            </a:r>
+            <a:r>
+              <a:rPr lang="en-US" sz="2000" dirty="0">
+                <a:hlinkClick r:id="rId3"/>
+              </a:rPr>
+              <a:t>https://www.openstudio.net/downloads</a:t>
+            </a:r>
+            <a:endParaRPr lang="en-US" sz="2000" dirty="0"/>
+          </a:p>
+          <a:p>
+            <a:r>
+              <a:rPr lang="en-US" sz="2000" dirty="0"/>
+              <a:t>Download and install the latest version of </a:t>
+            </a:r>
+            <a:r>
+              <a:rPr lang="en-US" sz="2000" dirty="0" err="1">
+                <a:solidFill>
+                  <a:srgbClr val="C00000"/>
+                </a:solidFill>
+              </a:rPr>
+              <a:t>EnergyPlus</a:t>
+            </a:r>
+            <a:r>
+              <a:rPr lang="en-US" sz="2000" dirty="0"/>
+              <a:t>. The download address is:  </a:t>
+            </a:r>
+            <a:r>
+              <a:rPr lang="en-US" sz="2000" dirty="0">
+                <a:hlinkClick r:id="rId4"/>
+              </a:rPr>
+              <a:t>https://energyplus.net/downloads</a:t>
+            </a:r>
+            <a:endParaRPr lang="en-US" sz="2000" dirty="0"/>
           </a:p>
           <a:p>
             <a:r>
@@ -14960,102 +13365,25 @@
               <a:t>Download and install </a:t>
             </a:r>
             <a:r>
-              <a:rPr lang="en-US" sz="2000" dirty="0" smtClean="0"/>
-              <a:t>the latest version of </a:t>
-            </a:r>
-            <a:r>
-              <a:rPr lang="en-US" sz="2000" dirty="0" err="1" smtClean="0">
+              <a:rPr lang="en-US" sz="2000" dirty="0">
                 <a:solidFill>
                   <a:srgbClr val="C00000"/>
                 </a:solidFill>
               </a:rPr>
-              <a:t>OpenStudio</a:t>
-            </a:r>
-            <a:r>
-              <a:rPr lang="en-US" sz="2000" dirty="0" smtClean="0"/>
-              <a:t>. The download address is: </a:t>
+              <a:t>Ruby 2.2.4</a:t>
             </a:r>
             <a:r>
               <a:rPr lang="en-US" sz="2000" dirty="0">
-                <a:hlinkClick r:id="rId3"/>
-              </a:rPr>
-              <a:t>https://www.openstudio.net/downloads</a:t>
-            </a:r>
-            <a:endParaRPr lang="en-US" sz="2000" dirty="0"/>
-          </a:p>
-          <a:p>
-            <a:r>
-              <a:rPr lang="en-US" sz="2000" dirty="0"/>
-              <a:t>Download and install the latest version of </a:t>
-            </a:r>
-            <a:r>
-              <a:rPr lang="en-US" sz="2000" dirty="0" err="1" smtClean="0">
-                <a:solidFill>
-                  <a:srgbClr val="C00000"/>
-                </a:solidFill>
-              </a:rPr>
-              <a:t>EnergyPlus</a:t>
-            </a:r>
-            <a:r>
-              <a:rPr lang="en-US" sz="2000" dirty="0" smtClean="0">
-                <a:solidFill>
-                  <a:srgbClr val="C00000"/>
-                </a:solidFill>
-              </a:rPr>
-              <a:t> </a:t>
-            </a:r>
-            <a:r>
-              <a:rPr lang="en-US" sz="2000" dirty="0"/>
-              <a:t>. The download address is:  </a:t>
-            </a:r>
-            <a:r>
-              <a:rPr lang="en-US" sz="2000" dirty="0" smtClean="0">
-                <a:hlinkClick r:id="rId4"/>
-              </a:rPr>
-              <a:t>https</a:t>
-            </a:r>
-            <a:r>
-              <a:rPr lang="en-US" sz="2000" dirty="0">
-                <a:hlinkClick r:id="rId4"/>
-              </a:rPr>
-              <a:t>://energyplus.net/downloads</a:t>
-            </a:r>
-            <a:endParaRPr lang="en-US" sz="2000" dirty="0" smtClean="0"/>
-          </a:p>
-          <a:p>
-            <a:r>
-              <a:rPr lang="en-US" sz="2000" dirty="0" smtClean="0"/>
-              <a:t>Download and install </a:t>
-            </a:r>
-            <a:r>
-              <a:rPr lang="en-US" sz="2000" dirty="0" smtClean="0">
-                <a:solidFill>
-                  <a:srgbClr val="C00000"/>
-                </a:solidFill>
-              </a:rPr>
-              <a:t>Ruby 2.0.0</a:t>
-            </a:r>
-            <a:r>
-              <a:rPr lang="en-US" sz="2000" dirty="0">
                 <a:solidFill>
                   <a:srgbClr val="000000"/>
                 </a:solidFill>
               </a:rPr>
-              <a:t> </a:t>
-            </a:r>
-            <a:r>
-              <a:rPr lang="en-US" sz="2000" dirty="0" smtClean="0">
-                <a:solidFill>
-                  <a:srgbClr val="000000"/>
-                </a:solidFill>
-              </a:rPr>
-              <a:t>(See detailed instructions in the following slides). </a:t>
+              <a:t> (See detailed instructions in the following slides). </a:t>
             </a:r>
             <a:r>
               <a:rPr lang="en-US" sz="2000" dirty="0"/>
               <a:t>The download address is: </a:t>
             </a:r>
-            <a:endParaRPr lang="en-US" sz="2000" dirty="0" smtClean="0"/>
           </a:p>
           <a:p>
             <a:pPr marL="0" indent="0">
@@ -15067,33 +13395,16 @@
                   <a:srgbClr val="000000"/>
                 </a:solidFill>
               </a:rPr>
-              <a:t> </a:t>
-            </a:r>
-            <a:r>
-              <a:rPr lang="en-US" sz="2000" dirty="0" smtClean="0">
+              <a:t>    </a:t>
+            </a:r>
+            <a:r>
+              <a:rPr lang="en-US" sz="2000" dirty="0">
                 <a:solidFill>
                   <a:srgbClr val="000000"/>
                 </a:solidFill>
-              </a:rPr>
-              <a:t>   </a:t>
-            </a:r>
-            <a:r>
-              <a:rPr lang="en-US" sz="2000" dirty="0" smtClean="0">
-                <a:solidFill>
-                  <a:srgbClr val="000000"/>
-                </a:solidFill>
                 <a:hlinkClick r:id="rId5"/>
               </a:rPr>
-              <a:t>https</a:t>
-            </a:r>
-            <a:r>
-              <a:rPr lang="en-US" sz="2000" dirty="0">
-                <a:solidFill>
-                  <a:srgbClr val="000000"/>
-                </a:solidFill>
-                <a:hlinkClick r:id="rId5"/>
-              </a:rPr>
-              <a:t>://www.ruby-lang.org/en/downloads/</a:t>
+              <a:t>https://www.ruby-lang.org/en/downloads/</a:t>
             </a:r>
             <a:endParaRPr lang="en-US" sz="2000" dirty="0">
               <a:solidFill>
@@ -15103,12 +13414,8 @@
           </a:p>
           <a:p>
             <a:r>
-              <a:rPr lang="en-US" sz="2000" dirty="0" smtClean="0"/>
-              <a:t>Download </a:t>
-            </a:r>
-            <a:r>
               <a:rPr lang="en-US" sz="2000" dirty="0"/>
-              <a:t>and install </a:t>
+              <a:t>Download and install </a:t>
             </a:r>
             <a:r>
               <a:rPr lang="en-US" sz="2000" dirty="0">
@@ -15146,19 +13453,27 @@
                   <a:srgbClr val="C00000"/>
                 </a:solidFill>
               </a:rPr>
-              <a:t>R </a:t>
-            </a:r>
-            <a:r>
-              <a:rPr lang="en-US" sz="2000" dirty="0" smtClean="0">
+              <a:t>R packages </a:t>
+            </a:r>
+            <a:r>
+              <a:rPr lang="en-US" sz="2000" dirty="0"/>
+              <a:t>(</a:t>
+            </a:r>
+            <a:r>
+              <a:rPr lang="en-US" sz="2000" dirty="0">
                 <a:solidFill>
                   <a:srgbClr val="C00000"/>
                 </a:solidFill>
               </a:rPr>
-              <a:t>packages </a:t>
-            </a:r>
-            <a:r>
-              <a:rPr lang="en-US" sz="2000" dirty="0" smtClean="0"/>
-              <a:t>(</a:t>
+              <a:t>ggplot2, triangle, </a:t>
+            </a:r>
+            <a:r>
+              <a:rPr lang="en-US" sz="2000" dirty="0" err="1">
+                <a:solidFill>
+                  <a:srgbClr val="C00000"/>
+                </a:solidFill>
+              </a:rPr>
+              <a:t>gridExtra</a:t>
             </a:r>
             <a:r>
               <a:rPr lang="en-US" sz="2000" dirty="0">
@@ -15166,87 +13481,45 @@
                   <a:srgbClr val="C00000"/>
                 </a:solidFill>
               </a:rPr>
-              <a:t>ggplot2, triangle, </a:t>
-            </a:r>
-            <a:r>
-              <a:rPr lang="en-US" sz="2000" dirty="0" err="1">
-                <a:solidFill>
-                  <a:srgbClr val="C00000"/>
-                </a:solidFill>
-              </a:rPr>
-              <a:t>gridExtra</a:t>
+              <a:t>, lhs, sensitivity, car</a:t>
+            </a:r>
+            <a:r>
+              <a:rPr lang="en-US" sz="2000" dirty="0"/>
+              <a:t>)</a:t>
             </a:r>
             <a:r>
               <a:rPr lang="en-US" sz="2000" dirty="0">
                 <a:solidFill>
-                  <a:srgbClr val="C00000"/>
-                </a:solidFill>
-              </a:rPr>
-              <a:t>, lhs, </a:t>
-            </a:r>
-            <a:r>
-              <a:rPr lang="en-US" sz="2000" dirty="0" smtClean="0">
-                <a:solidFill>
-                  <a:srgbClr val="C00000"/>
-                </a:solidFill>
-              </a:rPr>
-              <a:t>sensitivity, car</a:t>
-            </a:r>
-            <a:r>
-              <a:rPr lang="en-US" sz="2000" dirty="0" smtClean="0"/>
-              <a:t>)</a:t>
-            </a:r>
+                  <a:srgbClr val="000000"/>
+                </a:solidFill>
+              </a:rPr>
+              <a:t> (See detailed instructions in the following slides) </a:t>
+            </a:r>
+            <a:r>
+              <a:rPr lang="en-US" sz="2000" dirty="0"/>
+              <a:t>The download address of R is: </a:t>
+            </a:r>
+          </a:p>
+          <a:p>
+            <a:pPr marL="0" indent="0">
+              <a:buNone/>
+            </a:pPr>
             <a:r>
               <a:rPr lang="en-US" sz="2000" dirty="0">
                 <a:solidFill>
                   <a:srgbClr val="000000"/>
                 </a:solidFill>
               </a:rPr>
-              <a:t> (See detailed instructions in the following slides) </a:t>
-            </a:r>
-            <a:r>
-              <a:rPr lang="en-US" sz="2000" dirty="0"/>
-              <a:t>The download address </a:t>
-            </a:r>
-            <a:r>
-              <a:rPr lang="en-US" sz="2000" dirty="0" smtClean="0"/>
-              <a:t>of R is</a:t>
-            </a:r>
-            <a:r>
-              <a:rPr lang="en-US" sz="2000" dirty="0"/>
-              <a:t>: </a:t>
-            </a:r>
-            <a:endParaRPr lang="en-US" sz="2000" dirty="0" smtClean="0"/>
-          </a:p>
-          <a:p>
-            <a:pPr marL="0" indent="0">
-              <a:buNone/>
-            </a:pPr>
-            <a:r>
-              <a:rPr lang="en-US" sz="2000" dirty="0" smtClean="0">
+              <a:t>    </a:t>
+            </a:r>
+            <a:r>
+              <a:rPr lang="en-US" sz="2000" dirty="0">
                 <a:solidFill>
                   <a:srgbClr val="000000"/>
                 </a:solidFill>
-              </a:rPr>
-              <a:t>    </a:t>
-            </a:r>
-            <a:r>
-              <a:rPr lang="en-US" sz="2000" dirty="0" smtClean="0">
-                <a:solidFill>
-                  <a:srgbClr val="000000"/>
-                </a:solidFill>
                 <a:hlinkClick r:id="rId6"/>
               </a:rPr>
-              <a:t>https</a:t>
-            </a:r>
-            <a:r>
-              <a:rPr lang="en-US" sz="2000" dirty="0">
-                <a:solidFill>
-                  <a:srgbClr val="000000"/>
-                </a:solidFill>
-                <a:hlinkClick r:id="rId6"/>
-              </a:rPr>
-              <a:t>://cran.r-project.org/bin/windows/base/</a:t>
+              <a:t>https://cran.r-project.org/bin/windows/base/</a:t>
             </a:r>
             <a:endParaRPr lang="en-US" sz="2000" dirty="0">
               <a:solidFill>
@@ -15298,13 +13571,6 @@
   <p:clrMapOvr>
     <a:masterClrMapping/>
   </p:clrMapOvr>
-  <p:timing>
-    <p:tnLst>
-      <p:par>
-        <p:cTn id="1" dur="indefinite" restart="never" nodeType="tmRoot"/>
-      </p:par>
-    </p:tnLst>
-  </p:timing>
 </p:sld>
 </file>
 
@@ -15341,10 +13607,9 @@
           <a:lstStyle/>
           <a:p>
             <a:r>
-              <a:rPr lang="en-US" dirty="0" smtClean="0"/>
+              <a:rPr lang="en-US" dirty="0"/>
               <a:t>Set up the Environment</a:t>
             </a:r>
-            <a:endParaRPr lang="en-US" dirty="0"/>
           </a:p>
         </p:txBody>
       </p:sp>
@@ -15372,17 +13637,17 @@
               <a:buNone/>
             </a:pPr>
             <a:r>
-              <a:rPr lang="en-US" dirty="0" smtClean="0"/>
+              <a:rPr lang="en-US" dirty="0"/>
               <a:t>Set up Ruby-OpenStudio Environment on Windows</a:t>
             </a:r>
             <a:r>
-              <a:rPr lang="en-US" sz="1600" dirty="0" smtClean="0"/>
+              <a:rPr lang="en-US" sz="1600" dirty="0"/>
               <a:t> </a:t>
             </a:r>
           </a:p>
           <a:p>
             <a:r>
-              <a:rPr lang="en-US" sz="1600" b="1" dirty="0" smtClean="0">
+              <a:rPr lang="en-US" sz="1600" b="1" dirty="0">
                 <a:solidFill>
                   <a:srgbClr val="000000"/>
                 </a:solidFill>
@@ -15395,7 +13660,7 @@
               <a:buNone/>
             </a:pPr>
             <a:r>
-              <a:rPr lang="en-US" sz="1400" dirty="0" smtClean="0">
+              <a:rPr lang="en-US" sz="1400" dirty="0">
                 <a:solidFill>
                   <a:srgbClr val="000000"/>
                 </a:solidFill>
@@ -15403,23 +13668,15 @@
               <a:t>Download the </a:t>
             </a:r>
             <a:r>
-              <a:rPr lang="en-US" sz="1400" dirty="0" smtClean="0">
+              <a:rPr lang="en-US" sz="1400" dirty="0">
                 <a:solidFill>
                   <a:srgbClr val="C00000"/>
                 </a:solidFill>
               </a:rPr>
-              <a:t>Ruby </a:t>
-            </a:r>
-            <a:r>
-              <a:rPr lang="en-US" sz="1400" dirty="0" smtClean="0">
-                <a:solidFill>
-                  <a:srgbClr val="C00000"/>
-                </a:solidFill>
-              </a:rPr>
-              <a:t>2.0.0 </a:t>
-            </a:r>
-            <a:r>
-              <a:rPr lang="en-US" sz="1400" dirty="0" smtClean="0">
+              <a:t>Ruby 2.2.4 </a:t>
+            </a:r>
+            <a:r>
+              <a:rPr lang="en-US" sz="1400" dirty="0">
                 <a:solidFill>
                   <a:srgbClr val="000000"/>
                 </a:solidFill>
@@ -15427,7 +13684,7 @@
               <a:t>installer. If you have the Windows (x64) version of </a:t>
             </a:r>
             <a:r>
-              <a:rPr lang="en-US" sz="1400" dirty="0" err="1" smtClean="0">
+              <a:rPr lang="en-US" sz="1400" dirty="0" err="1">
                 <a:solidFill>
                   <a:srgbClr val="000000"/>
                 </a:solidFill>
@@ -15435,7 +13692,7 @@
               <a:t>OpenStudio</a:t>
             </a:r>
             <a:r>
-              <a:rPr lang="en-US" sz="1400" dirty="0" smtClean="0">
+              <a:rPr lang="en-US" sz="1400" dirty="0">
                 <a:solidFill>
                   <a:srgbClr val="000000"/>
                 </a:solidFill>
@@ -15443,7 +13700,7 @@
               <a:t> installed   (Help&gt;About&gt;Compiler shows Visual Studio 12 2013 Win64), you'll need the x64 Ruby installer. If you have the Windows (x32) version of </a:t>
             </a:r>
             <a:r>
-              <a:rPr lang="en-US" sz="1400" dirty="0" err="1" smtClean="0">
+              <a:rPr lang="en-US" sz="1400" dirty="0" err="1">
                 <a:solidFill>
                   <a:srgbClr val="000000"/>
                 </a:solidFill>
@@ -15451,7 +13708,7 @@
               <a:t>OpenStudio</a:t>
             </a:r>
             <a:r>
-              <a:rPr lang="en-US" sz="1400" dirty="0" smtClean="0">
+              <a:rPr lang="en-US" sz="1400" dirty="0">
                 <a:solidFill>
                   <a:srgbClr val="000000"/>
                 </a:solidFill>
@@ -15463,7 +13720,7 @@
             <a:pPr marL="0" indent="0">
               <a:buNone/>
             </a:pPr>
-            <a:endParaRPr lang="en-US" sz="1600" dirty="0" smtClean="0">
+            <a:endParaRPr lang="en-US" sz="1600" dirty="0">
               <a:solidFill>
                 <a:srgbClr val="000000"/>
               </a:solidFill>
@@ -15471,7 +13728,7 @@
           </a:p>
           <a:p>
             <a:r>
-              <a:rPr lang="en-US" sz="1600" b="1" dirty="0" smtClean="0"/>
+              <a:rPr lang="en-US" sz="1600" b="1" dirty="0"/>
               <a:t>Add </a:t>
             </a:r>
             <a:r>
@@ -15480,23 +13737,11 @@
                   <a:srgbClr val="C00000"/>
                 </a:solidFill>
               </a:rPr>
-              <a:t>C:\</a:t>
-            </a:r>
-            <a:r>
-              <a:rPr lang="en-US" sz="1600" b="1" dirty="0" smtClean="0">
-                <a:solidFill>
-                  <a:srgbClr val="C00000"/>
-                </a:solidFill>
-              </a:rPr>
-              <a:t>Ruby200\bin</a:t>
+              <a:t>C:\Ruby22-x64\bin</a:t>
             </a:r>
             <a:r>
               <a:rPr lang="en-US" sz="1600" b="1" dirty="0"/>
-              <a:t> </a:t>
-            </a:r>
-            <a:r>
-              <a:rPr lang="en-US" sz="1600" b="1" dirty="0" smtClean="0"/>
-              <a:t> (or wherever you installed Ruby) to the PATH environment variable.</a:t>
+              <a:t>  (or wherever you installed Ruby) to the PATH environment variable.</a:t>
             </a:r>
           </a:p>
           <a:p>
@@ -15504,12 +13749,8 @@
               <a:buNone/>
             </a:pPr>
             <a:r>
-              <a:rPr lang="en-US" sz="1400" dirty="0" smtClean="0"/>
-              <a:t>From </a:t>
-            </a:r>
-            <a:r>
               <a:rPr lang="en-US" sz="1400" dirty="0"/>
-              <a:t>the desktop, right-click </a:t>
+              <a:t>From the desktop, right-click </a:t>
             </a:r>
             <a:r>
               <a:rPr lang="en-US" sz="1400" b="1" dirty="0"/>
@@ -15533,12 +13774,8 @@
               <a:buNone/>
             </a:pPr>
             <a:r>
-              <a:rPr lang="en-US" sz="1400" dirty="0" smtClean="0"/>
-              <a:t>In </a:t>
-            </a:r>
-            <a:r>
               <a:rPr lang="en-US" sz="1400" dirty="0"/>
-              <a:t>the System Properties window, click on the </a:t>
+              <a:t>In the System Properties window, click on the </a:t>
             </a:r>
             <a:r>
               <a:rPr lang="en-US" sz="1400" b="1" dirty="0"/>
@@ -15546,25 +13783,16 @@
             </a:r>
             <a:r>
               <a:rPr lang="en-US" sz="1400" dirty="0"/>
-              <a:t> tab</a:t>
-            </a:r>
-            <a:r>
-              <a:rPr lang="en-US" sz="1400" dirty="0" smtClean="0"/>
-              <a:t>. </a:t>
-            </a:r>
-            <a:endParaRPr lang="en-US" sz="1400" dirty="0"/>
+              <a:t> tab. </a:t>
+            </a:r>
           </a:p>
           <a:p>
             <a:pPr marL="222250" lvl="1" indent="0">
               <a:buNone/>
             </a:pPr>
             <a:r>
-              <a:rPr lang="en-US" sz="1400" dirty="0" smtClean="0"/>
-              <a:t>In </a:t>
-            </a:r>
-            <a:r>
               <a:rPr lang="en-US" sz="1400" dirty="0"/>
-              <a:t>the Advanced section, click the </a:t>
+              <a:t>In the Advanced section, click the </a:t>
             </a:r>
             <a:r>
               <a:rPr lang="en-US" sz="1400" b="1" dirty="0"/>
@@ -15572,25 +13800,16 @@
             </a:r>
             <a:r>
               <a:rPr lang="en-US" sz="1400" dirty="0"/>
-              <a:t> </a:t>
-            </a:r>
-            <a:r>
-              <a:rPr lang="en-US" sz="1400" dirty="0" smtClean="0"/>
-              <a:t>button.</a:t>
-            </a:r>
-            <a:endParaRPr lang="en-US" sz="1400" dirty="0"/>
+              <a:t> button.</a:t>
+            </a:r>
           </a:p>
           <a:p>
             <a:pPr marL="222250" lvl="1" indent="0">
               <a:buNone/>
             </a:pPr>
             <a:r>
-              <a:rPr lang="en-US" sz="1400" dirty="0" smtClean="0"/>
-              <a:t>Finally</a:t>
-            </a:r>
-            <a:r>
               <a:rPr lang="en-US" sz="1400" dirty="0"/>
-              <a:t>, in the Environment Variables window (as shown below), highlight the </a:t>
+              <a:t>Finally, in the Environment Variables window (as shown below), highlight the </a:t>
             </a:r>
             <a:r>
               <a:rPr lang="en-US" sz="1400" b="1" dirty="0"/>
@@ -15598,15 +13817,7 @@
             </a:r>
             <a:r>
               <a:rPr lang="en-US" sz="1400" dirty="0"/>
-              <a:t> variable in </a:t>
-            </a:r>
-            <a:r>
-              <a:rPr lang="en-US" sz="1400" dirty="0" smtClean="0"/>
-              <a:t> the </a:t>
-            </a:r>
-            <a:r>
-              <a:rPr lang="en-US" sz="1400" dirty="0"/>
-              <a:t>Systems Variable section and click the </a:t>
+              <a:t> variable in the Systems Variable section and click the </a:t>
             </a:r>
             <a:r>
               <a:rPr lang="en-US" sz="1400" b="1" dirty="0"/>
@@ -15622,27 +13833,11 @@
                   <a:srgbClr val="C00000"/>
                 </a:solidFill>
               </a:rPr>
-              <a:t>C:\</a:t>
-            </a:r>
-            <a:r>
-              <a:rPr lang="en-US" sz="1400" dirty="0" smtClean="0">
-                <a:solidFill>
-                  <a:srgbClr val="C00000"/>
-                </a:solidFill>
-              </a:rPr>
-              <a:t>Ruby200\bin</a:t>
-            </a:r>
-            <a:r>
-              <a:rPr lang="en-US" sz="1400" dirty="0" smtClean="0"/>
-              <a:t> </a:t>
+              <a:t>C:\Ruby22-x64\bin</a:t>
             </a:r>
             <a:r>
               <a:rPr lang="en-US" sz="1400" dirty="0"/>
-              <a:t>path lines with the paths you wish the computer to access. Each different directory is separated with a </a:t>
-            </a:r>
-            <a:r>
-              <a:rPr lang="en-US" sz="1400" dirty="0" smtClean="0"/>
-              <a:t>semicolon.</a:t>
+              <a:t> path lines with the paths you wish the computer to access. Each different directory is separated with a semicolon.</a:t>
             </a:r>
           </a:p>
           <a:p>
@@ -15650,27 +13845,31 @@
               <a:buNone/>
             </a:pPr>
             <a:r>
-              <a:rPr lang="en-US" sz="1400" dirty="0" smtClean="0"/>
+              <a:rPr lang="en-US" sz="1400" dirty="0"/>
               <a:t>For example:</a:t>
-            </a:r>
-            <a:r>
-              <a:rPr lang="en-US" sz="1200" dirty="0"/>
-              <a:t/>
             </a:r>
             <a:br>
               <a:rPr lang="en-US" sz="1200" dirty="0"/>
             </a:br>
             <a:r>
-              <a:rPr lang="en-US" sz="1200" dirty="0" smtClean="0"/>
+              <a:rPr lang="en-US" sz="1200" dirty="0"/>
               <a:t>     </a:t>
             </a:r>
             <a:r>
-              <a:rPr lang="en-US" sz="1200" dirty="0" smtClean="0">
+              <a:rPr lang="en-US" sz="1200" dirty="0">
                 <a:solidFill>
                   <a:srgbClr val="C00000"/>
                 </a:solidFill>
               </a:rPr>
-              <a:t>C</a:t>
+              <a:t>C:\Program </a:t>
+            </a:r>
+            <a:r>
+              <a:rPr lang="en-US" sz="1200" dirty="0" err="1">
+                <a:solidFill>
+                  <a:srgbClr val="C00000"/>
+                </a:solidFill>
+              </a:rPr>
+              <a:t>Files;C</a:t>
             </a:r>
             <a:r>
               <a:rPr lang="en-US" sz="1200" dirty="0">
@@ -15678,7 +13877,7 @@
                   <a:srgbClr val="C00000"/>
                 </a:solidFill>
               </a:rPr>
-              <a:t>:\Program </a:t>
+              <a:t>:\</a:t>
             </a:r>
             <a:r>
               <a:rPr lang="en-US" sz="1200" dirty="0" err="1">
@@ -15686,7 +13885,7 @@
                   <a:srgbClr val="C00000"/>
                 </a:solidFill>
               </a:rPr>
-              <a:t>Files;C</a:t>
+              <a:t>Windows;C</a:t>
             </a:r>
             <a:r>
               <a:rPr lang="en-US" sz="1200" dirty="0">
@@ -15694,58 +13893,18 @@
                   <a:srgbClr val="C00000"/>
                 </a:solidFill>
               </a:rPr>
-              <a:t>:\</a:t>
-            </a:r>
-            <a:r>
-              <a:rPr lang="en-US" sz="1200" dirty="0" err="1">
+              <a:t>:\Windows\System32; </a:t>
+            </a:r>
+            <a:r>
+              <a:rPr lang="en-US" sz="1200" b="1" u="sng" dirty="0">
                 <a:solidFill>
                   <a:srgbClr val="C00000"/>
                 </a:solidFill>
               </a:rPr>
-              <a:t>Winnt;C</a:t>
-            </a:r>
-            <a:r>
-              <a:rPr lang="en-US" sz="1200" dirty="0">
-                <a:solidFill>
-                  <a:srgbClr val="C00000"/>
-                </a:solidFill>
-              </a:rPr>
-              <a:t>:\</a:t>
-            </a:r>
-            <a:r>
-              <a:rPr lang="en-US" sz="1200" dirty="0" err="1">
-                <a:solidFill>
-                  <a:srgbClr val="C00000"/>
-                </a:solidFill>
-              </a:rPr>
-              <a:t>Winnt</a:t>
-            </a:r>
-            <a:r>
-              <a:rPr lang="en-US" sz="1200" dirty="0">
-                <a:solidFill>
-                  <a:srgbClr val="C00000"/>
-                </a:solidFill>
-              </a:rPr>
-              <a:t>\System32; </a:t>
-            </a:r>
-            <a:r>
-              <a:rPr lang="en-US" sz="1200" b="1" u="sng" dirty="0">
-                <a:solidFill>
-                  <a:srgbClr val="C00000"/>
-                </a:solidFill>
-              </a:rPr>
-              <a:t>C:\</a:t>
-            </a:r>
-            <a:r>
-              <a:rPr lang="en-US" sz="1200" b="1" u="sng" dirty="0" smtClean="0">
-                <a:solidFill>
-                  <a:srgbClr val="C00000"/>
-                </a:solidFill>
-              </a:rPr>
-              <a:t>Ruby200\bin</a:t>
-            </a:r>
-            <a:r>
-              <a:rPr lang="en-US" sz="1200" b="1" u="sng" dirty="0" smtClean="0"/>
+              <a:t>C:\Ruby22-x64\bin</a:t>
+            </a:r>
+            <a:r>
+              <a:rPr lang="en-US" sz="1200" b="1" u="sng" dirty="0"/>
               <a:t> </a:t>
             </a:r>
             <a:endParaRPr lang="en-US" sz="1200" b="1" u="sng" dirty="0">
@@ -15759,10 +13918,10 @@
             <a:endParaRPr lang="en-US" sz="1600" dirty="0"/>
           </a:p>
           <a:p>
-            <a:endParaRPr lang="en-US" sz="1600" dirty="0" smtClean="0"/>
-          </a:p>
-          <a:p>
-            <a:endParaRPr lang="en-US" sz="1600" dirty="0" smtClean="0"/>
+            <a:endParaRPr lang="en-US" sz="1600" dirty="0"/>
+          </a:p>
+          <a:p>
+            <a:endParaRPr lang="en-US" sz="1600" dirty="0"/>
           </a:p>
         </p:txBody>
       </p:sp>
@@ -15805,13 +13964,6 @@
   <p:clrMapOvr>
     <a:masterClrMapping/>
   </p:clrMapOvr>
-  <p:timing>
-    <p:tnLst>
-      <p:par>
-        <p:cTn id="1" dur="indefinite" restart="never" nodeType="tmRoot"/>
-      </p:par>
-    </p:tnLst>
-  </p:timing>
 </p:sld>
 </file>
 
@@ -15848,18 +14000,9 @@
           <a:lstStyle/>
           <a:p>
             <a:r>
-              <a:rPr lang="en-US" dirty="0" smtClean="0"/>
-              <a:t>Set </a:t>
-            </a:r>
-            <a:r>
               <a:rPr lang="en-US" dirty="0"/>
-              <a:t>up the </a:t>
-            </a:r>
-            <a:r>
-              <a:rPr lang="en-US" dirty="0" smtClean="0"/>
-              <a:t>Environment</a:t>
-            </a:r>
-            <a:endParaRPr lang="en-US" dirty="0"/>
+              <a:t>Set up the Environment</a:t>
+            </a:r>
           </a:p>
         </p:txBody>
       </p:sp>
@@ -15882,27 +14025,15 @@
               <a:buNone/>
             </a:pPr>
             <a:r>
-              <a:rPr lang="en-US" dirty="0" smtClean="0"/>
-              <a:t>Set up </a:t>
-            </a:r>
-            <a:r>
               <a:rPr lang="en-US" dirty="0"/>
-              <a:t>Ruby-OpenStudio </a:t>
-            </a:r>
-            <a:r>
-              <a:rPr lang="en-US" dirty="0" smtClean="0"/>
-              <a:t>Environment on Windows – Cont.</a:t>
-            </a:r>
-            <a:endParaRPr lang="en-US" sz="1600" dirty="0" smtClean="0"/>
+              <a:t>Set up Ruby-OpenStudio Environment on Windows – Cont.</a:t>
+            </a:r>
+            <a:endParaRPr lang="en-US" sz="1600" dirty="0"/>
           </a:p>
           <a:p>
             <a:r>
               <a:rPr lang="en-US" sz="1600" b="1" dirty="0"/>
-              <a:t>Create a text file with the following </a:t>
-            </a:r>
-            <a:r>
-              <a:rPr lang="en-US" sz="1600" b="1" dirty="0" smtClean="0"/>
-              <a:t>content:</a:t>
+              <a:t>Create a text file with the following content:</a:t>
             </a:r>
           </a:p>
           <a:p>
@@ -15910,12 +14041,20 @@
               <a:buNone/>
             </a:pPr>
             <a:r>
-              <a:rPr lang="en-US" sz="1600" dirty="0" smtClean="0">
+              <a:rPr lang="en-US" sz="1600" dirty="0">
                 <a:solidFill>
                   <a:srgbClr val="C00000"/>
                 </a:solidFill>
               </a:rPr>
-              <a:t>               </a:t>
+              <a:t>               require 'C:\Program Files\openStudio-2.7.0\Ruby\</a:t>
+            </a:r>
+            <a:r>
+              <a:rPr lang="en-US" sz="1600" dirty="0" err="1">
+                <a:solidFill>
+                  <a:srgbClr val="C00000"/>
+                </a:solidFill>
+              </a:rPr>
+              <a:t>openstudio.rb</a:t>
             </a:r>
             <a:r>
               <a:rPr lang="en-US" sz="1600" dirty="0">
@@ -15923,7 +14062,17 @@
                   <a:srgbClr val="C00000"/>
                 </a:solidFill>
               </a:rPr>
-              <a:t>require 'C:\Program Files\</a:t>
+              <a:t>'</a:t>
+            </a:r>
+          </a:p>
+          <a:p>
+            <a:r>
+              <a:rPr lang="en-US" sz="1600" b="1" dirty="0"/>
+              <a:t>Save the file as</a:t>
+            </a:r>
+            <a:r>
+              <a:rPr lang="en-US" sz="1600" dirty="0"/>
+              <a:t> </a:t>
             </a:r>
             <a:r>
               <a:rPr lang="en-US" sz="1600" dirty="0" err="1">
@@ -15931,7 +14080,25 @@
                   <a:srgbClr val="C00000"/>
                 </a:solidFill>
               </a:rPr>
-              <a:t>OpenStudio</a:t>
+              <a:t>openstudio.rb</a:t>
+            </a:r>
+            <a:r>
+              <a:rPr lang="en-US" sz="1600" dirty="0"/>
+              <a:t>  </a:t>
+            </a:r>
+            <a:r>
+              <a:rPr lang="en-US" sz="1600" b="1" dirty="0"/>
+              <a:t>at the following directory:</a:t>
+            </a:r>
+            <a:endParaRPr lang="en-US" sz="1600" dirty="0"/>
+          </a:p>
+          <a:p>
+            <a:pPr marL="0" indent="0">
+              <a:buNone/>
+            </a:pPr>
+            <a:r>
+              <a:rPr lang="en-US" sz="1600" dirty="0"/>
+              <a:t>               </a:t>
             </a:r>
             <a:r>
               <a:rPr lang="en-US" sz="1600" dirty="0">
@@ -15939,31 +14106,186 @@
                   <a:srgbClr val="C00000"/>
                 </a:solidFill>
               </a:rPr>
+              <a:t>C:\Ruby22-x64\lib\ruby\site_ruby (next to the 2.2.0 folder).</a:t>
+            </a:r>
+          </a:p>
+          <a:p>
+            <a:r>
+              <a:rPr lang="en-US" sz="1600" b="1" dirty="0"/>
+              <a:t>Install required Ruby gems</a:t>
+            </a:r>
+          </a:p>
+          <a:p>
+            <a:pPr marL="0" indent="0">
+              <a:buNone/>
+            </a:pPr>
+            <a:r>
+              <a:rPr lang="en-US" sz="1600" dirty="0"/>
+              <a:t>     Open </a:t>
+            </a:r>
+            <a:r>
+              <a:rPr lang="en-US" sz="1600" dirty="0" err="1">
+                <a:solidFill>
+                  <a:srgbClr val="C00000"/>
+                </a:solidFill>
+              </a:rPr>
+              <a:t>cmd</a:t>
+            </a:r>
+            <a:r>
+              <a:rPr lang="en-US" sz="1600" dirty="0"/>
+              <a:t> – </a:t>
+            </a:r>
+            <a:r>
+              <a:rPr lang="en-US" sz="1600" dirty="0">
+                <a:solidFill>
+                  <a:srgbClr val="000000"/>
+                </a:solidFill>
+              </a:rPr>
+              <a:t>Click </a:t>
+            </a:r>
+            <a:r>
+              <a:rPr lang="en-US" sz="1600" b="1" dirty="0">
+                <a:solidFill>
+                  <a:srgbClr val="000000"/>
+                </a:solidFill>
+              </a:rPr>
+              <a:t>Start</a:t>
+            </a:r>
+            <a:r>
+              <a:rPr lang="en-US" sz="1600" dirty="0">
+                <a:solidFill>
+                  <a:srgbClr val="000000"/>
+                </a:solidFill>
+              </a:rPr>
+              <a:t>, in the search box type </a:t>
+            </a:r>
+            <a:r>
+              <a:rPr lang="en-US" sz="1600" dirty="0" err="1">
+                <a:solidFill>
+                  <a:srgbClr val="C00000"/>
+                </a:solidFill>
+              </a:rPr>
+              <a:t>cmd</a:t>
+            </a:r>
+            <a:r>
+              <a:rPr lang="en-US" sz="1600" dirty="0">
+                <a:solidFill>
+                  <a:srgbClr val="C00000"/>
+                </a:solidFill>
+              </a:rPr>
               <a:t> </a:t>
             </a:r>
             <a:r>
-              <a:rPr lang="en-US" sz="1600" dirty="0" smtClean="0">
+              <a:rPr lang="en-US" sz="1600" dirty="0">
+                <a:solidFill>
+                  <a:srgbClr val="000000"/>
+                </a:solidFill>
+              </a:rPr>
+              <a:t>and press </a:t>
+            </a:r>
+            <a:r>
+              <a:rPr lang="en-US" sz="1600" b="1" dirty="0">
+                <a:solidFill>
+                  <a:srgbClr val="000000"/>
+                </a:solidFill>
+              </a:rPr>
+              <a:t>Enter</a:t>
+            </a:r>
+          </a:p>
+          <a:p>
+            <a:pPr marL="0" indent="0">
+              <a:buNone/>
+            </a:pPr>
+            <a:r>
+              <a:rPr lang="en-US" sz="1600" dirty="0"/>
+              <a:t>     Type: </a:t>
+            </a:r>
+          </a:p>
+          <a:p>
+            <a:pPr marL="0" indent="0">
+              <a:buNone/>
+            </a:pPr>
+            <a:r>
+              <a:rPr lang="en-US" sz="1600" dirty="0">
                 <a:solidFill>
                   <a:srgbClr val="C00000"/>
                 </a:solidFill>
               </a:rPr>
-              <a:t>1.11.0\Ruby\</a:t>
-            </a:r>
-            <a:r>
-              <a:rPr lang="en-US" sz="1600" dirty="0" err="1" smtClean="0">
+              <a:t>                gem install </a:t>
+            </a:r>
+            <a:r>
+              <a:rPr lang="en-US" sz="1600" dirty="0" err="1">
                 <a:solidFill>
                   <a:srgbClr val="C00000"/>
                 </a:solidFill>
               </a:rPr>
-              <a:t>openstudio.rb</a:t>
-            </a:r>
-            <a:r>
-              <a:rPr lang="en-US" sz="1600" dirty="0" smtClean="0">
+              <a:t>nokogiri</a:t>
+            </a:r>
+            <a:r>
+              <a:rPr lang="en-US" sz="1600" dirty="0">
                 <a:solidFill>
                   <a:srgbClr val="C00000"/>
                 </a:solidFill>
               </a:rPr>
-              <a:t>'</a:t>
+              <a:t> -v 1.9.1 </a:t>
+            </a:r>
+          </a:p>
+          <a:p>
+            <a:pPr marL="0" indent="0">
+              <a:buNone/>
+            </a:pPr>
+            <a:r>
+              <a:rPr lang="en-US" sz="1600" dirty="0">
+                <a:solidFill>
+                  <a:srgbClr val="C00000"/>
+                </a:solidFill>
+              </a:rPr>
+              <a:t>                gem install </a:t>
+            </a:r>
+            <a:r>
+              <a:rPr lang="en-US" sz="1600" dirty="0" err="1">
+                <a:solidFill>
+                  <a:srgbClr val="C00000"/>
+                </a:solidFill>
+              </a:rPr>
+              <a:t>rubyXL</a:t>
+            </a:r>
+            <a:r>
+              <a:rPr lang="en-US" sz="1600" dirty="0">
+                <a:solidFill>
+                  <a:srgbClr val="C00000"/>
+                </a:solidFill>
+              </a:rPr>
+              <a:t>     </a:t>
+            </a:r>
+            <a:r>
+              <a:rPr lang="en-US" sz="1600" i="1" dirty="0">
+                <a:solidFill>
+                  <a:schemeClr val="tx2"/>
+                </a:solidFill>
+              </a:rPr>
+              <a:t>(note that capitalization is important!)</a:t>
+            </a:r>
+          </a:p>
+          <a:p>
+            <a:pPr marL="0" indent="0">
+              <a:buNone/>
+            </a:pPr>
+            <a:r>
+              <a:rPr lang="en-US" sz="1600" dirty="0">
+                <a:solidFill>
+                  <a:srgbClr val="C00000"/>
+                </a:solidFill>
+              </a:rPr>
+              <a:t>                gem install </a:t>
+            </a:r>
+            <a:r>
+              <a:rPr lang="en-US" sz="1600" dirty="0" err="1">
+                <a:solidFill>
+                  <a:srgbClr val="C00000"/>
+                </a:solidFill>
+              </a:rPr>
+              <a:t>rinruby</a:t>
             </a:r>
             <a:endParaRPr lang="en-US" sz="1600" dirty="0">
               <a:solidFill>
@@ -15972,346 +14294,85 @@
             </a:endParaRPr>
           </a:p>
           <a:p>
-            <a:r>
-              <a:rPr lang="en-US" sz="1600" b="1" dirty="0" smtClean="0"/>
-              <a:t>Save </a:t>
-            </a:r>
+            <a:pPr marL="0" indent="0">
+              <a:buNone/>
+            </a:pPr>
+            <a:r>
+              <a:rPr lang="en-US" sz="1600" dirty="0">
+                <a:solidFill>
+                  <a:srgbClr val="C00000"/>
+                </a:solidFill>
+              </a:rPr>
+              <a:t>                gem install parallel</a:t>
+            </a:r>
+          </a:p>
+          <a:p>
+            <a:pPr marL="0" indent="0">
+              <a:buNone/>
+            </a:pPr>
+            <a:r>
+              <a:rPr lang="en-US" sz="1600" dirty="0">
+                <a:solidFill>
+                  <a:srgbClr val="C00000"/>
+                </a:solidFill>
+              </a:rPr>
+              <a:t>                gem install ruby-</a:t>
+            </a:r>
+            <a:r>
+              <a:rPr lang="en-US" sz="1600" dirty="0" err="1">
+                <a:solidFill>
+                  <a:srgbClr val="C00000"/>
+                </a:solidFill>
+              </a:rPr>
+              <a:t>progressbar</a:t>
+            </a:r>
+            <a:endParaRPr lang="en-US" sz="1600" dirty="0">
+              <a:solidFill>
+                <a:srgbClr val="C00000"/>
+              </a:solidFill>
+            </a:endParaRPr>
+          </a:p>
+          <a:p>
+            <a:pPr marL="0" indent="0">
+              <a:buNone/>
+            </a:pPr>
+            <a:r>
+              <a:rPr lang="en-US" sz="1600" dirty="0"/>
+              <a:t>  </a:t>
+            </a:r>
+          </a:p>
+          <a:p>
             <a:r>
               <a:rPr lang="en-US" sz="1600" b="1" dirty="0"/>
-              <a:t>the file as</a:t>
+              <a:t>Note</a:t>
             </a:r>
             <a:r>
               <a:rPr lang="en-US" sz="1600" dirty="0"/>
-              <a:t> </a:t>
-            </a:r>
-            <a:r>
-              <a:rPr lang="en-US" sz="1600" dirty="0" err="1">
+              <a:t>: Here we assume OpenStudio and Ruby are installed in the default directory under  the</a:t>
+            </a:r>
+          </a:p>
+          <a:p>
+            <a:pPr marL="0" indent="0">
+              <a:buNone/>
+            </a:pPr>
+            <a:r>
+              <a:rPr lang="en-US" sz="1600" b="1" dirty="0">
                 <a:solidFill>
                   <a:srgbClr val="C00000"/>
                 </a:solidFill>
               </a:rPr>
-              <a:t>openstudio.rb</a:t>
+              <a:t>                C: \ drive</a:t>
             </a:r>
             <a:r>
               <a:rPr lang="en-US" sz="1600" dirty="0"/>
-              <a:t> </a:t>
-            </a:r>
-            <a:r>
-              <a:rPr lang="en-US" sz="1600" dirty="0" smtClean="0"/>
-              <a:t> </a:t>
-            </a:r>
-            <a:r>
-              <a:rPr lang="en-US" sz="1600" b="1" dirty="0" smtClean="0"/>
-              <a:t>at the following directory:</a:t>
-            </a:r>
-            <a:endParaRPr lang="en-US" sz="1600" dirty="0" smtClean="0"/>
-          </a:p>
-          <a:p>
-            <a:pPr marL="0" indent="0">
-              <a:buNone/>
-            </a:pPr>
-            <a:r>
-              <a:rPr lang="en-US" sz="1600" dirty="0"/>
-              <a:t> </a:t>
-            </a:r>
-            <a:r>
-              <a:rPr lang="en-US" sz="1600" dirty="0" smtClean="0"/>
-              <a:t>             </a:t>
-            </a:r>
-            <a:r>
-              <a:rPr lang="en-US" sz="1600" dirty="0"/>
-              <a:t> </a:t>
-            </a:r>
-            <a:r>
-              <a:rPr lang="en-US" sz="1600" dirty="0">
-                <a:solidFill>
-                  <a:srgbClr val="C00000"/>
-                </a:solidFill>
-              </a:rPr>
-              <a:t>C:\</a:t>
-            </a:r>
-            <a:r>
-              <a:rPr lang="en-US" sz="1600" dirty="0" smtClean="0">
-                <a:solidFill>
-                  <a:srgbClr val="C00000"/>
-                </a:solidFill>
-              </a:rPr>
-              <a:t>Ruby200\lib\ruby\site_ruby</a:t>
-            </a:r>
-            <a:r>
-              <a:rPr lang="en-US" sz="1600" dirty="0">
-                <a:solidFill>
-                  <a:srgbClr val="C00000"/>
-                </a:solidFill>
-              </a:rPr>
-              <a:t> (next to the </a:t>
-            </a:r>
-            <a:r>
-              <a:rPr lang="en-US" sz="1600" dirty="0" smtClean="0">
-                <a:solidFill>
-                  <a:srgbClr val="C00000"/>
-                </a:solidFill>
-              </a:rPr>
-              <a:t>2.3.0</a:t>
-            </a:r>
-            <a:r>
-              <a:rPr lang="en-US" sz="1600" dirty="0">
-                <a:solidFill>
-                  <a:srgbClr val="C00000"/>
-                </a:solidFill>
-              </a:rPr>
-              <a:t> folder).</a:t>
-            </a:r>
-          </a:p>
-          <a:p>
-            <a:r>
-              <a:rPr lang="en-US" sz="1600" b="1" dirty="0" smtClean="0"/>
-              <a:t>Install </a:t>
-            </a:r>
-            <a:r>
-              <a:rPr lang="en-US" sz="1600" b="1" dirty="0" err="1" smtClean="0"/>
-              <a:t>RubyXL</a:t>
-            </a:r>
-            <a:endParaRPr lang="en-US" sz="1600" b="1" dirty="0" smtClean="0"/>
-          </a:p>
-          <a:p>
-            <a:pPr marL="0" indent="0">
-              <a:buNone/>
-            </a:pPr>
-            <a:r>
-              <a:rPr lang="en-US" sz="1600" dirty="0"/>
-              <a:t> </a:t>
-            </a:r>
-            <a:r>
-              <a:rPr lang="en-US" sz="1600" dirty="0" smtClean="0"/>
-              <a:t>    Open </a:t>
-            </a:r>
-            <a:r>
-              <a:rPr lang="en-US" sz="1600" dirty="0" err="1" smtClean="0">
-                <a:solidFill>
-                  <a:srgbClr val="C00000"/>
-                </a:solidFill>
-              </a:rPr>
-              <a:t>cmd</a:t>
-            </a:r>
-            <a:r>
-              <a:rPr lang="en-US" sz="1600" dirty="0" smtClean="0"/>
-              <a:t> – </a:t>
-            </a:r>
-            <a:r>
-              <a:rPr lang="en-US" sz="1600" dirty="0">
-                <a:solidFill>
-                  <a:srgbClr val="000000"/>
-                </a:solidFill>
-              </a:rPr>
-              <a:t>Click </a:t>
-            </a:r>
-            <a:r>
-              <a:rPr lang="en-US" sz="1600" b="1" dirty="0">
-                <a:solidFill>
-                  <a:srgbClr val="000000"/>
-                </a:solidFill>
-              </a:rPr>
-              <a:t>Start</a:t>
-            </a:r>
-            <a:r>
-              <a:rPr lang="en-US" sz="1600" dirty="0">
-                <a:solidFill>
-                  <a:srgbClr val="000000"/>
-                </a:solidFill>
-              </a:rPr>
-              <a:t>, in the search box type </a:t>
-            </a:r>
-            <a:r>
-              <a:rPr lang="en-US" sz="1600" dirty="0" err="1">
-                <a:solidFill>
-                  <a:srgbClr val="C00000"/>
-                </a:solidFill>
-              </a:rPr>
-              <a:t>cmd</a:t>
-            </a:r>
-            <a:r>
-              <a:rPr lang="en-US" sz="1600" dirty="0">
-                <a:solidFill>
-                  <a:srgbClr val="C00000"/>
-                </a:solidFill>
-              </a:rPr>
-              <a:t> </a:t>
-            </a:r>
-            <a:r>
-              <a:rPr lang="en-US" sz="1600" dirty="0">
-                <a:solidFill>
-                  <a:srgbClr val="000000"/>
-                </a:solidFill>
-              </a:rPr>
-              <a:t>and press </a:t>
-            </a:r>
-            <a:r>
-              <a:rPr lang="en-US" sz="1600" b="1" dirty="0">
-                <a:solidFill>
-                  <a:srgbClr val="000000"/>
-                </a:solidFill>
-              </a:rPr>
-              <a:t>Enter</a:t>
-            </a:r>
-          </a:p>
-          <a:p>
-            <a:pPr marL="0" indent="0">
-              <a:buNone/>
-            </a:pPr>
-            <a:r>
-              <a:rPr lang="en-US" sz="1600" dirty="0"/>
-              <a:t> </a:t>
-            </a:r>
-            <a:r>
-              <a:rPr lang="en-US" sz="1600" dirty="0" smtClean="0"/>
-              <a:t>    Type: </a:t>
-            </a:r>
-          </a:p>
-          <a:p>
-            <a:pPr marL="0" indent="0">
-              <a:buNone/>
-            </a:pPr>
-            <a:r>
-              <a:rPr lang="en-US" sz="1600" dirty="0"/>
-              <a:t> </a:t>
-            </a:r>
-            <a:r>
-              <a:rPr lang="en-US" sz="1600" dirty="0" smtClean="0"/>
-              <a:t>               </a:t>
-            </a:r>
-            <a:r>
-              <a:rPr lang="en-US" sz="1600" dirty="0" smtClean="0">
-                <a:solidFill>
-                  <a:srgbClr val="C00000"/>
-                </a:solidFill>
-              </a:rPr>
-              <a:t>gem install </a:t>
-            </a:r>
-            <a:r>
-              <a:rPr lang="en-US" sz="1600" dirty="0" err="1" smtClean="0">
-                <a:solidFill>
-                  <a:srgbClr val="C00000"/>
-                </a:solidFill>
-              </a:rPr>
-              <a:t>rubyXL</a:t>
-            </a:r>
-            <a:r>
-              <a:rPr lang="en-US" sz="1600" dirty="0" smtClean="0">
-                <a:solidFill>
-                  <a:srgbClr val="C00000"/>
-                </a:solidFill>
-              </a:rPr>
-              <a:t>     </a:t>
-            </a:r>
-            <a:r>
-              <a:rPr lang="en-US" sz="1600" i="1" dirty="0" smtClean="0">
-                <a:solidFill>
-                  <a:schemeClr val="tx2"/>
-                </a:solidFill>
-              </a:rPr>
-              <a:t>(note that capitalization is important!)</a:t>
-            </a:r>
-          </a:p>
-          <a:p>
-            <a:pPr marL="0" indent="0">
-              <a:buNone/>
-            </a:pPr>
-            <a:r>
-              <a:rPr lang="en-US" sz="1600" dirty="0"/>
-              <a:t> </a:t>
-            </a:r>
-            <a:r>
-              <a:rPr lang="en-US" sz="1600" dirty="0" smtClean="0"/>
-              <a:t> </a:t>
-            </a:r>
+              <a:t>. Change if you have them installed in other drives.</a:t>
+            </a:r>
+          </a:p>
+          <a:p>
             <a:endParaRPr lang="en-US" sz="1600" dirty="0"/>
           </a:p>
           <a:p>
-            <a:r>
-              <a:rPr lang="en-US" sz="1600" b="1" dirty="0" smtClean="0"/>
-              <a:t>Note</a:t>
-            </a:r>
-            <a:r>
-              <a:rPr lang="en-US" sz="1600" dirty="0" smtClean="0"/>
-              <a:t>: </a:t>
-            </a:r>
-            <a:r>
-              <a:rPr lang="en-US" sz="1600" dirty="0"/>
-              <a:t>Here we assume </a:t>
-            </a:r>
-            <a:r>
-              <a:rPr lang="en-US" sz="1600" dirty="0" smtClean="0"/>
-              <a:t>OpenStudio and Ruby are </a:t>
-            </a:r>
-            <a:r>
-              <a:rPr lang="en-US" sz="1600" dirty="0"/>
-              <a:t>installed in the default directory under </a:t>
-            </a:r>
-            <a:r>
-              <a:rPr lang="en-US" sz="1600" dirty="0" smtClean="0"/>
-              <a:t> the</a:t>
-            </a:r>
-          </a:p>
-          <a:p>
-            <a:pPr marL="0" indent="0">
-              <a:buNone/>
-            </a:pPr>
-            <a:r>
-              <a:rPr lang="en-US" sz="1600" b="1" dirty="0">
-                <a:solidFill>
-                  <a:srgbClr val="C00000"/>
-                </a:solidFill>
-              </a:rPr>
-              <a:t> </a:t>
-            </a:r>
-            <a:r>
-              <a:rPr lang="en-US" sz="1600" b="1" dirty="0" smtClean="0">
-                <a:solidFill>
-                  <a:srgbClr val="C00000"/>
-                </a:solidFill>
-              </a:rPr>
-              <a:t>               C</a:t>
-            </a:r>
-            <a:r>
-              <a:rPr lang="en-US" sz="1600" b="1" dirty="0">
-                <a:solidFill>
-                  <a:srgbClr val="C00000"/>
-                </a:solidFill>
-              </a:rPr>
-              <a:t>: </a:t>
-            </a:r>
-            <a:r>
-              <a:rPr lang="en-US" sz="1600" b="1" dirty="0" smtClean="0">
-                <a:solidFill>
-                  <a:srgbClr val="C00000"/>
-                </a:solidFill>
-              </a:rPr>
-              <a:t>\ drive</a:t>
-            </a:r>
-            <a:r>
-              <a:rPr lang="en-US" sz="1600" dirty="0"/>
-              <a:t>. Change if you </a:t>
-            </a:r>
-            <a:r>
-              <a:rPr lang="en-US" sz="1600" dirty="0" smtClean="0"/>
-              <a:t>have them installed in </a:t>
-            </a:r>
-            <a:r>
-              <a:rPr lang="en-US" sz="1600" dirty="0"/>
-              <a:t>other </a:t>
-            </a:r>
-            <a:r>
-              <a:rPr lang="en-US" sz="1600" dirty="0" smtClean="0"/>
-              <a:t>drives.</a:t>
-            </a:r>
             <a:endParaRPr lang="en-US" sz="1600" dirty="0"/>
-          </a:p>
-          <a:p>
-            <a:endParaRPr lang="en-US" sz="1600" dirty="0" smtClean="0"/>
-          </a:p>
-          <a:p>
-            <a:endParaRPr lang="en-US" sz="1600" dirty="0" smtClean="0"/>
           </a:p>
           <a:p>
             <a:endParaRPr lang="en-US" dirty="0"/>
@@ -16453,7 +14514,7 @@
                 <a:buNone/>
                 <a:tabLst/>
               </a:pPr>
-              <a:endParaRPr kumimoji="0" lang="en-US" sz="1800" b="0" i="0" u="none" strike="noStrike" cap="none" normalizeH="0" baseline="0" smtClean="0">
+              <a:endParaRPr kumimoji="0" lang="en-US" sz="1800" b="0" i="0" u="none" strike="noStrike" cap="none" normalizeH="0" baseline="0">
                 <a:ln>
                   <a:noFill/>
                 </a:ln>
@@ -16549,7 +14610,7 @@
               <a:tabLst/>
             </a:pPr>
             <a:r>
-              <a:rPr kumimoji="0" lang="en-US" sz="1000" b="0" i="0" u="none" strike="noStrike" cap="none" normalizeH="0" baseline="0" dirty="0" smtClean="0">
+              <a:rPr kumimoji="0" lang="en-US" sz="1000" b="0" i="0" u="none" strike="noStrike" cap="none" normalizeH="0" baseline="0" dirty="0">
                 <a:ln>
                   <a:noFill/>
                 </a:ln>
@@ -16562,7 +14623,7 @@
               <a:t>Need to be consistent</a:t>
             </a:r>
             <a:r>
-              <a:rPr kumimoji="0" lang="en-US" sz="1000" b="0" i="0" u="none" strike="noStrike" cap="none" normalizeH="0" dirty="0" smtClean="0">
+              <a:rPr kumimoji="0" lang="en-US" sz="1000" b="0" i="0" u="none" strike="noStrike" cap="none" normalizeH="0" dirty="0">
                 <a:ln>
                   <a:noFill/>
                 </a:ln>
@@ -16575,7 +14636,7 @@
               <a:t> with the current </a:t>
             </a:r>
             <a:r>
-              <a:rPr kumimoji="0" lang="en-US" sz="1000" b="0" i="0" u="none" strike="noStrike" cap="none" normalizeH="0" dirty="0" err="1" smtClean="0">
+              <a:rPr kumimoji="0" lang="en-US" sz="1000" b="0" i="0" u="none" strike="noStrike" cap="none" normalizeH="0" dirty="0" err="1">
                 <a:ln>
                   <a:noFill/>
                 </a:ln>
@@ -16588,7 +14649,7 @@
               <a:t>OpenStudio</a:t>
             </a:r>
             <a:r>
-              <a:rPr kumimoji="0" lang="en-US" sz="1000" b="0" i="0" u="none" strike="noStrike" cap="none" normalizeH="0" dirty="0" smtClean="0">
+              <a:rPr kumimoji="0" lang="en-US" sz="1000" b="0" i="0" u="none" strike="noStrike" cap="none" normalizeH="0" dirty="0">
                 <a:ln>
                   <a:noFill/>
                 </a:ln>
@@ -16600,7 +14661,7 @@
               </a:rPr>
               <a:t> version installed on your computer</a:t>
             </a:r>
-            <a:endParaRPr kumimoji="0" lang="en-US" sz="1000" b="0" i="0" u="none" strike="noStrike" cap="none" normalizeH="0" baseline="0" dirty="0" smtClean="0">
+            <a:endParaRPr kumimoji="0" lang="en-US" sz="1000" b="0" i="0" u="none" strike="noStrike" cap="none" normalizeH="0" baseline="0" dirty="0">
               <a:ln>
                 <a:noFill/>
               </a:ln>
@@ -16623,13 +14684,6 @@
   <p:clrMapOvr>
     <a:masterClrMapping/>
   </p:clrMapOvr>
-  <p:timing>
-    <p:tnLst>
-      <p:par>
-        <p:cTn id="1" dur="indefinite" restart="never" nodeType="tmRoot"/>
-      </p:par>
-    </p:tnLst>
-  </p:timing>
 </p:sld>
 </file>
 
@@ -16692,19 +14746,7 @@
             </a:pPr>
             <a:r>
               <a:rPr lang="en-US" sz="2400" dirty="0"/>
-              <a:t>Set up Ruby-OpenStudio Environment </a:t>
-            </a:r>
-            <a:r>
-              <a:rPr lang="en-US" sz="2400" dirty="0" smtClean="0"/>
-              <a:t>on </a:t>
-            </a:r>
-            <a:r>
-              <a:rPr lang="en-US" sz="2400" dirty="0"/>
-              <a:t>Mac OS </a:t>
-            </a:r>
-            <a:r>
-              <a:rPr lang="en-US" sz="2400" dirty="0" smtClean="0"/>
-              <a:t>X /Linux </a:t>
+              <a:t>Set up Ruby-OpenStudio Environment on Mac OS X /Linux </a:t>
             </a:r>
             <a:r>
               <a:rPr lang="en-US" dirty="0"/>
@@ -16720,37 +14762,26 @@
               <a:rPr lang="en-US" sz="1600" dirty="0"/>
               <a:t>  </a:t>
             </a:r>
-            <a:endParaRPr lang="en-US" sz="1600" dirty="0" smtClean="0"/>
           </a:p>
           <a:p>
             <a:pPr marL="222250" lvl="1" indent="0">
               <a:buNone/>
             </a:pPr>
-            <a:r>
-              <a:rPr lang="en-US" sz="1600" dirty="0" smtClean="0">
-                <a:hlinkClick r:id="rId2"/>
-              </a:rPr>
-              <a:t>https</a:t>
-            </a:r>
             <a:r>
               <a:rPr lang="en-US" sz="1600" dirty="0">
                 <a:hlinkClick r:id="rId2"/>
               </a:rPr>
-              <a:t>://rvm.io/rvm/install </a:t>
-            </a:r>
-            <a:endParaRPr lang="en-US" sz="1600" dirty="0" smtClean="0"/>
+              <a:t>https://rvm.io/rvm/install </a:t>
+            </a:r>
+            <a:endParaRPr lang="en-US" sz="1600" dirty="0"/>
           </a:p>
           <a:p>
             <a:pPr marL="222250" lvl="1" indent="0">
               <a:buNone/>
             </a:pPr>
             <a:r>
-              <a:rPr lang="en-US" sz="1600" dirty="0" smtClean="0"/>
-              <a:t>- </a:t>
-            </a:r>
-            <a:r>
               <a:rPr lang="en-US" sz="1600" dirty="0"/>
-              <a:t>RVM is a command-line tool which allows you to easily install, manage, and work with multiple ruby environments from interpreters to sets of gems.  </a:t>
+              <a:t>- RVM is a command-line tool which allows you to easily install, manage, and work with multiple ruby environments from interpreters to sets of gems.  </a:t>
             </a:r>
           </a:p>
           <a:p>
@@ -16758,12 +14789,8 @@
               <a:buNone/>
             </a:pPr>
             <a:r>
-              <a:rPr lang="en-US" sz="1600" dirty="0" smtClean="0"/>
-              <a:t>                    # </a:t>
-            </a:r>
-            <a:r>
               <a:rPr lang="en-US" sz="1600" dirty="0"/>
-              <a:t>Pre-Install   </a:t>
+              <a:t>                    # Pre-Install   </a:t>
             </a:r>
           </a:p>
           <a:p>
@@ -16771,7 +14798,7 @@
               <a:buNone/>
             </a:pPr>
             <a:r>
-              <a:rPr lang="en-US" sz="1600" dirty="0" smtClean="0">
+              <a:rPr lang="en-US" sz="1600" dirty="0">
                 <a:solidFill>
                   <a:srgbClr val="C00000"/>
                 </a:solidFill>
@@ -16779,7 +14806,7 @@
               <a:t>                    </a:t>
             </a:r>
             <a:r>
-              <a:rPr lang="en-US" sz="1600" dirty="0" err="1" smtClean="0">
+              <a:rPr lang="en-US" sz="1600" dirty="0" err="1">
                 <a:solidFill>
                   <a:srgbClr val="C00000"/>
                 </a:solidFill>
@@ -16787,236 +14814,54 @@
               <a:t>gpg</a:t>
             </a:r>
             <a:r>
-              <a:rPr lang="en-US" sz="1600" dirty="0" smtClean="0">
+              <a:rPr lang="en-US" sz="1600" dirty="0">
                 <a:solidFill>
                   <a:srgbClr val="C00000"/>
                 </a:solidFill>
               </a:rPr>
+              <a:t> --</a:t>
+            </a:r>
+            <a:r>
+              <a:rPr lang="en-US" sz="1600" dirty="0" err="1">
+                <a:solidFill>
+                  <a:srgbClr val="C00000"/>
+                </a:solidFill>
+              </a:rPr>
+              <a:t>keyserver</a:t>
+            </a:r>
+            <a:r>
+              <a:rPr lang="en-US" sz="1600" dirty="0">
+                <a:solidFill>
+                  <a:srgbClr val="C00000"/>
+                </a:solidFill>
+              </a:rPr>
               <a:t> </a:t>
             </a:r>
             <a:r>
-              <a:rPr lang="en-US" sz="1600" dirty="0">
+              <a:rPr lang="en-US" altLang="en-US" sz="1600" dirty="0">
                 <a:solidFill>
                   <a:srgbClr val="C00000"/>
                 </a:solidFill>
               </a:rPr>
-              <a:t>--</a:t>
-            </a:r>
-            <a:r>
-              <a:rPr lang="en-US" sz="1600" dirty="0" err="1">
+              <a:t>hkp://pool.sks-keyservers.net --</a:t>
+            </a:r>
+            <a:r>
+              <a:rPr lang="en-US" altLang="en-US" sz="1600" dirty="0" err="1">
                 <a:solidFill>
                   <a:srgbClr val="C00000"/>
                 </a:solidFill>
               </a:rPr>
-              <a:t>keyserver</a:t>
-            </a:r>
-            <a:r>
-              <a:rPr lang="en-US" sz="1600" dirty="0">
+              <a:t>recv</a:t>
+            </a:r>
+            <a:r>
+              <a:rPr lang="en-US" altLang="en-US" sz="1600" dirty="0">
                 <a:solidFill>
                   <a:srgbClr val="C00000"/>
                 </a:solidFill>
               </a:rPr>
-              <a:t> hkp://keys.gnupg.net --</a:t>
-            </a:r>
-            <a:r>
-              <a:rPr lang="en-US" sz="1600" dirty="0" err="1">
-                <a:solidFill>
-                  <a:srgbClr val="C00000"/>
-                </a:solidFill>
-              </a:rPr>
-              <a:t>recv</a:t>
-            </a:r>
-            <a:r>
-              <a:rPr lang="en-US" sz="1600" dirty="0">
-                <a:solidFill>
-                  <a:srgbClr val="C00000"/>
-                </a:solidFill>
-              </a:rPr>
-              <a:t>-keys </a:t>
-            </a:r>
-            <a:r>
-              <a:rPr lang="en-US" sz="1600" dirty="0" smtClean="0">
-                <a:solidFill>
-                  <a:srgbClr val="C00000"/>
-                </a:solidFill>
-              </a:rPr>
-              <a:t>     </a:t>
-            </a:r>
-          </a:p>
-          <a:p>
-            <a:pPr marL="0" indent="0">
-              <a:buNone/>
-            </a:pPr>
-            <a:r>
-              <a:rPr lang="en-US" sz="1600" dirty="0">
-                <a:solidFill>
-                  <a:srgbClr val="C00000"/>
-                </a:solidFill>
-              </a:rPr>
-              <a:t> </a:t>
-            </a:r>
-            <a:r>
-              <a:rPr lang="en-US" sz="1600" dirty="0" smtClean="0">
-                <a:solidFill>
-                  <a:srgbClr val="C00000"/>
-                </a:solidFill>
-              </a:rPr>
-              <a:t>                   409B6B1796C275462A1703113804BB82D39DC0E3</a:t>
-            </a:r>
-            <a:r>
-              <a:rPr lang="en-US" sz="1600" dirty="0">
-                <a:solidFill>
-                  <a:srgbClr val="C00000"/>
-                </a:solidFill>
-              </a:rPr>
-              <a:t> </a:t>
-            </a:r>
-            <a:r>
-              <a:rPr lang="en-US" sz="1600" dirty="0"/>
-              <a:t> </a:t>
-            </a:r>
-          </a:p>
-          <a:p>
-            <a:pPr marL="0" indent="0">
-              <a:buNone/>
-            </a:pPr>
-            <a:r>
-              <a:rPr lang="en-US" sz="1600" dirty="0" smtClean="0"/>
-              <a:t>                    # </a:t>
-            </a:r>
-            <a:r>
-              <a:rPr lang="en-US" sz="1600" dirty="0"/>
-              <a:t>Install Stable Version with Ruby   </a:t>
-            </a:r>
-          </a:p>
-          <a:p>
-            <a:pPr marL="0" indent="0">
-              <a:buNone/>
-            </a:pPr>
-            <a:r>
-              <a:rPr lang="en-US" sz="1600" dirty="0" smtClean="0">
-                <a:solidFill>
-                  <a:srgbClr val="C00000"/>
-                </a:solidFill>
-              </a:rPr>
-              <a:t>                    \</a:t>
-            </a:r>
-            <a:r>
-              <a:rPr lang="en-US" sz="1600" dirty="0">
-                <a:solidFill>
-                  <a:srgbClr val="C00000"/>
-                </a:solidFill>
-              </a:rPr>
-              <a:t>curl -</a:t>
-            </a:r>
-            <a:r>
-              <a:rPr lang="en-US" sz="1600" dirty="0" err="1">
-                <a:solidFill>
-                  <a:srgbClr val="C00000"/>
-                </a:solidFill>
-              </a:rPr>
-              <a:t>sSL</a:t>
-            </a:r>
-            <a:r>
-              <a:rPr lang="en-US" sz="1600" dirty="0">
-                <a:solidFill>
-                  <a:srgbClr val="C00000"/>
-                </a:solidFill>
-              </a:rPr>
-              <a:t> </a:t>
-            </a:r>
-            <a:r>
-              <a:rPr lang="en-US" sz="1600" dirty="0">
-                <a:solidFill>
-                  <a:srgbClr val="C00000"/>
-                </a:solidFill>
-                <a:hlinkClick r:id="rId3"/>
-              </a:rPr>
-              <a:t>https://get.rvm.io</a:t>
-            </a:r>
-            <a:r>
-              <a:rPr lang="en-US" sz="1600" dirty="0">
-                <a:solidFill>
-                  <a:srgbClr val="C00000"/>
-                </a:solidFill>
-              </a:rPr>
-              <a:t> | bash -s stable --ruby  </a:t>
-            </a:r>
-          </a:p>
-          <a:p>
-            <a:pPr marL="0" indent="0">
-              <a:buNone/>
-            </a:pPr>
-            <a:r>
-              <a:rPr lang="en-US" sz="1600" dirty="0" smtClean="0"/>
-              <a:t>                    # </a:t>
-            </a:r>
-            <a:r>
-              <a:rPr lang="en-US" sz="1600" dirty="0"/>
-              <a:t>Add </a:t>
-            </a:r>
-            <a:r>
-              <a:rPr lang="en-US" sz="1600" dirty="0" err="1"/>
-              <a:t>rvm</a:t>
-            </a:r>
-            <a:r>
-              <a:rPr lang="en-US" sz="1600" dirty="0"/>
-              <a:t> to command line function  </a:t>
-            </a:r>
-          </a:p>
-          <a:p>
-            <a:pPr marL="0" indent="0">
-              <a:buNone/>
-            </a:pPr>
-            <a:r>
-              <a:rPr lang="en-US" sz="1600" dirty="0" smtClean="0">
-                <a:solidFill>
-                  <a:srgbClr val="C00000"/>
-                </a:solidFill>
-              </a:rPr>
-              <a:t>                    source </a:t>
-            </a:r>
-            <a:r>
-              <a:rPr lang="en-US" sz="1600" dirty="0">
-                <a:solidFill>
-                  <a:srgbClr val="C00000"/>
-                </a:solidFill>
-              </a:rPr>
-              <a:t>~/.</a:t>
-            </a:r>
-            <a:r>
-              <a:rPr lang="en-US" sz="1600" dirty="0" err="1">
-                <a:solidFill>
-                  <a:srgbClr val="C00000"/>
-                </a:solidFill>
-              </a:rPr>
-              <a:t>rvm</a:t>
-            </a:r>
-            <a:r>
-              <a:rPr lang="en-US" sz="1600" dirty="0">
-                <a:solidFill>
-                  <a:srgbClr val="C00000"/>
-                </a:solidFill>
-              </a:rPr>
-              <a:t>/scripts/</a:t>
-            </a:r>
-            <a:r>
-              <a:rPr lang="en-US" sz="1600" dirty="0" err="1">
-                <a:solidFill>
-                  <a:srgbClr val="C00000"/>
-                </a:solidFill>
-              </a:rPr>
-              <a:t>rvm</a:t>
-            </a:r>
-            <a:r>
-              <a:rPr lang="en-US" sz="1600" dirty="0">
-                <a:solidFill>
-                  <a:srgbClr val="C00000"/>
-                </a:solidFill>
-              </a:rPr>
-              <a:t>  </a:t>
-            </a:r>
-            <a:endParaRPr lang="en-US" sz="1600" dirty="0" smtClean="0">
+              <a:t>-keys</a:t>
+            </a:r>
+            <a:endParaRPr lang="en-US" sz="1600" dirty="0">
               <a:solidFill>
                 <a:srgbClr val="C00000"/>
               </a:solidFill>
@@ -17027,15 +14872,180 @@
               <a:buNone/>
             </a:pPr>
             <a:r>
-              <a:rPr lang="en-US" sz="1600" dirty="0" smtClean="0">
+              <a:rPr lang="en-US" sz="1600" dirty="0">
                 <a:solidFill>
                   <a:srgbClr val="C00000"/>
                 </a:solidFill>
               </a:rPr>
+              <a:t>                    409B6B1796C275462A1703113804BB82D39DC0E3</a:t>
+            </a:r>
+          </a:p>
+          <a:p>
+            <a:pPr marL="0" indent="0">
+              <a:buNone/>
+            </a:pPr>
+            <a:r>
+              <a:rPr lang="en-US" altLang="en-US" sz="1600" dirty="0">
+                <a:solidFill>
+                  <a:srgbClr val="C00000"/>
+                </a:solidFill>
+              </a:rPr>
+              <a:t>	7D2BAF1CF37B13E2069D6956105BD0E739499BDB</a:t>
+            </a:r>
+            <a:r>
+              <a:rPr lang="en-US" altLang="en-US" sz="1600" dirty="0">
+                <a:solidFill>
+                  <a:srgbClr val="000000"/>
+                </a:solidFill>
+                <a:latin typeface="Arial Unicode MS"/>
+                <a:ea typeface="Courier New" panose="02070309020205020404" pitchFamily="49" charset="0"/>
+              </a:rPr>
+              <a:t> </a:t>
+            </a:r>
+            <a:r>
+              <a:rPr lang="en-US" sz="1600" dirty="0">
+                <a:solidFill>
+                  <a:srgbClr val="C00000"/>
+                </a:solidFill>
+              </a:rPr>
+              <a:t> </a:t>
+            </a:r>
+            <a:r>
+              <a:rPr lang="en-US" sz="1600" dirty="0"/>
+              <a:t> </a:t>
+            </a:r>
+          </a:p>
+          <a:p>
+            <a:pPr marL="0" indent="0">
+              <a:buNone/>
+            </a:pPr>
+            <a:r>
+              <a:rPr lang="en-US" sz="1600" dirty="0"/>
+              <a:t>                    # Install Stable Version with Ruby   </a:t>
+            </a:r>
+          </a:p>
+          <a:p>
+            <a:pPr marL="0" indent="0">
+              <a:buNone/>
+            </a:pPr>
+            <a:r>
+              <a:rPr lang="en-US" sz="1600" dirty="0">
+                <a:solidFill>
+                  <a:srgbClr val="C00000"/>
+                </a:solidFill>
+              </a:rPr>
+              <a:t>                    \curl -</a:t>
+            </a:r>
+            <a:r>
+              <a:rPr lang="en-US" sz="1600" dirty="0" err="1">
+                <a:solidFill>
+                  <a:srgbClr val="C00000"/>
+                </a:solidFill>
+              </a:rPr>
+              <a:t>sSL</a:t>
+            </a:r>
+            <a:r>
+              <a:rPr lang="en-US" sz="1600" dirty="0">
+                <a:solidFill>
+                  <a:srgbClr val="C00000"/>
+                </a:solidFill>
+              </a:rPr>
+              <a:t> </a:t>
+            </a:r>
+            <a:r>
+              <a:rPr lang="en-US" sz="1600" dirty="0">
+                <a:solidFill>
+                  <a:srgbClr val="C00000"/>
+                </a:solidFill>
+                <a:hlinkClick r:id="rId3"/>
+              </a:rPr>
+              <a:t>https://get.rvm.io</a:t>
+            </a:r>
+            <a:r>
+              <a:rPr lang="en-US" sz="1600" dirty="0">
+                <a:solidFill>
+                  <a:srgbClr val="C00000"/>
+                </a:solidFill>
+              </a:rPr>
+              <a:t> | bash -s stable --ruby  </a:t>
+            </a:r>
+          </a:p>
+          <a:p>
+            <a:pPr marL="0" indent="0">
+              <a:buNone/>
+            </a:pPr>
+            <a:r>
+              <a:rPr lang="en-US" sz="1600" dirty="0"/>
+              <a:t>                    # Add </a:t>
+            </a:r>
+            <a:r>
+              <a:rPr lang="en-US" sz="1600" dirty="0" err="1"/>
+              <a:t>rvm</a:t>
+            </a:r>
+            <a:r>
+              <a:rPr lang="en-US" sz="1600" dirty="0"/>
+              <a:t> to command line function  </a:t>
+            </a:r>
+          </a:p>
+          <a:p>
+            <a:pPr marL="0" indent="0">
+              <a:buNone/>
+            </a:pPr>
+            <a:r>
+              <a:rPr lang="en-US" sz="1600" dirty="0">
+                <a:solidFill>
+                  <a:srgbClr val="C00000"/>
+                </a:solidFill>
+              </a:rPr>
+              <a:t>                    source ~/.</a:t>
+            </a:r>
+            <a:r>
+              <a:rPr lang="en-US" sz="1600" dirty="0" err="1">
+                <a:solidFill>
+                  <a:srgbClr val="C00000"/>
+                </a:solidFill>
+              </a:rPr>
+              <a:t>rvm</a:t>
+            </a:r>
+            <a:r>
+              <a:rPr lang="en-US" sz="1600" dirty="0">
+                <a:solidFill>
+                  <a:srgbClr val="C00000"/>
+                </a:solidFill>
+              </a:rPr>
+              <a:t>/scripts/</a:t>
+            </a:r>
+            <a:r>
+              <a:rPr lang="en-US" sz="1600" dirty="0" err="1">
+                <a:solidFill>
+                  <a:srgbClr val="C00000"/>
+                </a:solidFill>
+              </a:rPr>
+              <a:t>rvm</a:t>
+            </a:r>
+            <a:r>
+              <a:rPr lang="en-US" sz="1600" dirty="0">
+                <a:solidFill>
+                  <a:srgbClr val="C00000"/>
+                </a:solidFill>
+              </a:rPr>
+              <a:t>  </a:t>
+            </a:r>
+          </a:p>
+          <a:p>
+            <a:pPr marL="0" indent="0">
+              <a:buNone/>
+            </a:pPr>
+            <a:r>
+              <a:rPr lang="en-US" sz="1600" dirty="0">
+                <a:solidFill>
+                  <a:srgbClr val="C00000"/>
+                </a:solidFill>
+              </a:rPr>
               <a:t>                    </a:t>
             </a:r>
             <a:r>
-              <a:rPr lang="en-US" sz="1600" dirty="0" err="1" smtClean="0">
+              <a:rPr lang="en-US" sz="1600" dirty="0" err="1">
                 <a:solidFill>
                   <a:srgbClr val="C00000"/>
                 </a:solidFill>
@@ -17043,105 +15053,66 @@
               <a:t>rvm</a:t>
             </a:r>
             <a:r>
-              <a:rPr lang="en-US" sz="1600" dirty="0" smtClean="0">
+              <a:rPr lang="en-US" sz="1600" dirty="0">
                 <a:solidFill>
                   <a:srgbClr val="C00000"/>
                 </a:solidFill>
               </a:rPr>
-              <a:t> </a:t>
-            </a:r>
+              <a:t> | head -n 1  </a:t>
+            </a:r>
+          </a:p>
+          <a:p>
+            <a:pPr marL="0" indent="0">
+              <a:buNone/>
+            </a:pPr>
+            <a:r>
+              <a:rPr lang="en-US" sz="1600" dirty="0"/>
+              <a:t>                    # The console should return:  </a:t>
+            </a:r>
+          </a:p>
+          <a:p>
+            <a:pPr marL="0" indent="0">
+              <a:buNone/>
+            </a:pPr>
             <a:r>
               <a:rPr lang="en-US" sz="1600" dirty="0">
                 <a:solidFill>
                   <a:srgbClr val="C00000"/>
                 </a:solidFill>
               </a:rPr>
-              <a:t>| head -n 1  </a:t>
-            </a:r>
-            <a:endParaRPr lang="en-US" sz="1600" dirty="0" smtClean="0">
-              <a:solidFill>
-                <a:srgbClr val="C00000"/>
-              </a:solidFill>
-            </a:endParaRPr>
+              <a:t>                    </a:t>
+            </a:r>
+            <a:r>
+              <a:rPr lang="en-US" sz="1600" dirty="0" err="1">
+                <a:solidFill>
+                  <a:srgbClr val="C00000"/>
+                </a:solidFill>
+              </a:rPr>
+              <a:t>rvm</a:t>
+            </a:r>
+            <a:r>
+              <a:rPr lang="en-US" sz="1600" dirty="0">
+                <a:solidFill>
+                  <a:srgbClr val="C00000"/>
+                </a:solidFill>
+              </a:rPr>
+              <a:t> is a function </a:t>
+            </a:r>
           </a:p>
           <a:p>
             <a:pPr marL="0" indent="0">
               <a:buNone/>
             </a:pPr>
-            <a:r>
-              <a:rPr lang="en-US" sz="1600" dirty="0" smtClean="0"/>
-              <a:t>                    # The console should return:</a:t>
-            </a:r>
-            <a:r>
-              <a:rPr lang="en-US" sz="1600" dirty="0"/>
-              <a:t>  </a:t>
-            </a:r>
-            <a:endParaRPr lang="en-US" sz="1600" dirty="0" smtClean="0"/>
-          </a:p>
-          <a:p>
-            <a:pPr marL="0" indent="0">
-              <a:buNone/>
-            </a:pPr>
-            <a:r>
-              <a:rPr lang="en-US" sz="1600" dirty="0">
-                <a:solidFill>
-                  <a:srgbClr val="C00000"/>
-                </a:solidFill>
-              </a:rPr>
-              <a:t> </a:t>
-            </a:r>
-            <a:r>
-              <a:rPr lang="en-US" sz="1600" dirty="0" smtClean="0">
-                <a:solidFill>
-                  <a:srgbClr val="C00000"/>
-                </a:solidFill>
-              </a:rPr>
-              <a:t>                   </a:t>
-            </a:r>
-            <a:r>
-              <a:rPr lang="en-US" sz="1600" dirty="0" err="1" smtClean="0">
-                <a:solidFill>
-                  <a:srgbClr val="C00000"/>
-                </a:solidFill>
-              </a:rPr>
-              <a:t>rvm</a:t>
-            </a:r>
-            <a:r>
-              <a:rPr lang="en-US" sz="1600" dirty="0" smtClean="0">
-                <a:solidFill>
-                  <a:srgbClr val="C00000"/>
-                </a:solidFill>
-              </a:rPr>
-              <a:t> </a:t>
-            </a:r>
-            <a:r>
-              <a:rPr lang="en-US" sz="1600" dirty="0">
-                <a:solidFill>
-                  <a:srgbClr val="C00000"/>
-                </a:solidFill>
-              </a:rPr>
-              <a:t>is a function </a:t>
-            </a:r>
-            <a:endParaRPr lang="en-US" sz="1600" dirty="0" smtClean="0">
-              <a:solidFill>
-                <a:srgbClr val="C00000"/>
-              </a:solidFill>
-            </a:endParaRPr>
-          </a:p>
-          <a:p>
-            <a:pPr marL="0" indent="0">
-              <a:buNone/>
-            </a:pPr>
             <a:endParaRPr lang="en-US" sz="1600" dirty="0"/>
           </a:p>
           <a:p>
             <a:endParaRPr lang="en-US" sz="1600" dirty="0"/>
           </a:p>
           <a:p>
-            <a:endParaRPr lang="en-US" sz="1600" dirty="0" smtClean="0"/>
-          </a:p>
-          <a:p>
-            <a:endParaRPr lang="en-US" sz="1600" dirty="0" smtClean="0"/>
+            <a:endParaRPr lang="en-US" sz="1600" dirty="0"/>
+          </a:p>
+          <a:p>
+            <a:endParaRPr lang="en-US" sz="1600" dirty="0"/>
           </a:p>
           <a:p>
             <a:endParaRPr lang="en-US" dirty="0"/>
@@ -17187,13 +15158,6 @@
   <p:clrMapOvr>
     <a:masterClrMapping/>
   </p:clrMapOvr>
-  <p:timing>
-    <p:tnLst>
-      <p:par>
-        <p:cTn id="1" dur="indefinite" restart="never" nodeType="tmRoot"/>
-      </p:par>
-    </p:tnLst>
-  </p:timing>
 </p:sld>
 </file>
 
@@ -17230,12 +15194,8 @@
           <a:lstStyle/>
           <a:p>
             <a:r>
-              <a:rPr lang="en-US" dirty="0" smtClean="0"/>
-              <a:t>Set up </a:t>
-            </a:r>
-            <a:r>
               <a:rPr lang="en-US" dirty="0"/>
-              <a:t>the Environment</a:t>
+              <a:t>Set up the Environment</a:t>
             </a:r>
           </a:p>
         </p:txBody>
@@ -17265,43 +15225,21 @@
             </a:pPr>
             <a:r>
               <a:rPr lang="en-US" sz="2400" dirty="0"/>
-              <a:t>Set up Ruby-OpenStudio Environment </a:t>
-            </a:r>
-            <a:r>
-              <a:rPr lang="en-US" sz="2400" dirty="0" smtClean="0"/>
-              <a:t>on </a:t>
-            </a:r>
-            <a:r>
-              <a:rPr lang="en-US" sz="2400" dirty="0"/>
-              <a:t>Mac OS </a:t>
-            </a:r>
-            <a:r>
-              <a:rPr lang="en-US" sz="2400" dirty="0" smtClean="0"/>
-              <a:t>X/Linux</a:t>
-            </a:r>
-            <a:r>
-              <a:rPr lang="en-US" sz="2400" dirty="0"/>
-              <a:t> </a:t>
-            </a:r>
-            <a:r>
-              <a:rPr lang="en-US" sz="2400" dirty="0" smtClean="0"/>
-              <a:t>- Cont.</a:t>
-            </a:r>
-            <a:endParaRPr lang="en-US" sz="2400" dirty="0"/>
+              <a:t>Set up Ruby-OpenStudio Environment on Mac OS X/Linux - Cont.</a:t>
+            </a:r>
           </a:p>
           <a:p>
             <a:r>
               <a:rPr lang="en-US" sz="1600" b="1" dirty="0"/>
-              <a:t>Install Ruby 2.0.0 with shared library  </a:t>
-            </a:r>
-            <a:endParaRPr lang="en-US" sz="1600" b="1" dirty="0" smtClean="0"/>
+              <a:t>Install Ruby 2.2.4 with shared library  </a:t>
+            </a:r>
           </a:p>
           <a:p>
             <a:pPr marL="0" indent="0">
               <a:buNone/>
             </a:pPr>
             <a:r>
-              <a:rPr lang="en-US" sz="1600" b="1" dirty="0" smtClean="0">
+              <a:rPr lang="en-US" sz="1600" b="1" dirty="0">
                 <a:solidFill>
                   <a:srgbClr val="C00000"/>
                 </a:solidFill>
@@ -17322,13 +15260,13 @@
                   <a:srgbClr val="C00000"/>
                 </a:solidFill>
               </a:rPr>
-              <a:t>   install 2.0.0 -C --enable-shared</a:t>
-            </a:r>
-          </a:p>
-          <a:p>
-            <a:r>
-              <a:rPr lang="en-US" sz="1600" b="1" dirty="0" smtClean="0"/>
-              <a:t>Set Ruby version 2.0.0 as your default Ruby</a:t>
+              <a:t> install 2.2.4 -C --enable-shared</a:t>
+            </a:r>
+          </a:p>
+          <a:p>
+            <a:r>
+              <a:rPr lang="en-US" sz="1600" b="1" dirty="0"/>
+              <a:t>Set Ruby version 2.2.4 as your default Ruby</a:t>
             </a:r>
           </a:p>
           <a:p>
@@ -17336,7 +15274,7 @@
               <a:buNone/>
             </a:pPr>
             <a:r>
-              <a:rPr lang="en-US" sz="1600" dirty="0" smtClean="0">
+              <a:rPr lang="en-US" sz="1600" dirty="0">
                 <a:solidFill>
                   <a:srgbClr val="C00000"/>
                 </a:solidFill>
@@ -17344,7 +15282,7 @@
               <a:t>                    </a:t>
             </a:r>
             <a:r>
-              <a:rPr lang="en-US" sz="1600" dirty="0" err="1" smtClean="0">
+              <a:rPr lang="en-US" sz="1600" dirty="0" err="1">
                 <a:solidFill>
                   <a:srgbClr val="C00000"/>
                 </a:solidFill>
@@ -17352,20 +15290,12 @@
               <a:t>rvm</a:t>
             </a:r>
             <a:r>
-              <a:rPr lang="en-US" sz="1600" dirty="0" smtClean="0">
+              <a:rPr lang="en-US" sz="1600" dirty="0">
                 <a:solidFill>
                   <a:srgbClr val="C00000"/>
                 </a:solidFill>
               </a:rPr>
-              <a:t> </a:t>
-            </a:r>
-            <a:r>
-              <a:rPr lang="en-US" sz="1600" dirty="0">
-                <a:solidFill>
-                  <a:srgbClr val="C00000"/>
-                </a:solidFill>
-              </a:rPr>
-              <a:t>use 2.0.0 --default  </a:t>
+              <a:t> use 2.2.4 --default  </a:t>
             </a:r>
             <a:r>
               <a:rPr lang="en-US" sz="1600" dirty="0"/>
@@ -17396,33 +15326,16 @@
             </a:pPr>
             <a:r>
               <a:rPr lang="en-US" sz="1600" dirty="0"/>
-              <a:t>For </a:t>
-            </a:r>
-            <a:r>
-              <a:rPr lang="en-US" sz="1600" dirty="0" smtClean="0"/>
-              <a:t>OSX:</a:t>
-            </a:r>
+              <a:t>For OSX: </a:t>
+            </a:r>
+          </a:p>
+          <a:p>
+            <a:pPr marL="222250" lvl="1" indent="0">
+              <a:buNone/>
+            </a:pPr>
             <a:r>
               <a:rPr lang="en-US" sz="1600" dirty="0"/>
-              <a:t> </a:t>
-            </a:r>
-            <a:endParaRPr lang="en-US" sz="1600" dirty="0" smtClean="0"/>
-          </a:p>
-          <a:p>
-            <a:pPr marL="222250" lvl="1" indent="0">
-              <a:buNone/>
-            </a:pPr>
-            <a:r>
-              <a:rPr lang="en-US" sz="1600" dirty="0"/>
-              <a:t> </a:t>
-            </a:r>
-            <a:r>
-              <a:rPr lang="en-US" sz="1600" dirty="0" smtClean="0"/>
-              <a:t>               Create </a:t>
-            </a:r>
-            <a:r>
-              <a:rPr lang="en-US" sz="1600" dirty="0"/>
-              <a:t>the </a:t>
+              <a:t>                Create the </a:t>
             </a:r>
             <a:r>
               <a:rPr lang="en-US" sz="1600" dirty="0" err="1">
@@ -17446,12 +15359,20 @@
               <a:buNone/>
             </a:pPr>
             <a:r>
-              <a:rPr lang="en-US" sz="1600" dirty="0" smtClean="0">
+              <a:rPr lang="en-US" sz="1600" dirty="0">
                 <a:solidFill>
                   <a:srgbClr val="C00000"/>
                 </a:solidFill>
               </a:rPr>
-              <a:t>                     require </a:t>
+              <a:t>                     require '/Applications/openstudio-2.7.0/Ruby/</a:t>
+            </a:r>
+            <a:r>
+              <a:rPr lang="en-US" sz="1600" dirty="0" err="1">
+                <a:solidFill>
+                  <a:srgbClr val="C00000"/>
+                </a:solidFill>
+              </a:rPr>
+              <a:t>openstudio.rb</a:t>
             </a:r>
             <a:r>
               <a:rPr lang="en-US" sz="1600" dirty="0">
@@ -17459,22 +15380,6 @@
                   <a:srgbClr val="C00000"/>
                 </a:solidFill>
               </a:rPr>
-              <a:t>'/Applications/OpenStudio 1.7.5/Ruby/</a:t>
-            </a:r>
-            <a:r>
-              <a:rPr lang="en-US" sz="1600" dirty="0" err="1">
-                <a:solidFill>
-                  <a:srgbClr val="C00000"/>
-                </a:solidFill>
-              </a:rPr>
-              <a:t>openstudio.rb</a:t>
-            </a:r>
-            <a:r>
-              <a:rPr lang="en-US" sz="1600" dirty="0">
-                <a:solidFill>
-                  <a:srgbClr val="C00000"/>
-                </a:solidFill>
-              </a:rPr>
               <a:t>' </a:t>
             </a:r>
           </a:p>
@@ -17483,12 +15388,8 @@
               <a:buNone/>
             </a:pPr>
             <a:r>
-              <a:rPr lang="en-US" sz="1600" dirty="0" smtClean="0"/>
-              <a:t>                Save </a:t>
-            </a:r>
-            <a:r>
               <a:rPr lang="en-US" sz="1600" dirty="0"/>
-              <a:t>it to:</a:t>
+              <a:t>                Save it to:</a:t>
             </a:r>
             <a:r>
               <a:rPr lang="en-US" sz="1200" dirty="0"/>
@@ -17500,7 +15401,7 @@
               <a:buNone/>
             </a:pPr>
             <a:r>
-              <a:rPr lang="en-US" sz="1600" dirty="0" smtClean="0">
+              <a:rPr lang="en-US" sz="1600" dirty="0">
                 <a:solidFill>
                   <a:srgbClr val="C00000"/>
                 </a:solidFill>
@@ -17508,7 +15409,7 @@
               <a:t>                     /Users/</a:t>
             </a:r>
             <a:r>
-              <a:rPr lang="en-US" sz="1600" dirty="0" err="1" smtClean="0">
+              <a:rPr lang="en-US" sz="1600" dirty="0" err="1">
                 <a:solidFill>
                   <a:srgbClr val="C00000"/>
                 </a:solidFill>
@@ -17537,7 +15438,7 @@
                   <a:srgbClr val="C00000"/>
                 </a:solidFill>
               </a:rPr>
-              <a:t>/rubies/ruby-2.0.0-p643/lib/ruby/</a:t>
+              <a:t>/rubies/ruby-2.2.4/lib/ruby/</a:t>
             </a:r>
             <a:r>
               <a:rPr lang="en-US" sz="1600" dirty="0" err="1">
@@ -17564,7 +15465,6 @@
               <a:rPr lang="en-US" sz="1600" dirty="0"/>
               <a:t>For Linux: </a:t>
             </a:r>
-            <a:endParaRPr lang="en-US" sz="1600" dirty="0" smtClean="0"/>
           </a:p>
           <a:p>
             <a:pPr marL="222250" lvl="1" indent="0">
@@ -17572,15 +15472,7 @@
             </a:pPr>
             <a:r>
               <a:rPr lang="en-US" sz="1600" dirty="0"/>
-              <a:t> </a:t>
-            </a:r>
-            <a:r>
-              <a:rPr lang="en-US" sz="1600" dirty="0" smtClean="0"/>
-              <a:t>               Open </a:t>
-            </a:r>
-            <a:r>
-              <a:rPr lang="en-US" sz="1600" dirty="0"/>
-              <a:t>a </a:t>
+              <a:t>                Open a </a:t>
             </a:r>
             <a:r>
               <a:rPr lang="en-US" sz="1600" dirty="0" err="1"/>
@@ -17596,12 +15488,20 @@
               <a:buNone/>
             </a:pPr>
             <a:r>
-              <a:rPr lang="en-US" sz="1600" dirty="0" smtClean="0">
+              <a:rPr lang="en-US" sz="1600" dirty="0">
                 <a:solidFill>
                   <a:srgbClr val="C00000"/>
                 </a:solidFill>
               </a:rPr>
-              <a:t>                     require </a:t>
+              <a:t>                     require '/</a:t>
+            </a:r>
+            <a:r>
+              <a:rPr lang="en-US" sz="1600" dirty="0" err="1">
+                <a:solidFill>
+                  <a:srgbClr val="C00000"/>
+                </a:solidFill>
+              </a:rPr>
+              <a:t>usr</a:t>
             </a:r>
             <a:r>
               <a:rPr lang="en-US" sz="1600" dirty="0">
@@ -17609,7 +15509,7 @@
                   <a:srgbClr val="C00000"/>
                 </a:solidFill>
               </a:rPr>
-              <a:t>'/</a:t>
+              <a:t>/local/lib/openstudio-2.7.0/ruby/2.0/</a:t>
             </a:r>
             <a:r>
               <a:rPr lang="en-US" sz="1600" dirty="0" err="1">
@@ -17617,7 +15517,7 @@
                   <a:srgbClr val="C00000"/>
                 </a:solidFill>
               </a:rPr>
-              <a:t>usr</a:t>
+              <a:t>openstudio.rb</a:t>
             </a:r>
             <a:r>
               <a:rPr lang="en-US" sz="1600" dirty="0">
@@ -17625,7 +15525,29 @@
                   <a:srgbClr val="C00000"/>
                 </a:solidFill>
               </a:rPr>
-              <a:t>/local/lib/openstudio-1.8.0/ruby/2.0/</a:t>
+              <a:t>' </a:t>
+            </a:r>
+          </a:p>
+          <a:p>
+            <a:pPr marL="0" indent="0">
+              <a:buNone/>
+            </a:pPr>
+            <a:r>
+              <a:rPr lang="en-US" sz="1600" dirty="0"/>
+              <a:t>                     Save it to: </a:t>
+            </a:r>
+          </a:p>
+          <a:p>
+            <a:pPr marL="0" indent="0">
+              <a:buNone/>
+            </a:pPr>
+            <a:r>
+              <a:rPr lang="en-US" sz="1600" dirty="0">
+                <a:solidFill>
+                  <a:srgbClr val="C00000"/>
+                </a:solidFill>
+              </a:rPr>
+              <a:t>                    /home/user-name/.</a:t>
             </a:r>
             <a:r>
               <a:rPr lang="en-US" sz="1600" dirty="0" err="1">
@@ -17633,7 +15555,7 @@
                   <a:srgbClr val="C00000"/>
                 </a:solidFill>
               </a:rPr>
-              <a:t>openstudio.rb</a:t>
+              <a:t>rvm</a:t>
             </a:r>
             <a:r>
               <a:rPr lang="en-US" sz="1600" dirty="0">
@@ -17641,33 +15563,15 @@
                   <a:srgbClr val="C00000"/>
                 </a:solidFill>
               </a:rPr>
-              <a:t>' </a:t>
-            </a:r>
-          </a:p>
-          <a:p>
-            <a:pPr marL="0" indent="0">
-              <a:buNone/>
-            </a:pPr>
-            <a:r>
-              <a:rPr lang="en-US" sz="1600" dirty="0" smtClean="0"/>
-              <a:t>                     Save </a:t>
-            </a:r>
-            <a:r>
-              <a:rPr lang="en-US" sz="1600" dirty="0"/>
-              <a:t>it to: </a:t>
-            </a:r>
-          </a:p>
-          <a:p>
-            <a:pPr marL="0" indent="0">
-              <a:buNone/>
-            </a:pPr>
-            <a:r>
-              <a:rPr lang="en-US" sz="1600" dirty="0" smtClean="0">
+              <a:t>/rubies/ruby-2.2.4/lib/ruby/</a:t>
+            </a:r>
+            <a:r>
+              <a:rPr lang="en-US" sz="1600" dirty="0" err="1">
                 <a:solidFill>
                   <a:srgbClr val="C00000"/>
                 </a:solidFill>
               </a:rPr>
-              <a:t>                    /</a:t>
+              <a:t>site_ruby</a:t>
             </a:r>
             <a:r>
               <a:rPr lang="en-US" sz="1600" dirty="0">
@@ -17675,39 +15579,7 @@
                   <a:srgbClr val="C00000"/>
                 </a:solidFill>
               </a:rPr>
-              <a:t>home/user-name/.</a:t>
-            </a:r>
-            <a:r>
-              <a:rPr lang="en-US" sz="1600" dirty="0" err="1">
-                <a:solidFill>
-                  <a:srgbClr val="C00000"/>
-                </a:solidFill>
-              </a:rPr>
-              <a:t>rvm</a:t>
-            </a:r>
-            <a:r>
-              <a:rPr lang="en-US" sz="1600" dirty="0">
-                <a:solidFill>
-                  <a:srgbClr val="C00000"/>
-                </a:solidFill>
-              </a:rPr>
-              <a:t>/rubies/ruby-2.0.0-p643/lib/ruby/</a:t>
-            </a:r>
-            <a:r>
-              <a:rPr lang="en-US" sz="1600" dirty="0" err="1">
-                <a:solidFill>
-                  <a:srgbClr val="C00000"/>
-                </a:solidFill>
-              </a:rPr>
-              <a:t>site_ruby</a:t>
-            </a:r>
-            <a:r>
-              <a:rPr lang="en-US" sz="1600" dirty="0">
-                <a:solidFill>
-                  <a:srgbClr val="C00000"/>
-                </a:solidFill>
-              </a:rPr>
-              <a:t> </a:t>
+              <a:t>/</a:t>
             </a:r>
           </a:p>
           <a:p>
@@ -17725,12 +15597,20 @@
               <a:buNone/>
             </a:pPr>
             <a:r>
-              <a:rPr lang="en-US" sz="1600" dirty="0" smtClean="0">
+              <a:rPr lang="en-US" sz="1600" dirty="0">
                 <a:solidFill>
                   <a:srgbClr val="C00000"/>
                 </a:solidFill>
               </a:rPr>
-              <a:t>     </a:t>
+              <a:t>                     For example: gem install </a:t>
+            </a:r>
+            <a:r>
+              <a:rPr lang="en-US" sz="1600" dirty="0" err="1">
+                <a:solidFill>
+                  <a:srgbClr val="C00000"/>
+                </a:solidFill>
+              </a:rPr>
+              <a:t>rinruby</a:t>
             </a:r>
             <a:r>
               <a:rPr lang="en-US" sz="1600" dirty="0">
@@ -17738,49 +15618,17 @@
                   <a:srgbClr val="C00000"/>
                 </a:solidFill>
               </a:rPr>
-              <a:t> </a:t>
-            </a:r>
-            <a:r>
-              <a:rPr lang="en-US" sz="1600" dirty="0" smtClean="0">
-                <a:solidFill>
-                  <a:srgbClr val="C00000"/>
-                </a:solidFill>
-              </a:rPr>
-              <a:t>               gem </a:t>
-            </a:r>
-            <a:r>
-              <a:rPr lang="en-US" sz="1600" dirty="0">
-                <a:solidFill>
-                  <a:srgbClr val="C00000"/>
-                </a:solidFill>
-              </a:rPr>
-              <a:t>install </a:t>
-            </a:r>
-            <a:r>
-              <a:rPr lang="en-US" sz="1600" dirty="0" err="1">
-                <a:solidFill>
-                  <a:srgbClr val="C00000"/>
-                </a:solidFill>
-              </a:rPr>
-              <a:t>rubyXL</a:t>
-            </a:r>
-            <a:r>
-              <a:rPr lang="en-US" sz="1600" dirty="0">
-                <a:solidFill>
-                  <a:srgbClr val="C00000"/>
-                </a:solidFill>
-              </a:rPr>
-              <a:t> </a:t>
+              <a:t>  </a:t>
             </a:r>
           </a:p>
           <a:p>
             <a:endParaRPr lang="en-US" sz="1600" dirty="0"/>
           </a:p>
           <a:p>
-            <a:endParaRPr lang="en-US" sz="1600" dirty="0" smtClean="0"/>
-          </a:p>
-          <a:p>
-            <a:endParaRPr lang="en-US" sz="1600" dirty="0" smtClean="0"/>
+            <a:endParaRPr lang="en-US" sz="1600" dirty="0"/>
+          </a:p>
+          <a:p>
+            <a:endParaRPr lang="en-US" sz="1600" dirty="0"/>
           </a:p>
           <a:p>
             <a:endParaRPr lang="en-US" dirty="0"/>
@@ -17826,13 +15674,6 @@
   <p:clrMapOvr>
     <a:masterClrMapping/>
   </p:clrMapOvr>
-  <p:timing>
-    <p:tnLst>
-      <p:par>
-        <p:cTn id="1" dur="indefinite" restart="never" nodeType="tmRoot"/>
-      </p:par>
-    </p:tnLst>
-  </p:timing>
 </p:sld>
 </file>
 
@@ -17895,25 +15736,17 @@
             </a:pPr>
             <a:r>
               <a:rPr lang="en-US" sz="2400" dirty="0"/>
-              <a:t>Set up Ruby-OpenStudio Environment </a:t>
-            </a:r>
-            <a:r>
-              <a:rPr lang="en-US" sz="2400" dirty="0" smtClean="0"/>
-              <a:t>on </a:t>
-            </a:r>
-            <a:r>
-              <a:rPr lang="en-US" sz="2400" dirty="0" smtClean="0"/>
-              <a:t>Windows</a:t>
+              <a:t>Set up Ruby-OpenStudio Environment on Windows</a:t>
             </a:r>
             <a:endParaRPr lang="en-US" dirty="0"/>
           </a:p>
           <a:p>
             <a:r>
-              <a:rPr lang="en-US" sz="1600" dirty="0" smtClean="0"/>
+              <a:rPr lang="en-US" sz="1600" dirty="0"/>
               <a:t>By clicking the </a:t>
             </a:r>
             <a:r>
-              <a:rPr lang="en-US" sz="1600" dirty="0" smtClean="0">
+              <a:rPr lang="en-US" sz="1600" dirty="0">
                 <a:solidFill>
                   <a:srgbClr val="FF0000"/>
                 </a:solidFill>
@@ -17922,17 +15755,8 @@
             </a:r>
             <a:r>
               <a:rPr lang="en-US" sz="1600" dirty="0"/>
-              <a:t> </a:t>
-            </a:r>
-            <a:r>
-              <a:rPr lang="en-US" sz="1600" dirty="0" smtClean="0"/>
-              <a:t>file, it will help you install all the required R packages and ruby gems as well as set up the paths.</a:t>
-            </a:r>
-            <a:r>
-              <a:rPr lang="en-US" sz="1600" dirty="0"/>
-              <a:t>  </a:t>
-            </a:r>
-            <a:endParaRPr lang="en-US" sz="1600" dirty="0" smtClean="0"/>
+              <a:t> file, it will help you install all the required R packages and ruby gems as well as set up the paths.  </a:t>
+            </a:r>
           </a:p>
           <a:p>
             <a:pPr marL="0" indent="0">
@@ -17944,10 +15768,10 @@
             <a:endParaRPr lang="en-US" sz="1600" dirty="0"/>
           </a:p>
           <a:p>
-            <a:endParaRPr lang="en-US" sz="1600" dirty="0" smtClean="0"/>
-          </a:p>
-          <a:p>
-            <a:endParaRPr lang="en-US" sz="1600" dirty="0" smtClean="0"/>
+            <a:endParaRPr lang="en-US" sz="1600" dirty="0"/>
+          </a:p>
+          <a:p>
+            <a:endParaRPr lang="en-US" sz="1600" dirty="0"/>
           </a:p>
           <a:p>
             <a:endParaRPr lang="en-US" dirty="0"/>
@@ -18060,7 +15884,7 @@
           <a:lstStyle/>
           <a:p>
             <a:r>
-              <a:rPr lang="en-US" sz="1600" dirty="0" smtClean="0">
+              <a:rPr lang="en-US" sz="1600" dirty="0">
                 <a:solidFill>
                   <a:schemeClr val="bg2">
                     <a:lumMod val="10000"/>
@@ -18069,13 +15893,6 @@
               </a:rPr>
               <a:t>The following slides explains how to do the installation of the gems and packages step by step. The user could skip to the Test Installation slides directly to test your installation. </a:t>
             </a:r>
-            <a:endParaRPr lang="en-US" sz="1600" dirty="0">
-              <a:solidFill>
-                <a:schemeClr val="bg2">
-                  <a:lumMod val="10000"/>
-                </a:schemeClr>
-              </a:solidFill>
-            </a:endParaRPr>
           </a:p>
         </p:txBody>
       </p:sp>
@@ -18089,13 +15906,6 @@
   <p:clrMapOvr>
     <a:masterClrMapping/>
   </p:clrMapOvr>
-  <p:timing>
-    <p:tnLst>
-      <p:par>
-        <p:cTn id="1" dur="indefinite" restart="never" nodeType="tmRoot"/>
-      </p:par>
-    </p:tnLst>
-  </p:timing>
 </p:sld>
 </file>
 
@@ -18804,7 +16614,7 @@
         <a:sysClr val="windowText" lastClr="000000"/>
       </a:dk1>
       <a:lt1>
-        <a:sysClr val="window" lastClr="C7EDCC"/>
+        <a:sysClr val="window" lastClr="FFFFFF"/>
       </a:lt1>
       <a:dk2>
         <a:srgbClr val="1F497D"/>
@@ -19122,7 +16932,7 @@
         <a:srgbClr val="616161"/>
       </a:dk1>
       <a:lt1>
-        <a:sysClr val="window" lastClr="C7EDCC"/>
+        <a:sysClr val="window" lastClr="FFFFFF"/>
       </a:lt1>
       <a:dk2>
         <a:srgbClr val="1F497D"/>
